--- a/Katalon 설치 가이드.pptx
+++ b/Katalon 설치 가이드.pptx
@@ -1306,7 +1306,7 @@
                 <a:latin typeface="맑은 고딕" panose="020B0503020000020004" pitchFamily="50" charset="-127"/>
                 <a:ea typeface="맑은 고딕" panose="020B0503020000020004" pitchFamily="50" charset="-127"/>
               </a:rPr>
-              <a:t>2024-02-19</a:t>
+              <a:t>2024-02-23</a:t>
             </a:fld>
             <a:endParaRPr lang="ko-KR" altLang="en-US" noProof="1">
               <a:latin typeface="맑은 고딕" panose="020B0503020000020004" pitchFamily="50" charset="-127"/>
@@ -1500,7 +1500,7 @@
               <a:rPr lang="ko-KR" altLang="en-US" noProof="1" smtClean="0">
                 <a:latin typeface="맑은 고딕" panose="020B0503020000020004" pitchFamily="50" charset="-127"/>
               </a:rPr>
-              <a:t>2024-02-19</a:t>
+              <a:t>2024-02-23</a:t>
             </a:fld>
             <a:endParaRPr lang="ko-KR" altLang="en-US" noProof="1">
               <a:latin typeface="맑은 고딕" panose="020B0503020000020004" pitchFamily="50" charset="-127"/>
@@ -2869,7 +2869,7 @@
           <a:p>
             <a:fld id="{F063532E-FCE7-41F2-A1D3-3E80C0B1206F}" type="datetime1">
               <a:rPr lang="ko-KR" altLang="en-US" noProof="1" smtClean="0"/>
-              <a:t>2024-02-19</a:t>
+              <a:t>2024-02-23</a:t>
             </a:fld>
             <a:endParaRPr lang="ko-KR" altLang="en-US" noProof="1"/>
           </a:p>
@@ -3171,7 +3171,7 @@
             <a:pPr rtl="0"/>
             <a:fld id="{CF8FFEF0-3104-43C6-9CB4-DC529D5DB0D2}" type="datetime1">
               <a:rPr lang="ko-KR" altLang="en-US" noProof="1" smtClean="0"/>
-              <a:t>2024-02-19</a:t>
+              <a:t>2024-02-23</a:t>
             </a:fld>
             <a:endParaRPr lang="ko-KR" altLang="en-US" noProof="1"/>
           </a:p>
@@ -3504,7 +3504,7 @@
           <a:p>
             <a:fld id="{E1099592-BCFF-4E4F-8375-214344D5757E}" type="datetime1">
               <a:rPr lang="ko-KR" altLang="en-US" noProof="1" smtClean="0"/>
-              <a:t>2024-02-19</a:t>
+              <a:t>2024-02-23</a:t>
             </a:fld>
             <a:endParaRPr lang="ko-KR" altLang="en-US" noProof="1"/>
           </a:p>
@@ -3890,7 +3890,7 @@
             <a:pPr rtl="0"/>
             <a:fld id="{F4424C00-E5C1-429C-A552-4CDCF745A674}" type="datetime1">
               <a:rPr lang="ko-KR" altLang="en-US" noProof="1" smtClean="0"/>
-              <a:t>2024-02-19</a:t>
+              <a:t>2024-02-23</a:t>
             </a:fld>
             <a:endParaRPr lang="ko-KR" altLang="en-US" noProof="1"/>
           </a:p>
@@ -4198,7 +4198,7 @@
             <a:pPr rtl="0"/>
             <a:fld id="{B49F89AB-C418-4B33-B392-67F39C42CA50}" type="datetime1">
               <a:rPr lang="ko-KR" altLang="en-US" noProof="1" smtClean="0"/>
-              <a:t>2024-02-19</a:t>
+              <a:t>2024-02-23</a:t>
             </a:fld>
             <a:endParaRPr lang="ko-KR" altLang="en-US" noProof="1"/>
           </a:p>
@@ -4727,7 +4727,7 @@
             <a:pPr rtl="0"/>
             <a:fld id="{6E445BDE-1766-46AA-9343-0A855DAF8A9C}" type="datetime1">
               <a:rPr lang="ko-KR" altLang="en-US" noProof="1" smtClean="0"/>
-              <a:t>2024-02-19</a:t>
+              <a:t>2024-02-23</a:t>
             </a:fld>
             <a:endParaRPr lang="ko-KR" altLang="en-US" noProof="1"/>
           </a:p>
@@ -5394,7 +5394,7 @@
             <a:pPr rtl="0"/>
             <a:fld id="{B4FAF6D6-7228-4B2E-AC55-629B03D2D76A}" type="datetime1">
               <a:rPr lang="ko-KR" altLang="en-US" noProof="1" smtClean="0"/>
-              <a:t>2024-02-19</a:t>
+              <a:t>2024-02-23</a:t>
             </a:fld>
             <a:endParaRPr lang="ko-KR" altLang="en-US" noProof="1"/>
           </a:p>
@@ -5627,7 +5627,7 @@
             <a:pPr rtl="0"/>
             <a:fld id="{AAB41C57-F108-4254-9248-CA6710A9D0B5}" type="datetime1">
               <a:rPr lang="ko-KR" altLang="en-US" noProof="1" smtClean="0"/>
-              <a:t>2024-02-19</a:t>
+              <a:t>2024-02-23</a:t>
             </a:fld>
             <a:endParaRPr lang="ko-KR" altLang="en-US" noProof="1"/>
           </a:p>
@@ -5773,7 +5773,7 @@
             <a:pPr rtl="0"/>
             <a:fld id="{1A68BAE6-145C-44DE-AB4F-E477CC5C4777}" type="datetime1">
               <a:rPr lang="ko-KR" altLang="en-US" noProof="1" smtClean="0"/>
-              <a:t>2024-02-19</a:t>
+              <a:t>2024-02-23</a:t>
             </a:fld>
             <a:endParaRPr lang="ko-KR" altLang="en-US" noProof="1"/>
           </a:p>
@@ -6121,7 +6121,7 @@
             <a:pPr rtl="0"/>
             <a:fld id="{FE573257-B959-443E-B6BF-620CB01F8072}" type="datetime1">
               <a:rPr lang="ko-KR" altLang="en-US" noProof="1" smtClean="0"/>
-              <a:t>2024-02-19</a:t>
+              <a:t>2024-02-23</a:t>
             </a:fld>
             <a:endParaRPr lang="ko-KR" altLang="en-US" noProof="1"/>
           </a:p>
@@ -6391,7 +6391,7 @@
             <a:pPr rtl="0"/>
             <a:fld id="{A74BCB98-D36E-44B3-BF16-0F6851259046}" type="datetime1">
               <a:rPr lang="ko-KR" altLang="en-US" noProof="1" smtClean="0"/>
-              <a:t>2024-02-19</a:t>
+              <a:t>2024-02-23</a:t>
             </a:fld>
             <a:endParaRPr lang="ko-KR" altLang="en-US" noProof="1"/>
           </a:p>
@@ -6610,7 +6610,7 @@
           <a:p>
             <a:fld id="{E05F190B-0788-4CF3-8B20-F90E17707D5A}" type="datetime1">
               <a:rPr lang="ko-KR" altLang="en-US" noProof="1" smtClean="0"/>
-              <a:t>2024-02-19</a:t>
+              <a:t>2024-02-23</a:t>
             </a:fld>
             <a:endParaRPr lang="ko-KR" altLang="en-US" noProof="1"/>
           </a:p>
@@ -7142,11 +7142,7 @@
             </a:r>
             <a:r>
               <a:rPr lang="en-US" altLang="ko-KR" noProof="1"/>
-              <a:t>(</a:t>
-            </a:r>
-            <a:r>
-              <a:rPr lang="en-US" altLang="ko-KR" noProof="1"/>
-              <a:t>Window</a:t>
+              <a:t>(Window</a:t>
             </a:r>
             <a:r>
               <a:rPr lang="en-US" altLang="ko-KR" noProof="1" smtClean="0"/>
@@ -7199,14 +7195,7 @@
                 <a:ea typeface="맑은 고딕" panose="020B0503020000020004" pitchFamily="50" charset="-127"/>
                 <a:hlinkClick r:id="rId3"/>
               </a:rPr>
-              <a:t>https://</a:t>
-            </a:r>
-            <a:r>
-              <a:rPr lang="en-US" altLang="ko-KR" sz="1800" noProof="1">
-                <a:ea typeface="맑은 고딕" panose="020B0503020000020004" pitchFamily="50" charset="-127"/>
-                <a:hlinkClick r:id="rId3"/>
-              </a:rPr>
-              <a:t>blog.dogutech.io/app-test-automation-tutorial-3</a:t>
+              <a:t>https://blog.dogutech.io/app-test-automation-tutorial-3</a:t>
             </a:r>
             <a:r>
               <a:rPr lang="en-US" altLang="ko-KR" sz="1800" noProof="1" smtClean="0">
@@ -7225,14 +7214,7 @@
                 <a:ea typeface="맑은 고딕" panose="020B0503020000020004" pitchFamily="50" charset="-127"/>
                 <a:hlinkClick r:id="rId4"/>
               </a:rPr>
-              <a:t>https</a:t>
-            </a:r>
-            <a:r>
-              <a:rPr lang="en-US" altLang="ko-KR" sz="1800" noProof="1">
-                <a:ea typeface="맑은 고딕" panose="020B0503020000020004" pitchFamily="50" charset="-127"/>
-                <a:hlinkClick r:id="rId4"/>
-              </a:rPr>
-              <a:t>://</a:t>
+              <a:t>https://</a:t>
             </a:r>
             <a:r>
               <a:rPr lang="en-US" altLang="ko-KR" sz="1800" noProof="1" smtClean="0">
@@ -7251,14 +7233,7 @@
                 <a:ea typeface="맑은 고딕" panose="020B0503020000020004" pitchFamily="50" charset="-127"/>
                 <a:hlinkClick r:id="rId5"/>
               </a:rPr>
-              <a:t>https</a:t>
-            </a:r>
-            <a:r>
-              <a:rPr lang="en-US" altLang="ko-KR" sz="1800" noProof="1">
-                <a:ea typeface="맑은 고딕" panose="020B0503020000020004" pitchFamily="50" charset="-127"/>
-                <a:hlinkClick r:id="rId5"/>
-              </a:rPr>
-              <a:t>://</a:t>
+              <a:t>https://</a:t>
             </a:r>
             <a:r>
               <a:rPr lang="en-US" altLang="ko-KR" sz="1800" noProof="1" smtClean="0">
@@ -7520,10 +7495,6 @@
               <a:rPr lang="ko-KR" altLang="en-US" sz="2000" dirty="0"/>
               <a:t>를 사용하여 실행</a:t>
             </a:r>
-            <a:r>
-              <a:rPr lang="ko-KR" altLang="en-US" sz="2000" dirty="0"/>
-              <a:t/>
-            </a:r>
             <a:br>
               <a:rPr lang="ko-KR" altLang="en-US" sz="2000" dirty="0"/>
             </a:br>
@@ -7582,14 +7553,7 @@
                 <a:ea typeface="맑은 고딕" panose="020B0503020000020004" pitchFamily="50" charset="-127"/>
                 <a:hlinkClick r:id="rId3"/>
               </a:rPr>
-              <a:t>https://</a:t>
-            </a:r>
-            <a:r>
-              <a:rPr lang="en-US" altLang="ko-KR" sz="2000" noProof="1">
-                <a:ea typeface="맑은 고딕" panose="020B0503020000020004" pitchFamily="50" charset="-127"/>
-                <a:hlinkClick r:id="rId3"/>
-              </a:rPr>
-              <a:t>www.oracle.com/kr/java/technologies/downloads</a:t>
+              <a:t>https://www.oracle.com/kr/java/technologies/downloads</a:t>
             </a:r>
             <a:r>
               <a:rPr lang="en-US" altLang="ko-KR" sz="2000" noProof="1" smtClean="0">
@@ -7625,13 +7589,7 @@
               <a:rPr lang="ko-KR" altLang="en-US" sz="2000" b="1" noProof="1">
                 <a:ea typeface="맑은 고딕" panose="020B0503020000020004" pitchFamily="50" charset="-127"/>
               </a:rPr>
-              <a:t>실행환경에 맞춰 </a:t>
-            </a:r>
-            <a:r>
-              <a:rPr lang="ko-KR" altLang="en-US" sz="2000" b="1" noProof="1">
-                <a:ea typeface="맑은 고딕" panose="020B0503020000020004" pitchFamily="50" charset="-127"/>
-              </a:rPr>
-              <a:t>선택</a:t>
+              <a:t>실행환경에 맞춰 선택</a:t>
             </a:r>
             <a:r>
               <a:rPr lang="en-US" altLang="ko-KR" sz="2000" b="1" noProof="1" smtClean="0">
@@ -7897,14 +7855,7 @@
                 <a:ea typeface="맑은 고딕" panose="020B0503020000020004" pitchFamily="50" charset="-127"/>
                 <a:hlinkClick r:id="rId3"/>
               </a:rPr>
-              <a:t>https</a:t>
-            </a:r>
-            <a:r>
-              <a:rPr lang="en-US" altLang="ko-KR" noProof="1">
-                <a:ea typeface="맑은 고딕" panose="020B0503020000020004" pitchFamily="50" charset="-127"/>
-                <a:hlinkClick r:id="rId3"/>
-              </a:rPr>
-              <a:t>://</a:t>
+              <a:t>https://</a:t>
             </a:r>
             <a:r>
               <a:rPr lang="en-US" altLang="ko-KR" noProof="1" smtClean="0">
@@ -8094,13 +8045,13 @@
         </p:nvSpPr>
         <p:spPr>
           <a:xfrm>
-            <a:off x="0" y="1329500"/>
-            <a:ext cx="4926726" cy="5528500"/>
+            <a:off x="535459" y="1754659"/>
+            <a:ext cx="4613688" cy="5103341"/>
           </a:xfrm>
         </p:spPr>
         <p:txBody>
           <a:bodyPr rtlCol="0">
-            <a:normAutofit/>
+            <a:normAutofit fontScale="92500"/>
           </a:bodyPr>
           <a:lstStyle/>
           <a:p>
@@ -8376,31 +8327,27 @@
               </a:rPr>
               <a:t>ANDROID_HOME</a:t>
             </a:r>
-            <a:endParaRPr lang="en-US" altLang="ko-KR" b="1" dirty="0">
-              <a:solidFill>
-                <a:srgbClr val="FF0000"/>
-              </a:solidFill>
-            </a:endParaRPr>
           </a:p>
         </p:txBody>
       </p:sp>
       <p:pic>
         <p:nvPicPr>
-          <p:cNvPr id="4" name="그림 3"/>
+          <p:cNvPr id="5" name="그림 4"/>
           <p:cNvPicPr>
             <a:picLocks noChangeAspect="1"/>
           </p:cNvPicPr>
           <p:nvPr/>
         </p:nvPicPr>
-        <p:blipFill rotWithShape="1">
+        <p:blipFill>
           <a:blip r:embed="rId3"/>
-          <a:srcRect t="6625" r="4869"/>
-          <a:stretch/>
+          <a:stretch>
+            <a:fillRect/>
+          </a:stretch>
         </p:blipFill>
         <p:spPr>
           <a:xfrm>
-            <a:off x="4926726" y="1329500"/>
-            <a:ext cx="7265274" cy="5528500"/>
+            <a:off x="5808062" y="1812324"/>
+            <a:ext cx="5695531" cy="4804838"/>
           </a:xfrm>
           <a:prstGeom prst="rect">
             <a:avLst/>
@@ -8471,9 +8418,6 @@
               </a:rPr>
               <a:t>설치</a:t>
             </a:r>
-            <a:endParaRPr lang="ko-KR" altLang="en-US" noProof="1">
-              <a:ea typeface="맑은 고딕" panose="020B0503020000020004" pitchFamily="50" charset="-127"/>
-            </a:endParaRPr>
           </a:p>
         </p:txBody>
       </p:sp>
@@ -8786,13 +8730,7 @@
               <a:rPr lang="en-US" altLang="ko-KR" noProof="1" smtClean="0">
                 <a:ea typeface="맑은 고딕" panose="020B0503020000020004" pitchFamily="50" charset="-127"/>
               </a:rPr>
-              <a:t>4-1</a:t>
-            </a:r>
-            <a:r>
-              <a:rPr lang="en-US" altLang="ko-KR" noProof="1" smtClean="0">
-                <a:ea typeface="맑은 고딕" panose="020B0503020000020004" pitchFamily="50" charset="-127"/>
-              </a:rPr>
-              <a:t>. Appium </a:t>
+              <a:t>4-1. Appium </a:t>
             </a:r>
             <a:r>
               <a:rPr lang="ko-KR" altLang="en-US" noProof="1" smtClean="0">
@@ -9047,16 +8985,6 @@
                 </a:solidFill>
               </a:rPr>
               <a:t>프로그램 설치</a:t>
-            </a:r>
-            <a:r>
-              <a:rPr lang="ko-KR" altLang="en-US" dirty="0">
-                <a:solidFill>
-                  <a:schemeClr val="bg1">
-                    <a:lumMod val="65000"/>
-                  </a:schemeClr>
-                </a:solidFill>
-              </a:rPr>
-              <a:t/>
             </a:r>
             <a:br>
               <a:rPr lang="ko-KR" altLang="en-US" dirty="0">
@@ -9512,10 +9440,6 @@
             <a:r>
               <a:rPr lang="ko-KR" altLang="en-US" dirty="0"/>
               <a:t>설치한 적 있으면 실행</a:t>
-            </a:r>
-            <a:r>
-              <a:rPr lang="ko-KR" altLang="en-US" dirty="0"/>
-              <a:t/>
             </a:r>
             <a:br>
               <a:rPr lang="ko-KR" altLang="en-US" dirty="0"/>
@@ -9809,29 +9733,59 @@
         </p:nvSpPr>
         <p:spPr>
           <a:xfrm>
-            <a:off x="604434" y="1825625"/>
-            <a:ext cx="6051330" cy="785018"/>
+            <a:off x="604434" y="1549410"/>
+            <a:ext cx="6623084" cy="552430"/>
           </a:xfrm>
         </p:spPr>
         <p:txBody>
           <a:bodyPr>
-            <a:normAutofit/>
+            <a:noAutofit/>
           </a:bodyPr>
           <a:lstStyle/>
           <a:p>
             <a:r>
-              <a:rPr lang="ko-KR" altLang="en-US" dirty="0"/>
+              <a:rPr lang="en-US" altLang="ko-KR" sz="1400" b="1" dirty="0" err="1" smtClean="0"/>
+              <a:t>Katalon</a:t>
+            </a:r>
+            <a:r>
+              <a:rPr lang="en-US" altLang="ko-KR" sz="1400" b="1" dirty="0" smtClean="0"/>
+              <a:t> </a:t>
+            </a:r>
+            <a:r>
+              <a:rPr lang="ko-KR" altLang="en-US" sz="1400" b="1" dirty="0" smtClean="0"/>
+              <a:t>다운로드 </a:t>
+            </a:r>
+            <a:r>
+              <a:rPr lang="en-US" altLang="ko-KR" sz="1400" dirty="0"/>
+              <a:t>: </a:t>
+            </a:r>
+            <a:r>
+              <a:rPr lang="en-US" altLang="ko-KR" sz="1400" dirty="0">
+                <a:hlinkClick r:id="rId3"/>
+              </a:rPr>
+              <a:t>https://</a:t>
+            </a:r>
+            <a:r>
+              <a:rPr lang="en-US" altLang="ko-KR" sz="1400" dirty="0" smtClean="0">
+                <a:hlinkClick r:id="rId3"/>
+              </a:rPr>
+              <a:t>katalon.com/download/</a:t>
+            </a:r>
+            <a:endParaRPr lang="en-US" altLang="ko-KR" sz="1400" dirty="0"/>
+          </a:p>
+          <a:p>
+            <a:r>
+              <a:rPr lang="ko-KR" altLang="en-US" sz="1400" dirty="0" smtClean="0"/>
               <a:t>연결된 </a:t>
             </a:r>
             <a:r>
-              <a:rPr lang="ko-KR" altLang="en-US" dirty="0" err="1"/>
+              <a:rPr lang="ko-KR" altLang="en-US" sz="1400" dirty="0" err="1"/>
               <a:t>모바일</a:t>
             </a:r>
             <a:r>
-              <a:rPr lang="ko-KR" altLang="en-US" dirty="0"/>
+              <a:rPr lang="ko-KR" altLang="en-US" sz="1400" dirty="0"/>
               <a:t> 장치 확인은 아래 경로로 확인 가능</a:t>
             </a:r>
-            <a:endParaRPr lang="ko-KR" altLang="en-US" dirty="0"/>
           </a:p>
         </p:txBody>
       </p:sp>
@@ -9844,7 +9798,7 @@
           <p:nvPr/>
         </p:nvPicPr>
         <p:blipFill>
-          <a:blip r:embed="rId3">
+          <a:blip r:embed="rId4">
             <a:extLst>
               <a:ext uri="{28A0092B-C50C-407E-A947-70E740481C1C}">
                 <a14:useLocalDpi xmlns:a14="http://schemas.microsoft.com/office/drawing/2010/main" val="0"/>
@@ -9885,7 +9839,7 @@
           <p:nvPr/>
         </p:nvPicPr>
         <p:blipFill rotWithShape="1">
-          <a:blip r:embed="rId4">
+          <a:blip r:embed="rId5">
             <a:extLst>
               <a:ext uri="{28A0092B-C50C-407E-A947-70E740481C1C}">
                 <a14:useLocalDpi xmlns:a14="http://schemas.microsoft.com/office/drawing/2010/main" val="0"/>
@@ -10127,27 +10081,27 @@
           </a:lstStyle>
           <a:p>
             <a:r>
-              <a:rPr lang="en-US" altLang="ko-KR" sz="1800" b="1" smtClean="0"/>
+              <a:rPr lang="en-US" altLang="ko-KR" sz="1800" b="1" dirty="0" smtClean="0"/>
               <a:t>1. USB</a:t>
             </a:r>
             <a:r>
-              <a:rPr lang="ko-KR" altLang="en-US" sz="1800" b="1" smtClean="0"/>
+              <a:rPr lang="ko-KR" altLang="en-US" sz="1800" b="1" dirty="0" smtClean="0"/>
               <a:t>로 연결</a:t>
             </a:r>
           </a:p>
           <a:p>
             <a:r>
-              <a:rPr lang="ko-KR" altLang="en-US" sz="1800" smtClean="0"/>
+              <a:rPr lang="ko-KR" altLang="en-US" sz="1800" dirty="0" smtClean="0"/>
               <a:t>해당 디바이스를 직업 연결해서 등록하는 방법</a:t>
             </a:r>
             <a:br>
-              <a:rPr lang="ko-KR" altLang="en-US" sz="1800" smtClean="0"/>
+              <a:rPr lang="ko-KR" altLang="en-US" sz="1800" dirty="0" smtClean="0"/>
             </a:br>
             <a:r>
-              <a:rPr lang="ko-KR" altLang="en-US" sz="1800" smtClean="0"/>
+              <a:rPr lang="ko-KR" altLang="en-US" sz="1800" dirty="0" smtClean="0"/>
               <a:t>디바이스를 연결한 뒤 화면에 뜨는 개발자 도구 디버깅 허용을 클릭 해 연결</a:t>
             </a:r>
-            <a:endParaRPr lang="en-US" altLang="ko-KR" sz="1800" smtClean="0"/>
+            <a:endParaRPr lang="en-US" altLang="ko-KR" sz="1800" dirty="0" smtClean="0"/>
           </a:p>
           <a:p>
             <a:endParaRPr lang="ko-KR" altLang="en-US" sz="1800" dirty="0"/>
@@ -11160,14 +11114,6 @@
                 </a:solidFill>
               </a:rPr>
               <a:t>\emulator</a:t>
-            </a:r>
-            <a:r>
-              <a:rPr lang="en-US" altLang="ko-KR" b="1" dirty="0">
-                <a:solidFill>
-                  <a:srgbClr val="FF0000"/>
-                </a:solidFill>
-              </a:rPr>
-              <a:t/>
             </a:r>
             <a:br>
               <a:rPr lang="en-US" altLang="ko-KR" b="1" dirty="0">
@@ -12094,6 +12040,141 @@
 </file>
 
 <file path=customXml/item1.xml><?xml version="1.0" encoding="utf-8"?>
+<?mso-contentType ?>
+<FormTemplates xmlns="http://schemas.microsoft.com/sharepoint/v3/contenttype/forms">
+  <Display>DocumentLibraryForm</Display>
+  <Edit>AssetEditForm</Edit>
+  <New>DocumentLibraryForm</New>
+</FormTemplates>
+</file>
+
+<file path=customXml/item2.xml><?xml version="1.0" encoding="utf-8"?>
+<p:properties xmlns:p="http://schemas.microsoft.com/office/2006/metadata/properties" xmlns:xsi="http://www.w3.org/2001/XMLSchema-instance" xmlns:pc="http://schemas.microsoft.com/office/infopath/2007/PartnerControls">
+  <documentManagement>
+    <DirectSourceMarket xmlns="4873beb7-5857-4685-be1f-d57550cc96cc" xsi:nil="true"/>
+    <ApprovalStatus xmlns="4873beb7-5857-4685-be1f-d57550cc96cc">InProgress</ApprovalStatus>
+    <MarketSpecific xmlns="4873beb7-5857-4685-be1f-d57550cc96cc">false</MarketSpecific>
+    <LocComments xmlns="4873beb7-5857-4685-be1f-d57550cc96cc" xsi:nil="true"/>
+    <ThumbnailAssetId xmlns="4873beb7-5857-4685-be1f-d57550cc96cc" xsi:nil="true"/>
+    <PrimaryImageGen xmlns="4873beb7-5857-4685-be1f-d57550cc96cc">true</PrimaryImageGen>
+    <LegacyData xmlns="4873beb7-5857-4685-be1f-d57550cc96cc" xsi:nil="true"/>
+    <LocRecommendedHandoff xmlns="4873beb7-5857-4685-be1f-d57550cc96cc" xsi:nil="true"/>
+    <BusinessGroup xmlns="4873beb7-5857-4685-be1f-d57550cc96cc" xsi:nil="true"/>
+    <BlockPublish xmlns="4873beb7-5857-4685-be1f-d57550cc96cc">false</BlockPublish>
+    <TPFriendlyName xmlns="4873beb7-5857-4685-be1f-d57550cc96cc" xsi:nil="true"/>
+    <NumericId xmlns="4873beb7-5857-4685-be1f-d57550cc96cc" xsi:nil="true"/>
+    <APEditor xmlns="4873beb7-5857-4685-be1f-d57550cc96cc">
+      <UserInfo>
+        <DisplayName/>
+        <AccountId xsi:nil="true"/>
+        <AccountType/>
+      </UserInfo>
+    </APEditor>
+    <SourceTitle xmlns="4873beb7-5857-4685-be1f-d57550cc96cc" xsi:nil="true"/>
+    <OpenTemplate xmlns="4873beb7-5857-4685-be1f-d57550cc96cc">true</OpenTemplate>
+    <UALocComments xmlns="4873beb7-5857-4685-be1f-d57550cc96cc" xsi:nil="true"/>
+    <ParentAssetId xmlns="4873beb7-5857-4685-be1f-d57550cc96cc" xsi:nil="true"/>
+    <IntlLangReviewDate xmlns="4873beb7-5857-4685-be1f-d57550cc96cc" xsi:nil="true"/>
+    <FeatureTagsTaxHTField0 xmlns="4873beb7-5857-4685-be1f-d57550cc96cc">
+      <Terms xmlns="http://schemas.microsoft.com/office/infopath/2007/PartnerControls"/>
+    </FeatureTagsTaxHTField0>
+    <PublishStatusLookup xmlns="4873beb7-5857-4685-be1f-d57550cc96cc">
+      <Value>1584528</Value>
+    </PublishStatusLookup>
+    <Providers xmlns="4873beb7-5857-4685-be1f-d57550cc96cc" xsi:nil="true"/>
+    <MachineTranslated xmlns="4873beb7-5857-4685-be1f-d57550cc96cc">false</MachineTranslated>
+    <OriginalSourceMarket xmlns="4873beb7-5857-4685-be1f-d57550cc96cc" xsi:nil="true"/>
+    <APDescription xmlns="4873beb7-5857-4685-be1f-d57550cc96cc" xsi:nil="true"/>
+    <ClipArtFilename xmlns="4873beb7-5857-4685-be1f-d57550cc96cc" xsi:nil="true"/>
+    <ContentItem xmlns="4873beb7-5857-4685-be1f-d57550cc96cc" xsi:nil="true"/>
+    <TPInstallLocation xmlns="4873beb7-5857-4685-be1f-d57550cc96cc" xsi:nil="true"/>
+    <PublishTargets xmlns="4873beb7-5857-4685-be1f-d57550cc96cc">OfficeOnlineVNext</PublishTargets>
+    <TimesCloned xmlns="4873beb7-5857-4685-be1f-d57550cc96cc" xsi:nil="true"/>
+    <AssetStart xmlns="4873beb7-5857-4685-be1f-d57550cc96cc">2012-06-20T23:39:00+00:00</AssetStart>
+    <Provider xmlns="4873beb7-5857-4685-be1f-d57550cc96cc" xsi:nil="true"/>
+    <AcquiredFrom xmlns="4873beb7-5857-4685-be1f-d57550cc96cc">Internal MS</AcquiredFrom>
+    <FriendlyTitle xmlns="4873beb7-5857-4685-be1f-d57550cc96cc" xsi:nil="true"/>
+    <LastHandOff xmlns="4873beb7-5857-4685-be1f-d57550cc96cc" xsi:nil="true"/>
+    <TPClientViewer xmlns="4873beb7-5857-4685-be1f-d57550cc96cc" xsi:nil="true"/>
+    <UACurrentWords xmlns="4873beb7-5857-4685-be1f-d57550cc96cc" xsi:nil="true"/>
+    <ArtSampleDocs xmlns="4873beb7-5857-4685-be1f-d57550cc96cc" xsi:nil="true"/>
+    <UALocRecommendation xmlns="4873beb7-5857-4685-be1f-d57550cc96cc">Localize</UALocRecommendation>
+    <Manager xmlns="4873beb7-5857-4685-be1f-d57550cc96cc" xsi:nil="true"/>
+    <ShowIn xmlns="4873beb7-5857-4685-be1f-d57550cc96cc">Show everywhere</ShowIn>
+    <UANotes xmlns="4873beb7-5857-4685-be1f-d57550cc96cc" xsi:nil="true"/>
+    <TemplateStatus xmlns="4873beb7-5857-4685-be1f-d57550cc96cc">Complete</TemplateStatus>
+    <InternalTagsTaxHTField0 xmlns="4873beb7-5857-4685-be1f-d57550cc96cc">
+      <Terms xmlns="http://schemas.microsoft.com/office/infopath/2007/PartnerControls"/>
+    </InternalTagsTaxHTField0>
+    <CSXHash xmlns="4873beb7-5857-4685-be1f-d57550cc96cc" xsi:nil="true"/>
+    <Downloads xmlns="4873beb7-5857-4685-be1f-d57550cc96cc">0</Downloads>
+    <VoteCount xmlns="4873beb7-5857-4685-be1f-d57550cc96cc" xsi:nil="true"/>
+    <OOCacheId xmlns="4873beb7-5857-4685-be1f-d57550cc96cc" xsi:nil="true"/>
+    <IsDeleted xmlns="4873beb7-5857-4685-be1f-d57550cc96cc">false</IsDeleted>
+    <AssetExpire xmlns="4873beb7-5857-4685-be1f-d57550cc96cc">2029-01-01T08:00:00+00:00</AssetExpire>
+    <DSATActionTaken xmlns="4873beb7-5857-4685-be1f-d57550cc96cc" xsi:nil="true"/>
+    <CSXSubmissionMarket xmlns="4873beb7-5857-4685-be1f-d57550cc96cc" xsi:nil="true"/>
+    <TPExecutable xmlns="4873beb7-5857-4685-be1f-d57550cc96cc" xsi:nil="true"/>
+    <SubmitterId xmlns="4873beb7-5857-4685-be1f-d57550cc96cc" xsi:nil="true"/>
+    <EditorialTags xmlns="4873beb7-5857-4685-be1f-d57550cc96cc" xsi:nil="true"/>
+    <ApprovalLog xmlns="4873beb7-5857-4685-be1f-d57550cc96cc" xsi:nil="true"/>
+    <AssetType xmlns="4873beb7-5857-4685-be1f-d57550cc96cc">TP</AssetType>
+    <BugNumber xmlns="4873beb7-5857-4685-be1f-d57550cc96cc" xsi:nil="true"/>
+    <CSXSubmissionDate xmlns="4873beb7-5857-4685-be1f-d57550cc96cc" xsi:nil="true"/>
+    <CSXUpdate xmlns="4873beb7-5857-4685-be1f-d57550cc96cc">false</CSXUpdate>
+    <Milestone xmlns="4873beb7-5857-4685-be1f-d57550cc96cc" xsi:nil="true"/>
+    <RecommendationsModifier xmlns="4873beb7-5857-4685-be1f-d57550cc96cc" xsi:nil="true"/>
+    <OriginAsset xmlns="4873beb7-5857-4685-be1f-d57550cc96cc" xsi:nil="true"/>
+    <TPComponent xmlns="4873beb7-5857-4685-be1f-d57550cc96cc" xsi:nil="true"/>
+    <AssetId xmlns="4873beb7-5857-4685-be1f-d57550cc96cc">TP102923943</AssetId>
+    <IntlLocPriority xmlns="4873beb7-5857-4685-be1f-d57550cc96cc" xsi:nil="true"/>
+    <PolicheckWords xmlns="4873beb7-5857-4685-be1f-d57550cc96cc" xsi:nil="true"/>
+    <TPLaunchHelpLink xmlns="4873beb7-5857-4685-be1f-d57550cc96cc" xsi:nil="true"/>
+    <TPApplication xmlns="4873beb7-5857-4685-be1f-d57550cc96cc" xsi:nil="true"/>
+    <CrawlForDependencies xmlns="4873beb7-5857-4685-be1f-d57550cc96cc">false</CrawlForDependencies>
+    <HandoffToMSDN xmlns="4873beb7-5857-4685-be1f-d57550cc96cc" xsi:nil="true"/>
+    <PlannedPubDate xmlns="4873beb7-5857-4685-be1f-d57550cc96cc" xsi:nil="true"/>
+    <IntlLangReviewer xmlns="4873beb7-5857-4685-be1f-d57550cc96cc" xsi:nil="true"/>
+    <TrustLevel xmlns="4873beb7-5857-4685-be1f-d57550cc96cc">1 Microsoft Managed Content</TrustLevel>
+    <LocLastLocAttemptVersionLookup xmlns="4873beb7-5857-4685-be1f-d57550cc96cc">843282</LocLastLocAttemptVersionLookup>
+    <IsSearchable xmlns="4873beb7-5857-4685-be1f-d57550cc96cc">true</IsSearchable>
+    <TemplateTemplateType xmlns="4873beb7-5857-4685-be1f-d57550cc96cc">PowerPoint Template - Slideshow Launch</TemplateTemplateType>
+    <CampaignTagsTaxHTField0 xmlns="4873beb7-5857-4685-be1f-d57550cc96cc">
+      <Terms xmlns="http://schemas.microsoft.com/office/infopath/2007/PartnerControls"/>
+    </CampaignTagsTaxHTField0>
+    <TPNamespace xmlns="4873beb7-5857-4685-be1f-d57550cc96cc" xsi:nil="true"/>
+    <TaxCatchAll xmlns="4873beb7-5857-4685-be1f-d57550cc96cc"/>
+    <Markets xmlns="4873beb7-5857-4685-be1f-d57550cc96cc"/>
+    <UAProjectedTotalWords xmlns="4873beb7-5857-4685-be1f-d57550cc96cc" xsi:nil="true"/>
+    <IntlLangReview xmlns="4873beb7-5857-4685-be1f-d57550cc96cc">false</IntlLangReview>
+    <OutputCachingOn xmlns="4873beb7-5857-4685-be1f-d57550cc96cc">false</OutputCachingOn>
+    <AverageRating xmlns="4873beb7-5857-4685-be1f-d57550cc96cc" xsi:nil="true"/>
+    <LocMarketGroupTiers2 xmlns="4873beb7-5857-4685-be1f-d57550cc96cc" xsi:nil="true"/>
+    <APAuthor xmlns="4873beb7-5857-4685-be1f-d57550cc96cc">
+      <UserInfo>
+        <DisplayName>REDMOND\v-sa</DisplayName>
+        <AccountId>2467</AccountId>
+        <AccountType/>
+      </UserInfo>
+    </APAuthor>
+    <LocManualTestRequired xmlns="4873beb7-5857-4685-be1f-d57550cc96cc">false</LocManualTestRequired>
+    <TPCommandLine xmlns="4873beb7-5857-4685-be1f-d57550cc96cc" xsi:nil="true"/>
+    <TPAppVersion xmlns="4873beb7-5857-4685-be1f-d57550cc96cc" xsi:nil="true"/>
+    <EditorialStatus xmlns="4873beb7-5857-4685-be1f-d57550cc96cc">Complete</EditorialStatus>
+    <LastModifiedDateTime xmlns="4873beb7-5857-4685-be1f-d57550cc96cc" xsi:nil="true"/>
+    <ScenarioTagsTaxHTField0 xmlns="4873beb7-5857-4685-be1f-d57550cc96cc">
+      <Terms xmlns="http://schemas.microsoft.com/office/infopath/2007/PartnerControls"/>
+    </ScenarioTagsTaxHTField0>
+    <OriginalRelease xmlns="4873beb7-5857-4685-be1f-d57550cc96cc">15</OriginalRelease>
+    <TPLaunchHelpLinkType xmlns="4873beb7-5857-4685-be1f-d57550cc96cc">Template</TPLaunchHelpLinkType>
+    <LocalizationTagsTaxHTField0 xmlns="4873beb7-5857-4685-be1f-d57550cc96cc">
+      <Terms xmlns="http://schemas.microsoft.com/office/infopath/2007/PartnerControls"/>
+    </LocalizationTagsTaxHTField0>
+  </documentManagement>
+</p:properties>
+</file>
+
+<file path=customXml/item3.xml><?xml version="1.0" encoding="utf-8"?>
 <ct:contentTypeSchema xmlns:ct="http://schemas.microsoft.com/office/2006/metadata/contentType" xmlns:ma="http://schemas.microsoft.com/office/2006/metadata/properties/metaAttributes" ct:_="" ma:_="" ma:contentTypeName="TemplateFile" ma:contentTypeID="0x0101006EDDDB5EE6D98C44930B742096920B300400F5B6D36B3EF94B4E9A635CDF2A18F5B8" ma:contentTypeVersion="72" ma:contentTypeDescription="Create a new document." ma:contentTypeScope="" ma:versionID="a23e56308344d904b51738559c3d67c9">
   <xsd:schema xmlns:xsd="http://www.w3.org/2001/XMLSchema" xmlns:xs="http://www.w3.org/2001/XMLSchema" xmlns:p="http://schemas.microsoft.com/office/2006/metadata/properties" xmlns:ns2="4873beb7-5857-4685-be1f-d57550cc96cc" targetNamespace="http://schemas.microsoft.com/office/2006/metadata/properties" ma:root="true" ma:fieldsID="cd0908cc4600e77bf5da051303e00c8d" ns2:_="">
     <xsd:import namespace="4873beb7-5857-4685-be1f-d57550cc96cc"/>
@@ -13133,142 +13214,31 @@
 </ct:contentTypeSchema>
 </file>
 
-<file path=customXml/item2.xml><?xml version="1.0" encoding="utf-8"?>
-<?mso-contentType ?>
-<FormTemplates xmlns="http://schemas.microsoft.com/sharepoint/v3/contenttype/forms">
-  <Display>DocumentLibraryForm</Display>
-  <Edit>AssetEditForm</Edit>
-  <New>DocumentLibraryForm</New>
-</FormTemplates>
+<file path=customXml/itemProps1.xml><?xml version="1.0" encoding="utf-8"?>
+<ds:datastoreItem xmlns:ds="http://schemas.openxmlformats.org/officeDocument/2006/customXml" ds:itemID="{C3DEC53A-9DF1-4780-BE92-17E971B7A9ED}">
+  <ds:schemaRefs>
+    <ds:schemaRef ds:uri="http://schemas.microsoft.com/sharepoint/v3/contenttype/forms"/>
+  </ds:schemaRefs>
+</ds:datastoreItem>
 </file>
 
-<file path=customXml/item3.xml><?xml version="1.0" encoding="utf-8"?>
-<p:properties xmlns:p="http://schemas.microsoft.com/office/2006/metadata/properties" xmlns:xsi="http://www.w3.org/2001/XMLSchema-instance" xmlns:pc="http://schemas.microsoft.com/office/infopath/2007/PartnerControls">
-  <documentManagement>
-    <DirectSourceMarket xmlns="4873beb7-5857-4685-be1f-d57550cc96cc" xsi:nil="true"/>
-    <ApprovalStatus xmlns="4873beb7-5857-4685-be1f-d57550cc96cc">InProgress</ApprovalStatus>
-    <MarketSpecific xmlns="4873beb7-5857-4685-be1f-d57550cc96cc">false</MarketSpecific>
-    <LocComments xmlns="4873beb7-5857-4685-be1f-d57550cc96cc" xsi:nil="true"/>
-    <ThumbnailAssetId xmlns="4873beb7-5857-4685-be1f-d57550cc96cc" xsi:nil="true"/>
-    <PrimaryImageGen xmlns="4873beb7-5857-4685-be1f-d57550cc96cc">true</PrimaryImageGen>
-    <LegacyData xmlns="4873beb7-5857-4685-be1f-d57550cc96cc" xsi:nil="true"/>
-    <LocRecommendedHandoff xmlns="4873beb7-5857-4685-be1f-d57550cc96cc" xsi:nil="true"/>
-    <BusinessGroup xmlns="4873beb7-5857-4685-be1f-d57550cc96cc" xsi:nil="true"/>
-    <BlockPublish xmlns="4873beb7-5857-4685-be1f-d57550cc96cc">false</BlockPublish>
-    <TPFriendlyName xmlns="4873beb7-5857-4685-be1f-d57550cc96cc" xsi:nil="true"/>
-    <NumericId xmlns="4873beb7-5857-4685-be1f-d57550cc96cc" xsi:nil="true"/>
-    <APEditor xmlns="4873beb7-5857-4685-be1f-d57550cc96cc">
-      <UserInfo>
-        <DisplayName/>
-        <AccountId xsi:nil="true"/>
-        <AccountType/>
-      </UserInfo>
-    </APEditor>
-    <SourceTitle xmlns="4873beb7-5857-4685-be1f-d57550cc96cc" xsi:nil="true"/>
-    <OpenTemplate xmlns="4873beb7-5857-4685-be1f-d57550cc96cc">true</OpenTemplate>
-    <UALocComments xmlns="4873beb7-5857-4685-be1f-d57550cc96cc" xsi:nil="true"/>
-    <ParentAssetId xmlns="4873beb7-5857-4685-be1f-d57550cc96cc" xsi:nil="true"/>
-    <IntlLangReviewDate xmlns="4873beb7-5857-4685-be1f-d57550cc96cc" xsi:nil="true"/>
-    <FeatureTagsTaxHTField0 xmlns="4873beb7-5857-4685-be1f-d57550cc96cc">
-      <Terms xmlns="http://schemas.microsoft.com/office/infopath/2007/PartnerControls"/>
-    </FeatureTagsTaxHTField0>
-    <PublishStatusLookup xmlns="4873beb7-5857-4685-be1f-d57550cc96cc">
-      <Value>1584528</Value>
-    </PublishStatusLookup>
-    <Providers xmlns="4873beb7-5857-4685-be1f-d57550cc96cc" xsi:nil="true"/>
-    <MachineTranslated xmlns="4873beb7-5857-4685-be1f-d57550cc96cc">false</MachineTranslated>
-    <OriginalSourceMarket xmlns="4873beb7-5857-4685-be1f-d57550cc96cc" xsi:nil="true"/>
-    <APDescription xmlns="4873beb7-5857-4685-be1f-d57550cc96cc" xsi:nil="true"/>
-    <ClipArtFilename xmlns="4873beb7-5857-4685-be1f-d57550cc96cc" xsi:nil="true"/>
-    <ContentItem xmlns="4873beb7-5857-4685-be1f-d57550cc96cc" xsi:nil="true"/>
-    <TPInstallLocation xmlns="4873beb7-5857-4685-be1f-d57550cc96cc" xsi:nil="true"/>
-    <PublishTargets xmlns="4873beb7-5857-4685-be1f-d57550cc96cc">OfficeOnlineVNext</PublishTargets>
-    <TimesCloned xmlns="4873beb7-5857-4685-be1f-d57550cc96cc" xsi:nil="true"/>
-    <AssetStart xmlns="4873beb7-5857-4685-be1f-d57550cc96cc">2012-06-20T23:39:00+00:00</AssetStart>
-    <Provider xmlns="4873beb7-5857-4685-be1f-d57550cc96cc" xsi:nil="true"/>
-    <AcquiredFrom xmlns="4873beb7-5857-4685-be1f-d57550cc96cc">Internal MS</AcquiredFrom>
-    <FriendlyTitle xmlns="4873beb7-5857-4685-be1f-d57550cc96cc" xsi:nil="true"/>
-    <LastHandOff xmlns="4873beb7-5857-4685-be1f-d57550cc96cc" xsi:nil="true"/>
-    <TPClientViewer xmlns="4873beb7-5857-4685-be1f-d57550cc96cc" xsi:nil="true"/>
-    <UACurrentWords xmlns="4873beb7-5857-4685-be1f-d57550cc96cc" xsi:nil="true"/>
-    <ArtSampleDocs xmlns="4873beb7-5857-4685-be1f-d57550cc96cc" xsi:nil="true"/>
-    <UALocRecommendation xmlns="4873beb7-5857-4685-be1f-d57550cc96cc">Localize</UALocRecommendation>
-    <Manager xmlns="4873beb7-5857-4685-be1f-d57550cc96cc" xsi:nil="true"/>
-    <ShowIn xmlns="4873beb7-5857-4685-be1f-d57550cc96cc">Show everywhere</ShowIn>
-    <UANotes xmlns="4873beb7-5857-4685-be1f-d57550cc96cc" xsi:nil="true"/>
-    <TemplateStatus xmlns="4873beb7-5857-4685-be1f-d57550cc96cc">Complete</TemplateStatus>
-    <InternalTagsTaxHTField0 xmlns="4873beb7-5857-4685-be1f-d57550cc96cc">
-      <Terms xmlns="http://schemas.microsoft.com/office/infopath/2007/PartnerControls"/>
-    </InternalTagsTaxHTField0>
-    <CSXHash xmlns="4873beb7-5857-4685-be1f-d57550cc96cc" xsi:nil="true"/>
-    <Downloads xmlns="4873beb7-5857-4685-be1f-d57550cc96cc">0</Downloads>
-    <VoteCount xmlns="4873beb7-5857-4685-be1f-d57550cc96cc" xsi:nil="true"/>
-    <OOCacheId xmlns="4873beb7-5857-4685-be1f-d57550cc96cc" xsi:nil="true"/>
-    <IsDeleted xmlns="4873beb7-5857-4685-be1f-d57550cc96cc">false</IsDeleted>
-    <AssetExpire xmlns="4873beb7-5857-4685-be1f-d57550cc96cc">2029-01-01T08:00:00+00:00</AssetExpire>
-    <DSATActionTaken xmlns="4873beb7-5857-4685-be1f-d57550cc96cc" xsi:nil="true"/>
-    <CSXSubmissionMarket xmlns="4873beb7-5857-4685-be1f-d57550cc96cc" xsi:nil="true"/>
-    <TPExecutable xmlns="4873beb7-5857-4685-be1f-d57550cc96cc" xsi:nil="true"/>
-    <SubmitterId xmlns="4873beb7-5857-4685-be1f-d57550cc96cc" xsi:nil="true"/>
-    <EditorialTags xmlns="4873beb7-5857-4685-be1f-d57550cc96cc" xsi:nil="true"/>
-    <ApprovalLog xmlns="4873beb7-5857-4685-be1f-d57550cc96cc" xsi:nil="true"/>
-    <AssetType xmlns="4873beb7-5857-4685-be1f-d57550cc96cc">TP</AssetType>
-    <BugNumber xmlns="4873beb7-5857-4685-be1f-d57550cc96cc" xsi:nil="true"/>
-    <CSXSubmissionDate xmlns="4873beb7-5857-4685-be1f-d57550cc96cc" xsi:nil="true"/>
-    <CSXUpdate xmlns="4873beb7-5857-4685-be1f-d57550cc96cc">false</CSXUpdate>
-    <Milestone xmlns="4873beb7-5857-4685-be1f-d57550cc96cc" xsi:nil="true"/>
-    <RecommendationsModifier xmlns="4873beb7-5857-4685-be1f-d57550cc96cc" xsi:nil="true"/>
-    <OriginAsset xmlns="4873beb7-5857-4685-be1f-d57550cc96cc" xsi:nil="true"/>
-    <TPComponent xmlns="4873beb7-5857-4685-be1f-d57550cc96cc" xsi:nil="true"/>
-    <AssetId xmlns="4873beb7-5857-4685-be1f-d57550cc96cc">TP102923943</AssetId>
-    <IntlLocPriority xmlns="4873beb7-5857-4685-be1f-d57550cc96cc" xsi:nil="true"/>
-    <PolicheckWords xmlns="4873beb7-5857-4685-be1f-d57550cc96cc" xsi:nil="true"/>
-    <TPLaunchHelpLink xmlns="4873beb7-5857-4685-be1f-d57550cc96cc" xsi:nil="true"/>
-    <TPApplication xmlns="4873beb7-5857-4685-be1f-d57550cc96cc" xsi:nil="true"/>
-    <CrawlForDependencies xmlns="4873beb7-5857-4685-be1f-d57550cc96cc">false</CrawlForDependencies>
-    <HandoffToMSDN xmlns="4873beb7-5857-4685-be1f-d57550cc96cc" xsi:nil="true"/>
-    <PlannedPubDate xmlns="4873beb7-5857-4685-be1f-d57550cc96cc" xsi:nil="true"/>
-    <IntlLangReviewer xmlns="4873beb7-5857-4685-be1f-d57550cc96cc" xsi:nil="true"/>
-    <TrustLevel xmlns="4873beb7-5857-4685-be1f-d57550cc96cc">1 Microsoft Managed Content</TrustLevel>
-    <LocLastLocAttemptVersionLookup xmlns="4873beb7-5857-4685-be1f-d57550cc96cc">843282</LocLastLocAttemptVersionLookup>
-    <IsSearchable xmlns="4873beb7-5857-4685-be1f-d57550cc96cc">true</IsSearchable>
-    <TemplateTemplateType xmlns="4873beb7-5857-4685-be1f-d57550cc96cc">PowerPoint Template - Slideshow Launch</TemplateTemplateType>
-    <CampaignTagsTaxHTField0 xmlns="4873beb7-5857-4685-be1f-d57550cc96cc">
-      <Terms xmlns="http://schemas.microsoft.com/office/infopath/2007/PartnerControls"/>
-    </CampaignTagsTaxHTField0>
-    <TPNamespace xmlns="4873beb7-5857-4685-be1f-d57550cc96cc" xsi:nil="true"/>
-    <TaxCatchAll xmlns="4873beb7-5857-4685-be1f-d57550cc96cc"/>
-    <Markets xmlns="4873beb7-5857-4685-be1f-d57550cc96cc"/>
-    <UAProjectedTotalWords xmlns="4873beb7-5857-4685-be1f-d57550cc96cc" xsi:nil="true"/>
-    <IntlLangReview xmlns="4873beb7-5857-4685-be1f-d57550cc96cc">false</IntlLangReview>
-    <OutputCachingOn xmlns="4873beb7-5857-4685-be1f-d57550cc96cc">false</OutputCachingOn>
-    <AverageRating xmlns="4873beb7-5857-4685-be1f-d57550cc96cc" xsi:nil="true"/>
-    <LocMarketGroupTiers2 xmlns="4873beb7-5857-4685-be1f-d57550cc96cc" xsi:nil="true"/>
-    <APAuthor xmlns="4873beb7-5857-4685-be1f-d57550cc96cc">
-      <UserInfo>
-        <DisplayName>REDMOND\v-sa</DisplayName>
-        <AccountId>2467</AccountId>
-        <AccountType/>
-      </UserInfo>
-    </APAuthor>
-    <LocManualTestRequired xmlns="4873beb7-5857-4685-be1f-d57550cc96cc">false</LocManualTestRequired>
-    <TPCommandLine xmlns="4873beb7-5857-4685-be1f-d57550cc96cc" xsi:nil="true"/>
-    <TPAppVersion xmlns="4873beb7-5857-4685-be1f-d57550cc96cc" xsi:nil="true"/>
-    <EditorialStatus xmlns="4873beb7-5857-4685-be1f-d57550cc96cc">Complete</EditorialStatus>
-    <LastModifiedDateTime xmlns="4873beb7-5857-4685-be1f-d57550cc96cc" xsi:nil="true"/>
-    <ScenarioTagsTaxHTField0 xmlns="4873beb7-5857-4685-be1f-d57550cc96cc">
-      <Terms xmlns="http://schemas.microsoft.com/office/infopath/2007/PartnerControls"/>
-    </ScenarioTagsTaxHTField0>
-    <OriginalRelease xmlns="4873beb7-5857-4685-be1f-d57550cc96cc">15</OriginalRelease>
-    <TPLaunchHelpLinkType xmlns="4873beb7-5857-4685-be1f-d57550cc96cc">Template</TPLaunchHelpLinkType>
-    <LocalizationTagsTaxHTField0 xmlns="4873beb7-5857-4685-be1f-d57550cc96cc">
-      <Terms xmlns="http://schemas.microsoft.com/office/infopath/2007/PartnerControls"/>
-    </LocalizationTagsTaxHTField0>
-  </documentManagement>
-</p:properties>
+<file path=customXml/itemProps2.xml><?xml version="1.0" encoding="utf-8"?>
+<ds:datastoreItem xmlns:ds="http://schemas.openxmlformats.org/officeDocument/2006/customXml" ds:itemID="{B970C04F-E7AC-41AB-9C6D-1B1BB88BFF7F}">
+  <ds:schemaRefs>
+    <ds:schemaRef ds:uri="http://schemas.microsoft.com/office/2006/documentManagement/types"/>
+    <ds:schemaRef ds:uri="http://schemas.microsoft.com/office/infopath/2007/PartnerControls"/>
+    <ds:schemaRef ds:uri="http://purl.org/dc/dcmitype/"/>
+    <ds:schemaRef ds:uri="http://schemas.openxmlformats.org/package/2006/metadata/core-properties"/>
+    <ds:schemaRef ds:uri="http://purl.org/dc/elements/1.1/"/>
+    <ds:schemaRef ds:uri="4873beb7-5857-4685-be1f-d57550cc96cc"/>
+    <ds:schemaRef ds:uri="http://purl.org/dc/terms/"/>
+    <ds:schemaRef ds:uri="http://schemas.microsoft.com/office/2006/metadata/properties"/>
+    <ds:schemaRef ds:uri="http://www.w3.org/XML/1998/namespace"/>
+  </ds:schemaRefs>
+</ds:datastoreItem>
 </file>
 
-<file path=customXml/itemProps1.xml><?xml version="1.0" encoding="utf-8"?>
+<file path=customXml/itemProps3.xml><?xml version="1.0" encoding="utf-8"?>
 <ds:datastoreItem xmlns:ds="http://schemas.openxmlformats.org/officeDocument/2006/customXml" ds:itemID="{63EE7759-C66F-4EA4-9863-7EBA32518D3D}">
   <ds:schemaRefs>
     <ds:schemaRef ds:uri="http://schemas.microsoft.com/office/2006/metadata/contentType"/>
@@ -13284,22 +13254,4 @@
     <ds:schemaRef ds:uri="http://schemas.microsoft.com/internal/obd"/>
   </ds:schemaRefs>
 </ds:datastoreItem>
-</file>
-
-<file path=customXml/itemProps2.xml><?xml version="1.0" encoding="utf-8"?>
-<ds:datastoreItem xmlns:ds="http://schemas.openxmlformats.org/officeDocument/2006/customXml" ds:itemID="{C3DEC53A-9DF1-4780-BE92-17E971B7A9ED}">
-  <ds:schemaRefs>
-    <ds:schemaRef ds:uri="http://schemas.microsoft.com/sharepoint/v3/contenttype/forms"/>
-  </ds:schemaRefs>
-</ds:datastoreItem>
-</file>
-
-<file path=customXml/itemProps3.xml><?xml version="1.0" encoding="utf-8"?>
-<ds:datastoreItem xmlns:ds="http://schemas.openxmlformats.org/officeDocument/2006/customXml" ds:itemID="{B970C04F-E7AC-41AB-9C6D-1B1BB88BFF7F}">
-  <ds:schemaRefs>
-    <ds:schemaRef ds:uri="http://schemas.microsoft.com/office/2006/metadata/properties"/>
-    <ds:schemaRef ds:uri="http://schemas.microsoft.com/office/infopath/2007/PartnerControls"/>
-    <ds:schemaRef ds:uri="4873beb7-5857-4685-be1f-d57550cc96cc"/>
-  </ds:schemaRefs>
-</ds:datastoreItem>
 </file>
--- a/Katalon 설치 가이드.pptx
+++ b/Katalon 설치 가이드.pptx
@@ -5,22 +5,25 @@
     <p:sldMasterId id="2147483660" r:id="rId4"/>
   </p:sldMasterIdLst>
   <p:notesMasterIdLst>
-    <p:notesMasterId r:id="rId15"/>
+    <p:notesMasterId r:id="rId18"/>
   </p:notesMasterIdLst>
   <p:handoutMasterIdLst>
-    <p:handoutMasterId r:id="rId16"/>
+    <p:handoutMasterId r:id="rId19"/>
   </p:handoutMasterIdLst>
   <p:sldIdLst>
     <p:sldId id="256" r:id="rId5"/>
     <p:sldId id="262" r:id="rId6"/>
     <p:sldId id="257" r:id="rId7"/>
     <p:sldId id="264" r:id="rId8"/>
-    <p:sldId id="267" r:id="rId9"/>
-    <p:sldId id="265" r:id="rId10"/>
-    <p:sldId id="266" r:id="rId11"/>
+    <p:sldId id="265" r:id="rId9"/>
+    <p:sldId id="266" r:id="rId10"/>
+    <p:sldId id="267" r:id="rId11"/>
     <p:sldId id="268" r:id="rId12"/>
-    <p:sldId id="269" r:id="rId13"/>
-    <p:sldId id="263" r:id="rId14"/>
+    <p:sldId id="272" r:id="rId13"/>
+    <p:sldId id="271" r:id="rId14"/>
+    <p:sldId id="270" r:id="rId15"/>
+    <p:sldId id="269" r:id="rId16"/>
+    <p:sldId id="263" r:id="rId17"/>
   </p:sldIdLst>
   <p:sldSz cx="12192000" cy="6858000"/>
   <p:notesSz cx="6858000" cy="9144000"/>
@@ -132,10 +135,13 @@
             <p14:sldId id="262"/>
             <p14:sldId id="257"/>
             <p14:sldId id="264"/>
-            <p14:sldId id="267"/>
             <p14:sldId id="265"/>
             <p14:sldId id="266"/>
+            <p14:sldId id="267"/>
             <p14:sldId id="268"/>
+            <p14:sldId id="272"/>
+            <p14:sldId id="271"/>
+            <p14:sldId id="270"/>
             <p14:sldId id="269"/>
           </p14:sldIdLst>
         </p14:section>
@@ -1233,7 +1239,7 @@
           <p:cNvPr id="2" name="머리글 개체 틀 1">
             <a:extLst>
               <a:ext uri="{FF2B5EF4-FFF2-40B4-BE49-F238E27FC236}">
-                <a16:creationId xmlns:a16="http://schemas.microsoft.com/office/drawing/2014/main" xmlns="" id="{E58CCC7E-18E5-4A82-92F1-3204F64FAE5F}"/>
+                <a16:creationId xmlns="" xmlns:a16="http://schemas.microsoft.com/office/drawing/2014/main" id="{E58CCC7E-18E5-4A82-92F1-3204F64FAE5F}"/>
               </a:ext>
             </a:extLst>
           </p:cNvPr>
@@ -1273,7 +1279,7 @@
           <p:cNvPr id="3" name="날짜 개체 틀 2">
             <a:extLst>
               <a:ext uri="{FF2B5EF4-FFF2-40B4-BE49-F238E27FC236}">
-                <a16:creationId xmlns:a16="http://schemas.microsoft.com/office/drawing/2014/main" xmlns="" id="{AD603C4C-9F4D-4370-AFD6-8F2AD2196182}"/>
+                <a16:creationId xmlns="" xmlns:a16="http://schemas.microsoft.com/office/drawing/2014/main" id="{AD603C4C-9F4D-4370-AFD6-8F2AD2196182}"/>
               </a:ext>
             </a:extLst>
           </p:cNvPr>
@@ -1306,7 +1312,7 @@
                 <a:latin typeface="맑은 고딕" panose="020B0503020000020004" pitchFamily="50" charset="-127"/>
                 <a:ea typeface="맑은 고딕" panose="020B0503020000020004" pitchFamily="50" charset="-127"/>
               </a:rPr>
-              <a:t>2024-02-23</a:t>
+              <a:t>2024-03-05</a:t>
             </a:fld>
             <a:endParaRPr lang="ko-KR" altLang="en-US" noProof="1">
               <a:latin typeface="맑은 고딕" panose="020B0503020000020004" pitchFamily="50" charset="-127"/>
@@ -1320,7 +1326,7 @@
           <p:cNvPr id="4" name="바닥글 개체 틀 3">
             <a:extLst>
               <a:ext uri="{FF2B5EF4-FFF2-40B4-BE49-F238E27FC236}">
-                <a16:creationId xmlns:a16="http://schemas.microsoft.com/office/drawing/2014/main" xmlns="" id="{43BFDC07-3467-48D7-8E7D-D1EC140CBBFC}"/>
+                <a16:creationId xmlns="" xmlns:a16="http://schemas.microsoft.com/office/drawing/2014/main" id="{43BFDC07-3467-48D7-8E7D-D1EC140CBBFC}"/>
               </a:ext>
             </a:extLst>
           </p:cNvPr>
@@ -1360,7 +1366,7 @@
           <p:cNvPr id="5" name="슬라이드 번호 개체 틀 4">
             <a:extLst>
               <a:ext uri="{FF2B5EF4-FFF2-40B4-BE49-F238E27FC236}">
-                <a16:creationId xmlns:a16="http://schemas.microsoft.com/office/drawing/2014/main" xmlns="" id="{ABEA2832-4FBD-44B3-B54A-1A20E603B368}"/>
+                <a16:creationId xmlns="" xmlns:a16="http://schemas.microsoft.com/office/drawing/2014/main" id="{ABEA2832-4FBD-44B3-B54A-1A20E603B368}"/>
               </a:ext>
             </a:extLst>
           </p:cNvPr>
@@ -1500,7 +1506,7 @@
               <a:rPr lang="ko-KR" altLang="en-US" noProof="1" smtClean="0">
                 <a:latin typeface="맑은 고딕" panose="020B0503020000020004" pitchFamily="50" charset="-127"/>
               </a:rPr>
-              <a:t>2024-02-23</a:t>
+              <a:t>2024-03-05</a:t>
             </a:fld>
             <a:endParaRPr lang="ko-KR" altLang="en-US" noProof="1">
               <a:latin typeface="맑은 고딕" panose="020B0503020000020004" pitchFamily="50" charset="-127"/>
@@ -1898,12 +1904,7 @@
             <p:ph type="sldImg"/>
           </p:nvPr>
         </p:nvSpPr>
-        <p:spPr>
-          <a:xfrm>
-            <a:off x="685800" y="1143000"/>
-            <a:ext cx="5486400" cy="3086100"/>
-          </a:xfrm>
-        </p:spPr>
+        <p:spPr/>
       </p:sp>
       <p:sp>
         <p:nvSpPr>
@@ -1917,6 +1918,266 @@
         </p:nvSpPr>
         <p:spPr/>
         <p:txBody>
+          <a:bodyPr/>
+          <a:lstStyle/>
+          <a:p>
+            <a:endParaRPr lang="ko-KR" altLang="en-US" noProof="1"/>
+          </a:p>
+        </p:txBody>
+      </p:sp>
+      <p:sp>
+        <p:nvSpPr>
+          <p:cNvPr id="4" name="슬라이드 번호 개체 틀 3"/>
+          <p:cNvSpPr>
+            <a:spLocks noGrp="1"/>
+          </p:cNvSpPr>
+          <p:nvPr>
+            <p:ph type="sldNum" sz="quarter" idx="5"/>
+          </p:nvPr>
+        </p:nvSpPr>
+        <p:spPr/>
+        <p:txBody>
+          <a:bodyPr/>
+          <a:lstStyle/>
+          <a:p>
+            <a:fld id="{DF61EA0F-A667-4B49-8422-0062BC55E249}" type="slidenum">
+              <a:rPr lang="en-US" altLang="ko-KR" noProof="1" dirty="0" smtClean="0"/>
+              <a:pPr/>
+              <a:t>10</a:t>
+            </a:fld>
+            <a:endParaRPr lang="ko-KR" altLang="en-US" noProof="1"/>
+          </a:p>
+        </p:txBody>
+      </p:sp>
+    </p:spTree>
+    <p:extLst>
+      <p:ext uri="{BB962C8B-B14F-4D97-AF65-F5344CB8AC3E}">
+        <p14:creationId xmlns:p14="http://schemas.microsoft.com/office/powerpoint/2010/main" val="372954044"/>
+      </p:ext>
+    </p:extLst>
+  </p:cSld>
+  <p:clrMapOvr>
+    <a:masterClrMapping/>
+  </p:clrMapOvr>
+</p:notes>
+</file>
+
+<file path=ppt/notesSlides/notesSlide11.xml><?xml version="1.0" encoding="utf-8"?>
+<p:notes xmlns:a="http://schemas.openxmlformats.org/drawingml/2006/main" xmlns:r="http://schemas.openxmlformats.org/officeDocument/2006/relationships" xmlns:p="http://schemas.openxmlformats.org/presentationml/2006/main">
+  <p:cSld>
+    <p:spTree>
+      <p:nvGrpSpPr>
+        <p:cNvPr id="1" name=""/>
+        <p:cNvGrpSpPr/>
+        <p:nvPr/>
+      </p:nvGrpSpPr>
+      <p:grpSpPr>
+        <a:xfrm>
+          <a:off x="0" y="0"/>
+          <a:ext cx="0" cy="0"/>
+          <a:chOff x="0" y="0"/>
+          <a:chExt cx="0" cy="0"/>
+        </a:xfrm>
+      </p:grpSpPr>
+      <p:sp>
+        <p:nvSpPr>
+          <p:cNvPr id="2" name="슬라이드 이미지 개체 틀 1"/>
+          <p:cNvSpPr>
+            <a:spLocks noGrp="1" noRot="1" noChangeAspect="1"/>
+          </p:cNvSpPr>
+          <p:nvPr>
+            <p:ph type="sldImg"/>
+          </p:nvPr>
+        </p:nvSpPr>
+        <p:spPr/>
+      </p:sp>
+      <p:sp>
+        <p:nvSpPr>
+          <p:cNvPr id="3" name="슬라이드 노트 개체 틀 2"/>
+          <p:cNvSpPr>
+            <a:spLocks noGrp="1"/>
+          </p:cNvSpPr>
+          <p:nvPr>
+            <p:ph type="body" idx="1"/>
+          </p:nvPr>
+        </p:nvSpPr>
+        <p:spPr/>
+        <p:txBody>
+          <a:bodyPr/>
+          <a:lstStyle/>
+          <a:p>
+            <a:endParaRPr lang="ko-KR" altLang="en-US" noProof="1"/>
+          </a:p>
+        </p:txBody>
+      </p:sp>
+      <p:sp>
+        <p:nvSpPr>
+          <p:cNvPr id="4" name="슬라이드 번호 개체 틀 3"/>
+          <p:cNvSpPr>
+            <a:spLocks noGrp="1"/>
+          </p:cNvSpPr>
+          <p:nvPr>
+            <p:ph type="sldNum" sz="quarter" idx="5"/>
+          </p:nvPr>
+        </p:nvSpPr>
+        <p:spPr/>
+        <p:txBody>
+          <a:bodyPr/>
+          <a:lstStyle/>
+          <a:p>
+            <a:fld id="{DF61EA0F-A667-4B49-8422-0062BC55E249}" type="slidenum">
+              <a:rPr lang="en-US" altLang="ko-KR" noProof="1" dirty="0" smtClean="0"/>
+              <a:pPr/>
+              <a:t>11</a:t>
+            </a:fld>
+            <a:endParaRPr lang="ko-KR" altLang="en-US" noProof="1"/>
+          </a:p>
+        </p:txBody>
+      </p:sp>
+    </p:spTree>
+    <p:extLst>
+      <p:ext uri="{BB962C8B-B14F-4D97-AF65-F5344CB8AC3E}">
+        <p14:creationId xmlns:p14="http://schemas.microsoft.com/office/powerpoint/2010/main" val="1966123610"/>
+      </p:ext>
+    </p:extLst>
+  </p:cSld>
+  <p:clrMapOvr>
+    <a:masterClrMapping/>
+  </p:clrMapOvr>
+</p:notes>
+</file>
+
+<file path=ppt/notesSlides/notesSlide12.xml><?xml version="1.0" encoding="utf-8"?>
+<p:notes xmlns:a="http://schemas.openxmlformats.org/drawingml/2006/main" xmlns:r="http://schemas.openxmlformats.org/officeDocument/2006/relationships" xmlns:p="http://schemas.openxmlformats.org/presentationml/2006/main">
+  <p:cSld>
+    <p:spTree>
+      <p:nvGrpSpPr>
+        <p:cNvPr id="1" name=""/>
+        <p:cNvGrpSpPr/>
+        <p:nvPr/>
+      </p:nvGrpSpPr>
+      <p:grpSpPr>
+        <a:xfrm>
+          <a:off x="0" y="0"/>
+          <a:ext cx="0" cy="0"/>
+          <a:chOff x="0" y="0"/>
+          <a:chExt cx="0" cy="0"/>
+        </a:xfrm>
+      </p:grpSpPr>
+      <p:sp>
+        <p:nvSpPr>
+          <p:cNvPr id="2" name="슬라이드 이미지 개체 틀 1"/>
+          <p:cNvSpPr>
+            <a:spLocks noGrp="1" noRot="1" noChangeAspect="1"/>
+          </p:cNvSpPr>
+          <p:nvPr>
+            <p:ph type="sldImg"/>
+          </p:nvPr>
+        </p:nvSpPr>
+        <p:spPr/>
+      </p:sp>
+      <p:sp>
+        <p:nvSpPr>
+          <p:cNvPr id="3" name="슬라이드 노트 개체 틀 2"/>
+          <p:cNvSpPr>
+            <a:spLocks noGrp="1"/>
+          </p:cNvSpPr>
+          <p:nvPr>
+            <p:ph type="body" idx="1"/>
+          </p:nvPr>
+        </p:nvSpPr>
+        <p:spPr/>
+        <p:txBody>
+          <a:bodyPr/>
+          <a:lstStyle/>
+          <a:p>
+            <a:endParaRPr lang="ko-KR" altLang="en-US" noProof="1"/>
+          </a:p>
+        </p:txBody>
+      </p:sp>
+      <p:sp>
+        <p:nvSpPr>
+          <p:cNvPr id="4" name="슬라이드 번호 개체 틀 3"/>
+          <p:cNvSpPr>
+            <a:spLocks noGrp="1"/>
+          </p:cNvSpPr>
+          <p:nvPr>
+            <p:ph type="sldNum" sz="quarter" idx="5"/>
+          </p:nvPr>
+        </p:nvSpPr>
+        <p:spPr/>
+        <p:txBody>
+          <a:bodyPr/>
+          <a:lstStyle/>
+          <a:p>
+            <a:fld id="{DF61EA0F-A667-4B49-8422-0062BC55E249}" type="slidenum">
+              <a:rPr lang="en-US" altLang="ko-KR" noProof="1" dirty="0" smtClean="0"/>
+              <a:pPr/>
+              <a:t>12</a:t>
+            </a:fld>
+            <a:endParaRPr lang="ko-KR" altLang="en-US" noProof="1"/>
+          </a:p>
+        </p:txBody>
+      </p:sp>
+    </p:spTree>
+    <p:extLst>
+      <p:ext uri="{BB962C8B-B14F-4D97-AF65-F5344CB8AC3E}">
+        <p14:creationId xmlns:p14="http://schemas.microsoft.com/office/powerpoint/2010/main" val="3863454875"/>
+      </p:ext>
+    </p:extLst>
+  </p:cSld>
+  <p:clrMapOvr>
+    <a:masterClrMapping/>
+  </p:clrMapOvr>
+</p:notes>
+</file>
+
+<file path=ppt/notesSlides/notesSlide13.xml><?xml version="1.0" encoding="utf-8"?>
+<p:notes xmlns:a="http://schemas.openxmlformats.org/drawingml/2006/main" xmlns:r="http://schemas.openxmlformats.org/officeDocument/2006/relationships" xmlns:p="http://schemas.openxmlformats.org/presentationml/2006/main">
+  <p:cSld>
+    <p:spTree>
+      <p:nvGrpSpPr>
+        <p:cNvPr id="1" name=""/>
+        <p:cNvGrpSpPr/>
+        <p:nvPr/>
+      </p:nvGrpSpPr>
+      <p:grpSpPr>
+        <a:xfrm>
+          <a:off x="0" y="0"/>
+          <a:ext cx="0" cy="0"/>
+          <a:chOff x="0" y="0"/>
+          <a:chExt cx="0" cy="0"/>
+        </a:xfrm>
+      </p:grpSpPr>
+      <p:sp>
+        <p:nvSpPr>
+          <p:cNvPr id="2" name="슬라이드 이미지 개체 틀 1"/>
+          <p:cNvSpPr>
+            <a:spLocks noGrp="1" noRot="1" noChangeAspect="1"/>
+          </p:cNvSpPr>
+          <p:nvPr>
+            <p:ph type="sldImg"/>
+          </p:nvPr>
+        </p:nvSpPr>
+        <p:spPr>
+          <a:xfrm>
+            <a:off x="685800" y="1143000"/>
+            <a:ext cx="5486400" cy="3086100"/>
+          </a:xfrm>
+        </p:spPr>
+      </p:sp>
+      <p:sp>
+        <p:nvSpPr>
+          <p:cNvPr id="3" name="슬라이드 노트 개체 틀 2"/>
+          <p:cNvSpPr>
+            <a:spLocks noGrp="1"/>
+          </p:cNvSpPr>
+          <p:nvPr>
+            <p:ph type="body" idx="1"/>
+          </p:nvPr>
+        </p:nvSpPr>
+        <p:spPr/>
+        <p:txBody>
           <a:bodyPr rtlCol="0"/>
           <a:lstStyle/>
           <a:p>
@@ -1959,7 +2220,7 @@
             <a:pPr rtl="0"/>
             <a:fld id="{DF61EA0F-A667-4B49-8422-0062BC55E249}" type="slidenum">
               <a:rPr lang="en-US" altLang="ko-KR" noProof="1" smtClean="0"/>
-              <a:t>10</a:t>
+              <a:t>13</a:t>
             </a:fld>
             <a:endParaRPr lang="ko-KR" altLang="en-US" noProof="1"/>
           </a:p>
@@ -2308,7 +2569,7 @@
     </p:spTree>
     <p:extLst>
       <p:ext uri="{BB962C8B-B14F-4D97-AF65-F5344CB8AC3E}">
-        <p14:creationId xmlns:p14="http://schemas.microsoft.com/office/powerpoint/2010/main" val="337936567"/>
+        <p14:creationId xmlns:p14="http://schemas.microsoft.com/office/powerpoint/2010/main" val="553719039"/>
       </p:ext>
     </p:extLst>
   </p:cSld>
@@ -2393,7 +2654,7 @@
     </p:spTree>
     <p:extLst>
       <p:ext uri="{BB962C8B-B14F-4D97-AF65-F5344CB8AC3E}">
-        <p14:creationId xmlns:p14="http://schemas.microsoft.com/office/powerpoint/2010/main" val="553719039"/>
+        <p14:creationId xmlns:p14="http://schemas.microsoft.com/office/powerpoint/2010/main" val="3096728814"/>
       </p:ext>
     </p:extLst>
   </p:cSld>
@@ -2478,7 +2739,7 @@
     </p:spTree>
     <p:extLst>
       <p:ext uri="{BB962C8B-B14F-4D97-AF65-F5344CB8AC3E}">
-        <p14:creationId xmlns:p14="http://schemas.microsoft.com/office/powerpoint/2010/main" val="3096728814"/>
+        <p14:creationId xmlns:p14="http://schemas.microsoft.com/office/powerpoint/2010/main" val="337936567"/>
       </p:ext>
     </p:extLst>
   </p:cSld>
@@ -2648,7 +2909,7 @@
     </p:spTree>
     <p:extLst>
       <p:ext uri="{BB962C8B-B14F-4D97-AF65-F5344CB8AC3E}">
-        <p14:creationId xmlns:p14="http://schemas.microsoft.com/office/powerpoint/2010/main" val="3863454875"/>
+        <p14:creationId xmlns:p14="http://schemas.microsoft.com/office/powerpoint/2010/main" val="195337842"/>
       </p:ext>
     </p:extLst>
   </p:cSld>
@@ -2869,7 +3130,7 @@
           <a:p>
             <a:fld id="{F063532E-FCE7-41F2-A1D3-3E80C0B1206F}" type="datetime1">
               <a:rPr lang="ko-KR" altLang="en-US" noProof="1" smtClean="0"/>
-              <a:t>2024-02-23</a:t>
+              <a:t>2024-03-05</a:t>
             </a:fld>
             <a:endParaRPr lang="ko-KR" altLang="en-US" noProof="1"/>
           </a:p>
@@ -3171,7 +3432,7 @@
             <a:pPr rtl="0"/>
             <a:fld id="{CF8FFEF0-3104-43C6-9CB4-DC529D5DB0D2}" type="datetime1">
               <a:rPr lang="ko-KR" altLang="en-US" noProof="1" smtClean="0"/>
-              <a:t>2024-02-23</a:t>
+              <a:t>2024-03-05</a:t>
             </a:fld>
             <a:endParaRPr lang="ko-KR" altLang="en-US" noProof="1"/>
           </a:p>
@@ -3504,7 +3765,7 @@
           <a:p>
             <a:fld id="{E1099592-BCFF-4E4F-8375-214344D5757E}" type="datetime1">
               <a:rPr lang="ko-KR" altLang="en-US" noProof="1" smtClean="0"/>
-              <a:t>2024-02-23</a:t>
+              <a:t>2024-03-05</a:t>
             </a:fld>
             <a:endParaRPr lang="ko-KR" altLang="en-US" noProof="1"/>
           </a:p>
@@ -3890,7 +4151,7 @@
             <a:pPr rtl="0"/>
             <a:fld id="{F4424C00-E5C1-429C-A552-4CDCF745A674}" type="datetime1">
               <a:rPr lang="ko-KR" altLang="en-US" noProof="1" smtClean="0"/>
-              <a:t>2024-02-23</a:t>
+              <a:t>2024-03-05</a:t>
             </a:fld>
             <a:endParaRPr lang="ko-KR" altLang="en-US" noProof="1"/>
           </a:p>
@@ -4198,7 +4459,7 @@
             <a:pPr rtl="0"/>
             <a:fld id="{B49F89AB-C418-4B33-B392-67F39C42CA50}" type="datetime1">
               <a:rPr lang="ko-KR" altLang="en-US" noProof="1" smtClean="0"/>
-              <a:t>2024-02-23</a:t>
+              <a:t>2024-03-05</a:t>
             </a:fld>
             <a:endParaRPr lang="ko-KR" altLang="en-US" noProof="1"/>
           </a:p>
@@ -4727,7 +4988,7 @@
             <a:pPr rtl="0"/>
             <a:fld id="{6E445BDE-1766-46AA-9343-0A855DAF8A9C}" type="datetime1">
               <a:rPr lang="ko-KR" altLang="en-US" noProof="1" smtClean="0"/>
-              <a:t>2024-02-23</a:t>
+              <a:t>2024-03-05</a:t>
             </a:fld>
             <a:endParaRPr lang="ko-KR" altLang="en-US" noProof="1"/>
           </a:p>
@@ -5394,7 +5655,7 @@
             <a:pPr rtl="0"/>
             <a:fld id="{B4FAF6D6-7228-4B2E-AC55-629B03D2D76A}" type="datetime1">
               <a:rPr lang="ko-KR" altLang="en-US" noProof="1" smtClean="0"/>
-              <a:t>2024-02-23</a:t>
+              <a:t>2024-03-05</a:t>
             </a:fld>
             <a:endParaRPr lang="ko-KR" altLang="en-US" noProof="1"/>
           </a:p>
@@ -5627,7 +5888,7 @@
             <a:pPr rtl="0"/>
             <a:fld id="{AAB41C57-F108-4254-9248-CA6710A9D0B5}" type="datetime1">
               <a:rPr lang="ko-KR" altLang="en-US" noProof="1" smtClean="0"/>
-              <a:t>2024-02-23</a:t>
+              <a:t>2024-03-05</a:t>
             </a:fld>
             <a:endParaRPr lang="ko-KR" altLang="en-US" noProof="1"/>
           </a:p>
@@ -5773,7 +6034,7 @@
             <a:pPr rtl="0"/>
             <a:fld id="{1A68BAE6-145C-44DE-AB4F-E477CC5C4777}" type="datetime1">
               <a:rPr lang="ko-KR" altLang="en-US" noProof="1" smtClean="0"/>
-              <a:t>2024-02-23</a:t>
+              <a:t>2024-03-05</a:t>
             </a:fld>
             <a:endParaRPr lang="ko-KR" altLang="en-US" noProof="1"/>
           </a:p>
@@ -6121,7 +6382,7 @@
             <a:pPr rtl="0"/>
             <a:fld id="{FE573257-B959-443E-B6BF-620CB01F8072}" type="datetime1">
               <a:rPr lang="ko-KR" altLang="en-US" noProof="1" smtClean="0"/>
-              <a:t>2024-02-23</a:t>
+              <a:t>2024-03-05</a:t>
             </a:fld>
             <a:endParaRPr lang="ko-KR" altLang="en-US" noProof="1"/>
           </a:p>
@@ -6391,7 +6652,7 @@
             <a:pPr rtl="0"/>
             <a:fld id="{A74BCB98-D36E-44B3-BF16-0F6851259046}" type="datetime1">
               <a:rPr lang="ko-KR" altLang="en-US" noProof="1" smtClean="0"/>
-              <a:t>2024-02-23</a:t>
+              <a:t>2024-03-05</a:t>
             </a:fld>
             <a:endParaRPr lang="ko-KR" altLang="en-US" noProof="1"/>
           </a:p>
@@ -6610,7 +6871,7 @@
           <a:p>
             <a:fld id="{E05F190B-0788-4CF3-8B20-F90E17707D5A}" type="datetime1">
               <a:rPr lang="ko-KR" altLang="en-US" noProof="1" smtClean="0"/>
-              <a:t>2024-02-23</a:t>
+              <a:t>2024-03-05</a:t>
             </a:fld>
             <a:endParaRPr lang="ko-KR" altLang="en-US" noProof="1"/>
           </a:p>
@@ -7133,6 +7394,2218 @@
           <a:lstStyle/>
           <a:p>
             <a:r>
+              <a:rPr lang="en-US" altLang="ko-KR" noProof="1" smtClean="0">
+                <a:ea typeface="맑은 고딕" panose="020B0503020000020004" pitchFamily="50" charset="-127"/>
+              </a:rPr>
+              <a:t>Katalon</a:t>
+            </a:r>
+            <a:r>
+              <a:rPr lang="ko-KR" altLang="en-US" noProof="1">
+                <a:ea typeface="맑은 고딕" panose="020B0503020000020004" pitchFamily="50" charset="-127"/>
+              </a:rPr>
+              <a:t> 설치 시 오류</a:t>
+            </a:r>
+          </a:p>
+        </p:txBody>
+      </p:sp>
+      <p:sp>
+        <p:nvSpPr>
+          <p:cNvPr id="11" name="내용 개체 틀 2"/>
+          <p:cNvSpPr txBox="1">
+            <a:spLocks/>
+          </p:cNvSpPr>
+          <p:nvPr/>
+        </p:nvSpPr>
+        <p:spPr>
+          <a:xfrm>
+            <a:off x="604434" y="2286943"/>
+            <a:ext cx="4346029" cy="4449051"/>
+          </a:xfrm>
+          <a:prstGeom prst="rect">
+            <a:avLst/>
+          </a:prstGeom>
+        </p:spPr>
+        <p:txBody>
+          <a:bodyPr vert="horz" lIns="91440" tIns="45720" rIns="91440" bIns="45720" rtlCol="0">
+            <a:noAutofit/>
+          </a:bodyPr>
+          <a:lstStyle>
+            <a:lvl1pPr marL="0" indent="0" algn="l" defTabSz="914400" rtl="0" eaLnBrk="1" latinLnBrk="1" hangingPunct="1">
+              <a:lnSpc>
+                <a:spcPct val="150000"/>
+              </a:lnSpc>
+              <a:spcBef>
+                <a:spcPct val="30000"/>
+              </a:spcBef>
+              <a:spcAft>
+                <a:spcPts val="1200"/>
+              </a:spcAft>
+              <a:buFont typeface="Arial" panose="020B0604020202020204" pitchFamily="34" charset="0"/>
+              <a:buNone/>
+              <a:defRPr sz="1600" kern="1200">
+                <a:solidFill>
+                  <a:schemeClr val="bg1">
+                    <a:lumMod val="50000"/>
+                  </a:schemeClr>
+                </a:solidFill>
+                <a:latin typeface="맑은 고딕" panose="020B0503020000020004" pitchFamily="50" charset="-127"/>
+                <a:ea typeface="+mn-ea"/>
+                <a:cs typeface="+mn-cs"/>
+              </a:defRPr>
+            </a:lvl1pPr>
+            <a:lvl2pPr marL="685800" indent="-228600" algn="l" defTabSz="914400" rtl="0" eaLnBrk="1" latinLnBrk="1" hangingPunct="1">
+              <a:lnSpc>
+                <a:spcPct val="150000"/>
+              </a:lnSpc>
+              <a:spcBef>
+                <a:spcPct val="30000"/>
+              </a:spcBef>
+              <a:spcAft>
+                <a:spcPts val="1200"/>
+              </a:spcAft>
+              <a:buFont typeface="Arial" panose="020B0604020202020204" pitchFamily="34" charset="0"/>
+              <a:buChar char="•"/>
+              <a:defRPr sz="1400" kern="1200">
+                <a:solidFill>
+                  <a:schemeClr val="bg1">
+                    <a:lumMod val="50000"/>
+                  </a:schemeClr>
+                </a:solidFill>
+                <a:latin typeface="맑은 고딕" panose="020B0503020000020004" pitchFamily="50" charset="-127"/>
+                <a:ea typeface="+mn-ea"/>
+                <a:cs typeface="+mn-cs"/>
+              </a:defRPr>
+            </a:lvl2pPr>
+            <a:lvl3pPr marL="1143000" indent="-228600" algn="l" defTabSz="914400" rtl="0" eaLnBrk="1" latinLnBrk="1" hangingPunct="1">
+              <a:lnSpc>
+                <a:spcPct val="150000"/>
+              </a:lnSpc>
+              <a:spcBef>
+                <a:spcPct val="30000"/>
+              </a:spcBef>
+              <a:spcAft>
+                <a:spcPts val="1200"/>
+              </a:spcAft>
+              <a:buFont typeface="Arial" panose="020B0604020202020204" pitchFamily="34" charset="0"/>
+              <a:buChar char="•"/>
+              <a:defRPr sz="1200" kern="1200">
+                <a:solidFill>
+                  <a:schemeClr val="bg1">
+                    <a:lumMod val="50000"/>
+                  </a:schemeClr>
+                </a:solidFill>
+                <a:latin typeface="맑은 고딕" panose="020B0503020000020004" pitchFamily="50" charset="-127"/>
+                <a:ea typeface="+mn-ea"/>
+                <a:cs typeface="+mn-cs"/>
+              </a:defRPr>
+            </a:lvl3pPr>
+            <a:lvl4pPr marL="1600200" indent="-228600" algn="l" defTabSz="914400" rtl="0" eaLnBrk="1" latinLnBrk="1" hangingPunct="1">
+              <a:lnSpc>
+                <a:spcPct val="150000"/>
+              </a:lnSpc>
+              <a:spcBef>
+                <a:spcPct val="30000"/>
+              </a:spcBef>
+              <a:spcAft>
+                <a:spcPts val="1200"/>
+              </a:spcAft>
+              <a:buFont typeface="Arial" panose="020B0604020202020204" pitchFamily="34" charset="0"/>
+              <a:buChar char="•"/>
+              <a:defRPr sz="1100" kern="1200">
+                <a:solidFill>
+                  <a:schemeClr val="bg1">
+                    <a:lumMod val="50000"/>
+                  </a:schemeClr>
+                </a:solidFill>
+                <a:latin typeface="맑은 고딕" panose="020B0503020000020004" pitchFamily="50" charset="-127"/>
+                <a:ea typeface="+mn-ea"/>
+                <a:cs typeface="+mn-cs"/>
+              </a:defRPr>
+            </a:lvl4pPr>
+            <a:lvl5pPr marL="2057400" indent="-228600" algn="l" defTabSz="914400" rtl="0" eaLnBrk="1" latinLnBrk="1" hangingPunct="1">
+              <a:lnSpc>
+                <a:spcPct val="150000"/>
+              </a:lnSpc>
+              <a:spcBef>
+                <a:spcPct val="30000"/>
+              </a:spcBef>
+              <a:spcAft>
+                <a:spcPts val="1200"/>
+              </a:spcAft>
+              <a:buFont typeface="Arial" panose="020B0604020202020204" pitchFamily="34" charset="0"/>
+              <a:buChar char="•"/>
+              <a:defRPr sz="1100" kern="1200">
+                <a:solidFill>
+                  <a:schemeClr val="bg1">
+                    <a:lumMod val="50000"/>
+                  </a:schemeClr>
+                </a:solidFill>
+                <a:latin typeface="맑은 고딕" panose="020B0503020000020004" pitchFamily="50" charset="-127"/>
+                <a:ea typeface="+mn-ea"/>
+                <a:cs typeface="+mn-cs"/>
+              </a:defRPr>
+            </a:lvl5pPr>
+            <a:lvl6pPr marL="2514600" indent="-228600" algn="l" defTabSz="914400" rtl="0" eaLnBrk="1" latinLnBrk="1" hangingPunct="1">
+              <a:lnSpc>
+                <a:spcPct val="90000"/>
+              </a:lnSpc>
+              <a:spcBef>
+                <a:spcPct val="30000"/>
+              </a:spcBef>
+              <a:buFont typeface="Arial" panose="020B0604020202020204" pitchFamily="34" charset="0"/>
+              <a:buChar char="•"/>
+              <a:defRPr sz="1800" kern="1200">
+                <a:solidFill>
+                  <a:schemeClr val="tx1"/>
+                </a:solidFill>
+                <a:latin typeface="+mn-lt"/>
+                <a:ea typeface="+mn-ea"/>
+                <a:cs typeface="+mn-cs"/>
+              </a:defRPr>
+            </a:lvl6pPr>
+            <a:lvl7pPr marL="2971800" indent="-228600" algn="l" defTabSz="914400" rtl="0" eaLnBrk="1" latinLnBrk="1" hangingPunct="1">
+              <a:lnSpc>
+                <a:spcPct val="90000"/>
+              </a:lnSpc>
+              <a:spcBef>
+                <a:spcPct val="30000"/>
+              </a:spcBef>
+              <a:buFont typeface="Arial" panose="020B0604020202020204" pitchFamily="34" charset="0"/>
+              <a:buChar char="•"/>
+              <a:defRPr sz="1800" kern="1200">
+                <a:solidFill>
+                  <a:schemeClr val="tx1"/>
+                </a:solidFill>
+                <a:latin typeface="+mn-lt"/>
+                <a:ea typeface="+mn-ea"/>
+                <a:cs typeface="+mn-cs"/>
+              </a:defRPr>
+            </a:lvl7pPr>
+            <a:lvl8pPr marL="3429000" indent="-228600" algn="l" defTabSz="914400" rtl="0" eaLnBrk="1" latinLnBrk="1" hangingPunct="1">
+              <a:lnSpc>
+                <a:spcPct val="90000"/>
+              </a:lnSpc>
+              <a:spcBef>
+                <a:spcPct val="30000"/>
+              </a:spcBef>
+              <a:buFont typeface="Arial" panose="020B0604020202020204" pitchFamily="34" charset="0"/>
+              <a:buChar char="•"/>
+              <a:defRPr sz="1800" kern="1200">
+                <a:solidFill>
+                  <a:schemeClr val="tx1"/>
+                </a:solidFill>
+                <a:latin typeface="+mn-lt"/>
+                <a:ea typeface="+mn-ea"/>
+                <a:cs typeface="+mn-cs"/>
+              </a:defRPr>
+            </a:lvl8pPr>
+            <a:lvl9pPr marL="3886200" indent="-228600" algn="l" defTabSz="914400" rtl="0" eaLnBrk="1" latinLnBrk="1" hangingPunct="1">
+              <a:lnSpc>
+                <a:spcPct val="90000"/>
+              </a:lnSpc>
+              <a:spcBef>
+                <a:spcPct val="30000"/>
+              </a:spcBef>
+              <a:buFont typeface="Arial" panose="020B0604020202020204" pitchFamily="34" charset="0"/>
+              <a:buChar char="•"/>
+              <a:defRPr sz="1800" kern="1200">
+                <a:solidFill>
+                  <a:schemeClr val="tx1"/>
+                </a:solidFill>
+                <a:latin typeface="+mn-lt"/>
+                <a:ea typeface="+mn-ea"/>
+                <a:cs typeface="+mn-cs"/>
+              </a:defRPr>
+            </a:lvl9pPr>
+          </a:lstStyle>
+          <a:p>
+            <a:endParaRPr lang="en-US" altLang="ko-KR" sz="1800" dirty="0" smtClean="0"/>
+          </a:p>
+        </p:txBody>
+      </p:sp>
+      <p:pic>
+        <p:nvPicPr>
+          <p:cNvPr id="7" name="그림 6"/>
+          <p:cNvPicPr>
+            <a:picLocks noChangeAspect="1"/>
+          </p:cNvPicPr>
+          <p:nvPr/>
+        </p:nvPicPr>
+        <p:blipFill rotWithShape="1">
+          <a:blip r:embed="rId3"/>
+          <a:srcRect b="25189"/>
+          <a:stretch/>
+        </p:blipFill>
+        <p:spPr>
+          <a:xfrm>
+            <a:off x="6458465" y="3987114"/>
+            <a:ext cx="5198076" cy="2314831"/>
+          </a:xfrm>
+          <a:prstGeom prst="rect">
+            <a:avLst/>
+          </a:prstGeom>
+        </p:spPr>
+      </p:pic>
+      <p:sp>
+        <p:nvSpPr>
+          <p:cNvPr id="10" name="내용 개체 틀 9"/>
+          <p:cNvSpPr>
+            <a:spLocks noGrp="1"/>
+          </p:cNvSpPr>
+          <p:nvPr>
+            <p:ph idx="1"/>
+          </p:nvPr>
+        </p:nvSpPr>
+        <p:spPr>
+          <a:xfrm>
+            <a:off x="838201" y="1825625"/>
+            <a:ext cx="5406080" cy="4351338"/>
+          </a:xfrm>
+        </p:spPr>
+        <p:txBody>
+          <a:bodyPr/>
+          <a:lstStyle/>
+          <a:p>
+            <a:r>
+              <a:rPr lang="ko-KR" altLang="en-US" dirty="0" err="1" smtClean="0"/>
+              <a:t>카탈론</a:t>
+            </a:r>
+            <a:r>
+              <a:rPr lang="ko-KR" altLang="en-US" dirty="0" smtClean="0"/>
+              <a:t> 내에서 경로 </a:t>
+            </a:r>
+            <a:r>
+              <a:rPr lang="ko-KR" altLang="en-US" dirty="0" err="1" smtClean="0"/>
+              <a:t>세팅</a:t>
+            </a:r>
+            <a:endParaRPr lang="en-US" altLang="ko-KR" dirty="0" smtClean="0"/>
+          </a:p>
+          <a:p>
+            <a:r>
+              <a:rPr lang="ko-KR" altLang="en-US" dirty="0" smtClean="0"/>
+              <a:t>상단 </a:t>
+            </a:r>
+            <a:r>
+              <a:rPr lang="en-US" altLang="ko-KR" dirty="0" smtClean="0"/>
+              <a:t>bar &gt; Window &gt; </a:t>
+            </a:r>
+            <a:r>
+              <a:rPr lang="en-US" altLang="ko-KR" dirty="0" err="1" smtClean="0"/>
+              <a:t>Katalon</a:t>
+            </a:r>
+            <a:r>
+              <a:rPr lang="en-US" altLang="ko-KR" dirty="0" smtClean="0"/>
+              <a:t> Studio Preferences </a:t>
+            </a:r>
+            <a:r>
+              <a:rPr lang="ko-KR" altLang="en-US" dirty="0" smtClean="0"/>
+              <a:t>클릭</a:t>
+            </a:r>
+            <a:endParaRPr lang="en-US" altLang="ko-KR" dirty="0" smtClean="0"/>
+          </a:p>
+          <a:p>
+            <a:r>
+              <a:rPr lang="en-US" altLang="ko-KR" dirty="0" smtClean="0"/>
+              <a:t>&gt; Preferences</a:t>
+            </a:r>
+            <a:r>
+              <a:rPr lang="ko-KR" altLang="en-US" dirty="0" smtClean="0"/>
+              <a:t> </a:t>
+            </a:r>
+            <a:r>
+              <a:rPr lang="en-US" altLang="ko-KR" dirty="0" smtClean="0"/>
+              <a:t>&gt; </a:t>
+            </a:r>
+            <a:r>
+              <a:rPr lang="en-US" altLang="ko-KR" dirty="0" err="1" smtClean="0"/>
+              <a:t>Katalon</a:t>
+            </a:r>
+            <a:r>
+              <a:rPr lang="en-US" altLang="ko-KR" dirty="0" smtClean="0"/>
+              <a:t> &gt; Mobile &gt; Browse… </a:t>
+            </a:r>
+            <a:r>
+              <a:rPr lang="ko-KR" altLang="en-US" dirty="0" smtClean="0"/>
+              <a:t>클릭</a:t>
+            </a:r>
+            <a:endParaRPr lang="en-US" altLang="ko-KR" dirty="0"/>
+          </a:p>
+          <a:p>
+            <a:r>
+              <a:rPr lang="en-US" altLang="ko-KR" dirty="0" err="1" smtClean="0"/>
+              <a:t>Appium</a:t>
+            </a:r>
+            <a:r>
+              <a:rPr lang="en-US" altLang="ko-KR" dirty="0" smtClean="0"/>
+              <a:t> Directory </a:t>
+            </a:r>
+            <a:r>
+              <a:rPr lang="ko-KR" altLang="en-US" dirty="0" smtClean="0"/>
+              <a:t>경로 </a:t>
+            </a:r>
+            <a:r>
+              <a:rPr lang="ko-KR" altLang="en-US" dirty="0" err="1" smtClean="0"/>
+              <a:t>세팅</a:t>
+            </a:r>
+            <a:endParaRPr lang="ko-KR" altLang="en-US" dirty="0"/>
+          </a:p>
+        </p:txBody>
+      </p:sp>
+      <p:pic>
+        <p:nvPicPr>
+          <p:cNvPr id="13" name="그림 12"/>
+          <p:cNvPicPr>
+            <a:picLocks noChangeAspect="1"/>
+          </p:cNvPicPr>
+          <p:nvPr/>
+        </p:nvPicPr>
+        <p:blipFill>
+          <a:blip r:embed="rId4"/>
+          <a:stretch>
+            <a:fillRect/>
+          </a:stretch>
+        </p:blipFill>
+        <p:spPr>
+          <a:xfrm>
+            <a:off x="7585791" y="2204564"/>
+            <a:ext cx="3171825" cy="1390650"/>
+          </a:xfrm>
+          <a:prstGeom prst="rect">
+            <a:avLst/>
+          </a:prstGeom>
+        </p:spPr>
+      </p:pic>
+    </p:spTree>
+    <p:extLst>
+      <p:ext uri="{BB962C8B-B14F-4D97-AF65-F5344CB8AC3E}">
+        <p14:creationId xmlns:p14="http://schemas.microsoft.com/office/powerpoint/2010/main" val="506441161"/>
+      </p:ext>
+    </p:extLst>
+  </p:cSld>
+  <p:clrMapOvr>
+    <a:masterClrMapping/>
+  </p:clrMapOvr>
+  <p:timing>
+    <p:tnLst>
+      <p:par>
+        <p:cTn id="1" dur="indefinite" restart="never" nodeType="tmRoot"/>
+      </p:par>
+    </p:tnLst>
+  </p:timing>
+</p:sld>
+</file>
+
+<file path=ppt/slides/slide11.xml><?xml version="1.0" encoding="utf-8"?>
+<p:sld xmlns:a="http://schemas.openxmlformats.org/drawingml/2006/main" xmlns:r="http://schemas.openxmlformats.org/officeDocument/2006/relationships" xmlns:p="http://schemas.openxmlformats.org/presentationml/2006/main">
+  <p:cSld>
+    <p:spTree>
+      <p:nvGrpSpPr>
+        <p:cNvPr id="1" name=""/>
+        <p:cNvGrpSpPr/>
+        <p:nvPr/>
+      </p:nvGrpSpPr>
+      <p:grpSpPr>
+        <a:xfrm>
+          <a:off x="0" y="0"/>
+          <a:ext cx="0" cy="0"/>
+          <a:chOff x="0" y="0"/>
+          <a:chExt cx="0" cy="0"/>
+        </a:xfrm>
+      </p:grpSpPr>
+      <p:sp>
+        <p:nvSpPr>
+          <p:cNvPr id="2" name="제목 1"/>
+          <p:cNvSpPr>
+            <a:spLocks noGrp="1"/>
+          </p:cNvSpPr>
+          <p:nvPr>
+            <p:ph type="title"/>
+          </p:nvPr>
+        </p:nvSpPr>
+        <p:spPr/>
+        <p:txBody>
+          <a:bodyPr rtlCol="0"/>
+          <a:lstStyle/>
+          <a:p>
+            <a:pPr rtl="0"/>
+            <a:r>
+              <a:rPr lang="en-US" altLang="ko-KR" noProof="1" smtClean="0">
+                <a:ea typeface="맑은 고딕" panose="020B0503020000020004" pitchFamily="50" charset="-127"/>
+              </a:rPr>
+              <a:t>Katalon</a:t>
+            </a:r>
+            <a:r>
+              <a:rPr lang="ko-KR" altLang="en-US" noProof="1" smtClean="0">
+                <a:ea typeface="맑은 고딕" panose="020B0503020000020004" pitchFamily="50" charset="-127"/>
+              </a:rPr>
+              <a:t> </a:t>
+            </a:r>
+            <a:r>
+              <a:rPr lang="en-US" altLang="ko-KR" noProof="1" smtClean="0">
+                <a:ea typeface="맑은 고딕" panose="020B0503020000020004" pitchFamily="50" charset="-127"/>
+              </a:rPr>
+              <a:t>Device</a:t>
+            </a:r>
+            <a:r>
+              <a:rPr lang="ko-KR" altLang="en-US" noProof="1" smtClean="0">
+                <a:ea typeface="맑은 고딕" panose="020B0503020000020004" pitchFamily="50" charset="-127"/>
+              </a:rPr>
+              <a:t> 등록</a:t>
+            </a:r>
+            <a:endParaRPr lang="ko-KR" altLang="en-US" noProof="1">
+              <a:ea typeface="맑은 고딕" panose="020B0503020000020004" pitchFamily="50" charset="-127"/>
+            </a:endParaRPr>
+          </a:p>
+        </p:txBody>
+      </p:sp>
+      <p:sp>
+        <p:nvSpPr>
+          <p:cNvPr id="3" name="내용 개체 틀 2"/>
+          <p:cNvSpPr>
+            <a:spLocks noGrp="1"/>
+          </p:cNvSpPr>
+          <p:nvPr>
+            <p:ph idx="1"/>
+          </p:nvPr>
+        </p:nvSpPr>
+        <p:spPr>
+          <a:xfrm>
+            <a:off x="604434" y="1549410"/>
+            <a:ext cx="6623084" cy="552430"/>
+          </a:xfrm>
+        </p:spPr>
+        <p:txBody>
+          <a:bodyPr>
+            <a:noAutofit/>
+          </a:bodyPr>
+          <a:lstStyle/>
+          <a:p>
+            <a:r>
+              <a:rPr lang="en-US" altLang="ko-KR" sz="1400" b="1" dirty="0" err="1" smtClean="0"/>
+              <a:t>Katalon</a:t>
+            </a:r>
+            <a:r>
+              <a:rPr lang="en-US" altLang="ko-KR" sz="1400" b="1" dirty="0" smtClean="0"/>
+              <a:t> </a:t>
+            </a:r>
+            <a:r>
+              <a:rPr lang="ko-KR" altLang="en-US" sz="1400" b="1" dirty="0" smtClean="0"/>
+              <a:t>다운로드 </a:t>
+            </a:r>
+            <a:r>
+              <a:rPr lang="en-US" altLang="ko-KR" sz="1400" dirty="0"/>
+              <a:t>: </a:t>
+            </a:r>
+            <a:r>
+              <a:rPr lang="en-US" altLang="ko-KR" sz="1400" dirty="0">
+                <a:hlinkClick r:id="rId3"/>
+              </a:rPr>
+              <a:t>https://</a:t>
+            </a:r>
+            <a:r>
+              <a:rPr lang="en-US" altLang="ko-KR" sz="1400" dirty="0" smtClean="0">
+                <a:hlinkClick r:id="rId3"/>
+              </a:rPr>
+              <a:t>katalon.com/download/</a:t>
+            </a:r>
+            <a:endParaRPr lang="en-US" altLang="ko-KR" sz="1400" dirty="0"/>
+          </a:p>
+          <a:p>
+            <a:r>
+              <a:rPr lang="ko-KR" altLang="en-US" sz="1400" dirty="0" smtClean="0"/>
+              <a:t>연결된 </a:t>
+            </a:r>
+            <a:r>
+              <a:rPr lang="ko-KR" altLang="en-US" sz="1400" dirty="0" err="1"/>
+              <a:t>모바일</a:t>
+            </a:r>
+            <a:r>
+              <a:rPr lang="ko-KR" altLang="en-US" sz="1400" dirty="0"/>
+              <a:t> 장치 확인은 아래 경로로 확인 가능</a:t>
+            </a:r>
+          </a:p>
+        </p:txBody>
+      </p:sp>
+      <p:pic>
+        <p:nvPicPr>
+          <p:cNvPr id="1028" name="Picture 4" descr="post-thumbnail"/>
+          <p:cNvPicPr>
+            <a:picLocks noChangeAspect="1" noChangeArrowheads="1"/>
+          </p:cNvPicPr>
+          <p:nvPr/>
+        </p:nvPicPr>
+        <p:blipFill>
+          <a:blip r:embed="rId4">
+            <a:extLst>
+              <a:ext uri="{28A0092B-C50C-407E-A947-70E740481C1C}">
+                <a14:useLocalDpi xmlns:a14="http://schemas.microsoft.com/office/drawing/2010/main" val="0"/>
+              </a:ext>
+            </a:extLst>
+          </a:blip>
+          <a:srcRect/>
+          <a:stretch>
+            <a:fillRect/>
+          </a:stretch>
+        </p:blipFill>
+        <p:spPr bwMode="auto">
+          <a:xfrm>
+            <a:off x="604434" y="2610643"/>
+            <a:ext cx="6753225" cy="1390651"/>
+          </a:xfrm>
+          <a:prstGeom prst="rect">
+            <a:avLst/>
+          </a:prstGeom>
+          <a:noFill/>
+          <a:extLst>
+            <a:ext uri="{909E8E84-426E-40DD-AFC4-6F175D3DCCD1}">
+              <a14:hiddenFill xmlns:a14="http://schemas.microsoft.com/office/drawing/2010/main">
+                <a:solidFill>
+                  <a:srgbClr val="FFFFFF"/>
+                </a:solidFill>
+              </a14:hiddenFill>
+            </a:ext>
+          </a:extLst>
+        </p:spPr>
+      </p:pic>
+      <p:pic>
+        <p:nvPicPr>
+          <p:cNvPr id="1030" name="Picture 6" descr="https://velog.velcdn.com/images/starmom/post/b56f176c-a0fb-4ff0-a322-ba76884c495e/image.png"/>
+          <p:cNvPicPr>
+            <a:picLocks noChangeAspect="1" noChangeArrowheads="1"/>
+          </p:cNvPicPr>
+          <p:nvPr/>
+        </p:nvPicPr>
+        <p:blipFill rotWithShape="1">
+          <a:blip r:embed="rId5">
+            <a:extLst>
+              <a:ext uri="{28A0092B-C50C-407E-A947-70E740481C1C}">
+                <a14:useLocalDpi xmlns:a14="http://schemas.microsoft.com/office/drawing/2010/main" val="0"/>
+              </a:ext>
+            </a:extLst>
+          </a:blip>
+          <a:srcRect r="261" b="68885"/>
+          <a:stretch/>
+        </p:blipFill>
+        <p:spPr bwMode="auto">
+          <a:xfrm>
+            <a:off x="604434" y="4233882"/>
+            <a:ext cx="6753225" cy="2338373"/>
+          </a:xfrm>
+          <a:prstGeom prst="rect">
+            <a:avLst/>
+          </a:prstGeom>
+          <a:noFill/>
+          <a:extLst>
+            <a:ext uri="{909E8E84-426E-40DD-AFC4-6F175D3DCCD1}">
+              <a14:hiddenFill xmlns:a14="http://schemas.microsoft.com/office/drawing/2010/main">
+                <a:solidFill>
+                  <a:srgbClr val="FFFFFF"/>
+                </a:solidFill>
+              </a14:hiddenFill>
+            </a:ext>
+          </a:extLst>
+        </p:spPr>
+      </p:pic>
+      <p:sp>
+        <p:nvSpPr>
+          <p:cNvPr id="11" name="내용 개체 틀 2"/>
+          <p:cNvSpPr txBox="1">
+            <a:spLocks/>
+          </p:cNvSpPr>
+          <p:nvPr/>
+        </p:nvSpPr>
+        <p:spPr>
+          <a:xfrm>
+            <a:off x="7562371" y="1825625"/>
+            <a:ext cx="4346029" cy="4449051"/>
+          </a:xfrm>
+          <a:prstGeom prst="rect">
+            <a:avLst/>
+          </a:prstGeom>
+        </p:spPr>
+        <p:txBody>
+          <a:bodyPr vert="horz" lIns="91440" tIns="45720" rIns="91440" bIns="45720" rtlCol="0">
+            <a:noAutofit/>
+          </a:bodyPr>
+          <a:lstStyle>
+            <a:lvl1pPr marL="0" indent="0" algn="l" defTabSz="914400" rtl="0" eaLnBrk="1" latinLnBrk="1" hangingPunct="1">
+              <a:lnSpc>
+                <a:spcPct val="150000"/>
+              </a:lnSpc>
+              <a:spcBef>
+                <a:spcPct val="30000"/>
+              </a:spcBef>
+              <a:spcAft>
+                <a:spcPts val="1200"/>
+              </a:spcAft>
+              <a:buFont typeface="Arial" panose="020B0604020202020204" pitchFamily="34" charset="0"/>
+              <a:buNone/>
+              <a:defRPr sz="1600" kern="1200">
+                <a:solidFill>
+                  <a:schemeClr val="bg1">
+                    <a:lumMod val="50000"/>
+                  </a:schemeClr>
+                </a:solidFill>
+                <a:latin typeface="맑은 고딕" panose="020B0503020000020004" pitchFamily="50" charset="-127"/>
+                <a:ea typeface="+mn-ea"/>
+                <a:cs typeface="+mn-cs"/>
+              </a:defRPr>
+            </a:lvl1pPr>
+            <a:lvl2pPr marL="685800" indent="-228600" algn="l" defTabSz="914400" rtl="0" eaLnBrk="1" latinLnBrk="1" hangingPunct="1">
+              <a:lnSpc>
+                <a:spcPct val="150000"/>
+              </a:lnSpc>
+              <a:spcBef>
+                <a:spcPct val="30000"/>
+              </a:spcBef>
+              <a:spcAft>
+                <a:spcPts val="1200"/>
+              </a:spcAft>
+              <a:buFont typeface="Arial" panose="020B0604020202020204" pitchFamily="34" charset="0"/>
+              <a:buChar char="•"/>
+              <a:defRPr sz="1400" kern="1200">
+                <a:solidFill>
+                  <a:schemeClr val="bg1">
+                    <a:lumMod val="50000"/>
+                  </a:schemeClr>
+                </a:solidFill>
+                <a:latin typeface="맑은 고딕" panose="020B0503020000020004" pitchFamily="50" charset="-127"/>
+                <a:ea typeface="+mn-ea"/>
+                <a:cs typeface="+mn-cs"/>
+              </a:defRPr>
+            </a:lvl2pPr>
+            <a:lvl3pPr marL="1143000" indent="-228600" algn="l" defTabSz="914400" rtl="0" eaLnBrk="1" latinLnBrk="1" hangingPunct="1">
+              <a:lnSpc>
+                <a:spcPct val="150000"/>
+              </a:lnSpc>
+              <a:spcBef>
+                <a:spcPct val="30000"/>
+              </a:spcBef>
+              <a:spcAft>
+                <a:spcPts val="1200"/>
+              </a:spcAft>
+              <a:buFont typeface="Arial" panose="020B0604020202020204" pitchFamily="34" charset="0"/>
+              <a:buChar char="•"/>
+              <a:defRPr sz="1200" kern="1200">
+                <a:solidFill>
+                  <a:schemeClr val="bg1">
+                    <a:lumMod val="50000"/>
+                  </a:schemeClr>
+                </a:solidFill>
+                <a:latin typeface="맑은 고딕" panose="020B0503020000020004" pitchFamily="50" charset="-127"/>
+                <a:ea typeface="+mn-ea"/>
+                <a:cs typeface="+mn-cs"/>
+              </a:defRPr>
+            </a:lvl3pPr>
+            <a:lvl4pPr marL="1600200" indent="-228600" algn="l" defTabSz="914400" rtl="0" eaLnBrk="1" latinLnBrk="1" hangingPunct="1">
+              <a:lnSpc>
+                <a:spcPct val="150000"/>
+              </a:lnSpc>
+              <a:spcBef>
+                <a:spcPct val="30000"/>
+              </a:spcBef>
+              <a:spcAft>
+                <a:spcPts val="1200"/>
+              </a:spcAft>
+              <a:buFont typeface="Arial" panose="020B0604020202020204" pitchFamily="34" charset="0"/>
+              <a:buChar char="•"/>
+              <a:defRPr sz="1100" kern="1200">
+                <a:solidFill>
+                  <a:schemeClr val="bg1">
+                    <a:lumMod val="50000"/>
+                  </a:schemeClr>
+                </a:solidFill>
+                <a:latin typeface="맑은 고딕" panose="020B0503020000020004" pitchFamily="50" charset="-127"/>
+                <a:ea typeface="+mn-ea"/>
+                <a:cs typeface="+mn-cs"/>
+              </a:defRPr>
+            </a:lvl4pPr>
+            <a:lvl5pPr marL="2057400" indent="-228600" algn="l" defTabSz="914400" rtl="0" eaLnBrk="1" latinLnBrk="1" hangingPunct="1">
+              <a:lnSpc>
+                <a:spcPct val="150000"/>
+              </a:lnSpc>
+              <a:spcBef>
+                <a:spcPct val="30000"/>
+              </a:spcBef>
+              <a:spcAft>
+                <a:spcPts val="1200"/>
+              </a:spcAft>
+              <a:buFont typeface="Arial" panose="020B0604020202020204" pitchFamily="34" charset="0"/>
+              <a:buChar char="•"/>
+              <a:defRPr sz="1100" kern="1200">
+                <a:solidFill>
+                  <a:schemeClr val="bg1">
+                    <a:lumMod val="50000"/>
+                  </a:schemeClr>
+                </a:solidFill>
+                <a:latin typeface="맑은 고딕" panose="020B0503020000020004" pitchFamily="50" charset="-127"/>
+                <a:ea typeface="+mn-ea"/>
+                <a:cs typeface="+mn-cs"/>
+              </a:defRPr>
+            </a:lvl5pPr>
+            <a:lvl6pPr marL="2514600" indent="-228600" algn="l" defTabSz="914400" rtl="0" eaLnBrk="1" latinLnBrk="1" hangingPunct="1">
+              <a:lnSpc>
+                <a:spcPct val="90000"/>
+              </a:lnSpc>
+              <a:spcBef>
+                <a:spcPct val="30000"/>
+              </a:spcBef>
+              <a:buFont typeface="Arial" panose="020B0604020202020204" pitchFamily="34" charset="0"/>
+              <a:buChar char="•"/>
+              <a:defRPr sz="1800" kern="1200">
+                <a:solidFill>
+                  <a:schemeClr val="tx1"/>
+                </a:solidFill>
+                <a:latin typeface="+mn-lt"/>
+                <a:ea typeface="+mn-ea"/>
+                <a:cs typeface="+mn-cs"/>
+              </a:defRPr>
+            </a:lvl6pPr>
+            <a:lvl7pPr marL="2971800" indent="-228600" algn="l" defTabSz="914400" rtl="0" eaLnBrk="1" latinLnBrk="1" hangingPunct="1">
+              <a:lnSpc>
+                <a:spcPct val="90000"/>
+              </a:lnSpc>
+              <a:spcBef>
+                <a:spcPct val="30000"/>
+              </a:spcBef>
+              <a:buFont typeface="Arial" panose="020B0604020202020204" pitchFamily="34" charset="0"/>
+              <a:buChar char="•"/>
+              <a:defRPr sz="1800" kern="1200">
+                <a:solidFill>
+                  <a:schemeClr val="tx1"/>
+                </a:solidFill>
+                <a:latin typeface="+mn-lt"/>
+                <a:ea typeface="+mn-ea"/>
+                <a:cs typeface="+mn-cs"/>
+              </a:defRPr>
+            </a:lvl7pPr>
+            <a:lvl8pPr marL="3429000" indent="-228600" algn="l" defTabSz="914400" rtl="0" eaLnBrk="1" latinLnBrk="1" hangingPunct="1">
+              <a:lnSpc>
+                <a:spcPct val="90000"/>
+              </a:lnSpc>
+              <a:spcBef>
+                <a:spcPct val="30000"/>
+              </a:spcBef>
+              <a:buFont typeface="Arial" panose="020B0604020202020204" pitchFamily="34" charset="0"/>
+              <a:buChar char="•"/>
+              <a:defRPr sz="1800" kern="1200">
+                <a:solidFill>
+                  <a:schemeClr val="tx1"/>
+                </a:solidFill>
+                <a:latin typeface="+mn-lt"/>
+                <a:ea typeface="+mn-ea"/>
+                <a:cs typeface="+mn-cs"/>
+              </a:defRPr>
+            </a:lvl8pPr>
+            <a:lvl9pPr marL="3886200" indent="-228600" algn="l" defTabSz="914400" rtl="0" eaLnBrk="1" latinLnBrk="1" hangingPunct="1">
+              <a:lnSpc>
+                <a:spcPct val="90000"/>
+              </a:lnSpc>
+              <a:spcBef>
+                <a:spcPct val="30000"/>
+              </a:spcBef>
+              <a:buFont typeface="Arial" panose="020B0604020202020204" pitchFamily="34" charset="0"/>
+              <a:buChar char="•"/>
+              <a:defRPr sz="1800" kern="1200">
+                <a:solidFill>
+                  <a:schemeClr val="tx1"/>
+                </a:solidFill>
+                <a:latin typeface="+mn-lt"/>
+                <a:ea typeface="+mn-ea"/>
+                <a:cs typeface="+mn-cs"/>
+              </a:defRPr>
+            </a:lvl9pPr>
+          </a:lstStyle>
+          <a:p>
+            <a:r>
+              <a:rPr lang="en-US" altLang="ko-KR" sz="1800" b="1" dirty="0" smtClean="0"/>
+              <a:t>1. USB</a:t>
+            </a:r>
+            <a:r>
+              <a:rPr lang="ko-KR" altLang="en-US" sz="1800" b="1" dirty="0" smtClean="0"/>
+              <a:t>로 연결</a:t>
+            </a:r>
+          </a:p>
+          <a:p>
+            <a:r>
+              <a:rPr lang="ko-KR" altLang="en-US" sz="1800" dirty="0" smtClean="0"/>
+              <a:t>해당 디바이스를 직업 연결해서 등록하는 방법</a:t>
+            </a:r>
+            <a:br>
+              <a:rPr lang="ko-KR" altLang="en-US" sz="1800" dirty="0" smtClean="0"/>
+            </a:br>
+            <a:r>
+              <a:rPr lang="ko-KR" altLang="en-US" sz="1800" dirty="0" smtClean="0"/>
+              <a:t>디바이스를 연결한 뒤 화면에 뜨는 개발자 도구 디버깅 허용을 클릭 해 연결</a:t>
+            </a:r>
+            <a:endParaRPr lang="en-US" altLang="ko-KR" sz="1800" dirty="0" smtClean="0"/>
+          </a:p>
+          <a:p>
+            <a:endParaRPr lang="ko-KR" altLang="en-US" sz="1800" dirty="0"/>
+          </a:p>
+        </p:txBody>
+      </p:sp>
+    </p:spTree>
+    <p:extLst>
+      <p:ext uri="{BB962C8B-B14F-4D97-AF65-F5344CB8AC3E}">
+        <p14:creationId xmlns:p14="http://schemas.microsoft.com/office/powerpoint/2010/main" val="41645547"/>
+      </p:ext>
+    </p:extLst>
+  </p:cSld>
+  <p:clrMapOvr>
+    <a:masterClrMapping/>
+  </p:clrMapOvr>
+  <p:timing>
+    <p:tnLst>
+      <p:par>
+        <p:cTn id="1" dur="indefinite" restart="never" nodeType="tmRoot"/>
+      </p:par>
+    </p:tnLst>
+  </p:timing>
+</p:sld>
+</file>
+
+<file path=ppt/slides/slide12.xml><?xml version="1.0" encoding="utf-8"?>
+<p:sld xmlns:a="http://schemas.openxmlformats.org/drawingml/2006/main" xmlns:r="http://schemas.openxmlformats.org/officeDocument/2006/relationships" xmlns:p="http://schemas.openxmlformats.org/presentationml/2006/main">
+  <p:cSld>
+    <p:spTree>
+      <p:nvGrpSpPr>
+        <p:cNvPr id="1" name=""/>
+        <p:cNvGrpSpPr/>
+        <p:nvPr/>
+      </p:nvGrpSpPr>
+      <p:grpSpPr>
+        <a:xfrm>
+          <a:off x="0" y="0"/>
+          <a:ext cx="0" cy="0"/>
+          <a:chOff x="0" y="0"/>
+          <a:chExt cx="0" cy="0"/>
+        </a:xfrm>
+      </p:grpSpPr>
+      <p:sp>
+        <p:nvSpPr>
+          <p:cNvPr id="2" name="제목 1"/>
+          <p:cNvSpPr>
+            <a:spLocks noGrp="1"/>
+          </p:cNvSpPr>
+          <p:nvPr>
+            <p:ph type="title"/>
+          </p:nvPr>
+        </p:nvSpPr>
+        <p:spPr/>
+        <p:txBody>
+          <a:bodyPr rtlCol="0"/>
+          <a:lstStyle/>
+          <a:p>
+            <a:pPr rtl="0"/>
+            <a:r>
+              <a:rPr lang="en-US" altLang="ko-KR" noProof="1" smtClean="0">
+                <a:ea typeface="맑은 고딕" panose="020B0503020000020004" pitchFamily="50" charset="-127"/>
+              </a:rPr>
+              <a:t>Katalon</a:t>
+            </a:r>
+            <a:r>
+              <a:rPr lang="ko-KR" altLang="en-US" noProof="1" smtClean="0">
+                <a:ea typeface="맑은 고딕" panose="020B0503020000020004" pitchFamily="50" charset="-127"/>
+              </a:rPr>
+              <a:t> </a:t>
+            </a:r>
+            <a:r>
+              <a:rPr lang="en-US" altLang="ko-KR" noProof="1" smtClean="0">
+                <a:ea typeface="맑은 고딕" panose="020B0503020000020004" pitchFamily="50" charset="-127"/>
+              </a:rPr>
+              <a:t>Device</a:t>
+            </a:r>
+            <a:r>
+              <a:rPr lang="ko-KR" altLang="en-US" noProof="1" smtClean="0">
+                <a:ea typeface="맑은 고딕" panose="020B0503020000020004" pitchFamily="50" charset="-127"/>
+              </a:rPr>
+              <a:t> 등록</a:t>
+            </a:r>
+            <a:endParaRPr lang="ko-KR" altLang="en-US" noProof="1">
+              <a:ea typeface="맑은 고딕" panose="020B0503020000020004" pitchFamily="50" charset="-127"/>
+            </a:endParaRPr>
+          </a:p>
+        </p:txBody>
+      </p:sp>
+      <p:sp>
+        <p:nvSpPr>
+          <p:cNvPr id="6" name="내용 개체 틀 2"/>
+          <p:cNvSpPr txBox="1">
+            <a:spLocks/>
+          </p:cNvSpPr>
+          <p:nvPr/>
+        </p:nvSpPr>
+        <p:spPr>
+          <a:xfrm>
+            <a:off x="4903165" y="1825624"/>
+            <a:ext cx="6873676" cy="4449051"/>
+          </a:xfrm>
+          <a:prstGeom prst="rect">
+            <a:avLst/>
+          </a:prstGeom>
+        </p:spPr>
+        <p:txBody>
+          <a:bodyPr vert="horz" lIns="91440" tIns="45720" rIns="91440" bIns="45720" rtlCol="0">
+            <a:noAutofit/>
+          </a:bodyPr>
+          <a:lstStyle>
+            <a:lvl1pPr marL="0" indent="0" algn="l" defTabSz="914400" rtl="0" eaLnBrk="1" latinLnBrk="1" hangingPunct="1">
+              <a:lnSpc>
+                <a:spcPct val="150000"/>
+              </a:lnSpc>
+              <a:spcBef>
+                <a:spcPct val="30000"/>
+              </a:spcBef>
+              <a:spcAft>
+                <a:spcPts val="1200"/>
+              </a:spcAft>
+              <a:buFont typeface="Arial" panose="020B0604020202020204" pitchFamily="34" charset="0"/>
+              <a:buNone/>
+              <a:defRPr sz="1600" kern="1200">
+                <a:solidFill>
+                  <a:schemeClr val="bg1">
+                    <a:lumMod val="50000"/>
+                  </a:schemeClr>
+                </a:solidFill>
+                <a:latin typeface="맑은 고딕" panose="020B0503020000020004" pitchFamily="50" charset="-127"/>
+                <a:ea typeface="+mn-ea"/>
+                <a:cs typeface="+mn-cs"/>
+              </a:defRPr>
+            </a:lvl1pPr>
+            <a:lvl2pPr marL="685800" indent="-228600" algn="l" defTabSz="914400" rtl="0" eaLnBrk="1" latinLnBrk="1" hangingPunct="1">
+              <a:lnSpc>
+                <a:spcPct val="150000"/>
+              </a:lnSpc>
+              <a:spcBef>
+                <a:spcPct val="30000"/>
+              </a:spcBef>
+              <a:spcAft>
+                <a:spcPts val="1200"/>
+              </a:spcAft>
+              <a:buFont typeface="Arial" panose="020B0604020202020204" pitchFamily="34" charset="0"/>
+              <a:buChar char="•"/>
+              <a:defRPr sz="1400" kern="1200">
+                <a:solidFill>
+                  <a:schemeClr val="bg1">
+                    <a:lumMod val="50000"/>
+                  </a:schemeClr>
+                </a:solidFill>
+                <a:latin typeface="맑은 고딕" panose="020B0503020000020004" pitchFamily="50" charset="-127"/>
+                <a:ea typeface="+mn-ea"/>
+                <a:cs typeface="+mn-cs"/>
+              </a:defRPr>
+            </a:lvl2pPr>
+            <a:lvl3pPr marL="1143000" indent="-228600" algn="l" defTabSz="914400" rtl="0" eaLnBrk="1" latinLnBrk="1" hangingPunct="1">
+              <a:lnSpc>
+                <a:spcPct val="150000"/>
+              </a:lnSpc>
+              <a:spcBef>
+                <a:spcPct val="30000"/>
+              </a:spcBef>
+              <a:spcAft>
+                <a:spcPts val="1200"/>
+              </a:spcAft>
+              <a:buFont typeface="Arial" panose="020B0604020202020204" pitchFamily="34" charset="0"/>
+              <a:buChar char="•"/>
+              <a:defRPr sz="1200" kern="1200">
+                <a:solidFill>
+                  <a:schemeClr val="bg1">
+                    <a:lumMod val="50000"/>
+                  </a:schemeClr>
+                </a:solidFill>
+                <a:latin typeface="맑은 고딕" panose="020B0503020000020004" pitchFamily="50" charset="-127"/>
+                <a:ea typeface="+mn-ea"/>
+                <a:cs typeface="+mn-cs"/>
+              </a:defRPr>
+            </a:lvl3pPr>
+            <a:lvl4pPr marL="1600200" indent="-228600" algn="l" defTabSz="914400" rtl="0" eaLnBrk="1" latinLnBrk="1" hangingPunct="1">
+              <a:lnSpc>
+                <a:spcPct val="150000"/>
+              </a:lnSpc>
+              <a:spcBef>
+                <a:spcPct val="30000"/>
+              </a:spcBef>
+              <a:spcAft>
+                <a:spcPts val="1200"/>
+              </a:spcAft>
+              <a:buFont typeface="Arial" panose="020B0604020202020204" pitchFamily="34" charset="0"/>
+              <a:buChar char="•"/>
+              <a:defRPr sz="1100" kern="1200">
+                <a:solidFill>
+                  <a:schemeClr val="bg1">
+                    <a:lumMod val="50000"/>
+                  </a:schemeClr>
+                </a:solidFill>
+                <a:latin typeface="맑은 고딕" panose="020B0503020000020004" pitchFamily="50" charset="-127"/>
+                <a:ea typeface="+mn-ea"/>
+                <a:cs typeface="+mn-cs"/>
+              </a:defRPr>
+            </a:lvl4pPr>
+            <a:lvl5pPr marL="2057400" indent="-228600" algn="l" defTabSz="914400" rtl="0" eaLnBrk="1" latinLnBrk="1" hangingPunct="1">
+              <a:lnSpc>
+                <a:spcPct val="150000"/>
+              </a:lnSpc>
+              <a:spcBef>
+                <a:spcPct val="30000"/>
+              </a:spcBef>
+              <a:spcAft>
+                <a:spcPts val="1200"/>
+              </a:spcAft>
+              <a:buFont typeface="Arial" panose="020B0604020202020204" pitchFamily="34" charset="0"/>
+              <a:buChar char="•"/>
+              <a:defRPr sz="1100" kern="1200">
+                <a:solidFill>
+                  <a:schemeClr val="bg1">
+                    <a:lumMod val="50000"/>
+                  </a:schemeClr>
+                </a:solidFill>
+                <a:latin typeface="맑은 고딕" panose="020B0503020000020004" pitchFamily="50" charset="-127"/>
+                <a:ea typeface="+mn-ea"/>
+                <a:cs typeface="+mn-cs"/>
+              </a:defRPr>
+            </a:lvl5pPr>
+            <a:lvl6pPr marL="2514600" indent="-228600" algn="l" defTabSz="914400" rtl="0" eaLnBrk="1" latinLnBrk="1" hangingPunct="1">
+              <a:lnSpc>
+                <a:spcPct val="90000"/>
+              </a:lnSpc>
+              <a:spcBef>
+                <a:spcPct val="30000"/>
+              </a:spcBef>
+              <a:buFont typeface="Arial" panose="020B0604020202020204" pitchFamily="34" charset="0"/>
+              <a:buChar char="•"/>
+              <a:defRPr sz="1800" kern="1200">
+                <a:solidFill>
+                  <a:schemeClr val="tx1"/>
+                </a:solidFill>
+                <a:latin typeface="+mn-lt"/>
+                <a:ea typeface="+mn-ea"/>
+                <a:cs typeface="+mn-cs"/>
+              </a:defRPr>
+            </a:lvl6pPr>
+            <a:lvl7pPr marL="2971800" indent="-228600" algn="l" defTabSz="914400" rtl="0" eaLnBrk="1" latinLnBrk="1" hangingPunct="1">
+              <a:lnSpc>
+                <a:spcPct val="90000"/>
+              </a:lnSpc>
+              <a:spcBef>
+                <a:spcPct val="30000"/>
+              </a:spcBef>
+              <a:buFont typeface="Arial" panose="020B0604020202020204" pitchFamily="34" charset="0"/>
+              <a:buChar char="•"/>
+              <a:defRPr sz="1800" kern="1200">
+                <a:solidFill>
+                  <a:schemeClr val="tx1"/>
+                </a:solidFill>
+                <a:latin typeface="+mn-lt"/>
+                <a:ea typeface="+mn-ea"/>
+                <a:cs typeface="+mn-cs"/>
+              </a:defRPr>
+            </a:lvl7pPr>
+            <a:lvl8pPr marL="3429000" indent="-228600" algn="l" defTabSz="914400" rtl="0" eaLnBrk="1" latinLnBrk="1" hangingPunct="1">
+              <a:lnSpc>
+                <a:spcPct val="90000"/>
+              </a:lnSpc>
+              <a:spcBef>
+                <a:spcPct val="30000"/>
+              </a:spcBef>
+              <a:buFont typeface="Arial" panose="020B0604020202020204" pitchFamily="34" charset="0"/>
+              <a:buChar char="•"/>
+              <a:defRPr sz="1800" kern="1200">
+                <a:solidFill>
+                  <a:schemeClr val="tx1"/>
+                </a:solidFill>
+                <a:latin typeface="+mn-lt"/>
+                <a:ea typeface="+mn-ea"/>
+                <a:cs typeface="+mn-cs"/>
+              </a:defRPr>
+            </a:lvl8pPr>
+            <a:lvl9pPr marL="3886200" indent="-228600" algn="l" defTabSz="914400" rtl="0" eaLnBrk="1" latinLnBrk="1" hangingPunct="1">
+              <a:lnSpc>
+                <a:spcPct val="90000"/>
+              </a:lnSpc>
+              <a:spcBef>
+                <a:spcPct val="30000"/>
+              </a:spcBef>
+              <a:buFont typeface="Arial" panose="020B0604020202020204" pitchFamily="34" charset="0"/>
+              <a:buChar char="•"/>
+              <a:defRPr sz="1800" kern="1200">
+                <a:solidFill>
+                  <a:schemeClr val="tx1"/>
+                </a:solidFill>
+                <a:latin typeface="+mn-lt"/>
+                <a:ea typeface="+mn-ea"/>
+                <a:cs typeface="+mn-cs"/>
+              </a:defRPr>
+            </a:lvl9pPr>
+          </a:lstStyle>
+          <a:p>
+            <a:endParaRPr lang="ko-KR" altLang="en-US" sz="1800" dirty="0"/>
+          </a:p>
+        </p:txBody>
+      </p:sp>
+      <p:sp>
+        <p:nvSpPr>
+          <p:cNvPr id="4" name="내용 개체 틀 3"/>
+          <p:cNvSpPr>
+            <a:spLocks noGrp="1"/>
+          </p:cNvSpPr>
+          <p:nvPr>
+            <p:ph idx="1"/>
+          </p:nvPr>
+        </p:nvSpPr>
+        <p:spPr>
+          <a:xfrm>
+            <a:off x="264535" y="1874480"/>
+            <a:ext cx="4167753" cy="4351338"/>
+          </a:xfrm>
+        </p:spPr>
+        <p:txBody>
+          <a:bodyPr/>
+          <a:lstStyle/>
+          <a:p>
+            <a:r>
+              <a:rPr lang="en-US" altLang="ko-KR" b="1" dirty="0"/>
+              <a:t>2. USB</a:t>
+            </a:r>
+            <a:r>
+              <a:rPr lang="ko-KR" altLang="en-US" b="1" dirty="0"/>
+              <a:t>로 연결</a:t>
+            </a:r>
+          </a:p>
+          <a:p>
+            <a:r>
+              <a:rPr lang="ko-KR" altLang="en-US" dirty="0" err="1"/>
+              <a:t>공기계나</a:t>
+            </a:r>
+            <a:r>
+              <a:rPr lang="ko-KR" altLang="en-US" dirty="0"/>
+              <a:t> 실제 디바이스가 없다면 </a:t>
+            </a:r>
+            <a:r>
+              <a:rPr lang="ko-KR" altLang="en-US" dirty="0" err="1"/>
+              <a:t>애뮬레이터를</a:t>
+            </a:r>
+            <a:r>
+              <a:rPr lang="ko-KR" altLang="en-US" dirty="0"/>
+              <a:t> 띄워서 디바이스 등록</a:t>
+            </a:r>
+          </a:p>
+          <a:p>
+            <a:r>
+              <a:rPr lang="en-US" altLang="ko-KR" dirty="0" err="1"/>
+              <a:t>Andriod</a:t>
+            </a:r>
+            <a:r>
+              <a:rPr lang="en-US" altLang="ko-KR" dirty="0"/>
+              <a:t> studio</a:t>
+            </a:r>
+            <a:r>
+              <a:rPr lang="ko-KR" altLang="en-US" dirty="0"/>
+              <a:t>를 실행 </a:t>
+            </a:r>
+            <a:r>
+              <a:rPr lang="en-US" altLang="ko-KR" dirty="0"/>
+              <a:t>&gt;</a:t>
+            </a:r>
+            <a:r>
+              <a:rPr lang="ko-KR" altLang="en-US" dirty="0"/>
+              <a:t> </a:t>
+            </a:r>
+            <a:r>
+              <a:rPr lang="en-US" altLang="ko-KR" dirty="0"/>
+              <a:t>More Actions </a:t>
+            </a:r>
+            <a:r>
+              <a:rPr lang="ko-KR" altLang="en-US" dirty="0"/>
+              <a:t>클릭 </a:t>
+            </a:r>
+            <a:r>
+              <a:rPr lang="en-US" altLang="ko-KR" dirty="0"/>
+              <a:t>&gt;</a:t>
+            </a:r>
+            <a:r>
+              <a:rPr lang="ko-KR" altLang="en-US" dirty="0"/>
+              <a:t> </a:t>
+            </a:r>
+            <a:r>
+              <a:rPr lang="en-US" altLang="ko-KR" dirty="0"/>
+              <a:t>[Virtual Device Manager] </a:t>
+            </a:r>
+            <a:r>
+              <a:rPr lang="ko-KR" altLang="en-US" dirty="0"/>
+              <a:t>클릭 </a:t>
+            </a:r>
+            <a:r>
+              <a:rPr lang="en-US" altLang="ko-KR" dirty="0"/>
+              <a:t>&gt;</a:t>
+            </a:r>
+            <a:r>
+              <a:rPr lang="ko-KR" altLang="en-US" dirty="0"/>
+              <a:t> </a:t>
+            </a:r>
+            <a:r>
+              <a:rPr lang="en-US" altLang="ko-KR" dirty="0"/>
+              <a:t>[+]</a:t>
+            </a:r>
+            <a:r>
+              <a:rPr lang="ko-KR" altLang="en-US" dirty="0"/>
+              <a:t> 클릭 </a:t>
+            </a:r>
+            <a:r>
+              <a:rPr lang="en-US" altLang="ko-KR" dirty="0"/>
+              <a:t>&gt; </a:t>
+            </a:r>
+            <a:r>
+              <a:rPr lang="ko-KR" altLang="en-US" dirty="0" err="1"/>
+              <a:t>애뮬레이터</a:t>
+            </a:r>
+            <a:r>
+              <a:rPr lang="ko-KR" altLang="en-US" dirty="0"/>
+              <a:t> 등록</a:t>
+            </a:r>
+          </a:p>
+          <a:p>
+            <a:r>
+              <a:rPr lang="ko-KR" altLang="en-US" dirty="0"/>
+              <a:t>등록 후 </a:t>
+            </a:r>
+            <a:r>
+              <a:rPr lang="en-US" altLang="ko-KR" dirty="0"/>
+              <a:t>Device Manager</a:t>
+            </a:r>
+            <a:r>
+              <a:rPr lang="ko-KR" altLang="en-US" dirty="0"/>
+              <a:t>에서 </a:t>
+            </a:r>
+            <a:r>
+              <a:rPr lang="en-US" altLang="ko-KR" dirty="0"/>
+              <a:t>"▶"</a:t>
+            </a:r>
+            <a:r>
+              <a:rPr lang="ko-KR" altLang="en-US" dirty="0"/>
+              <a:t>실행 버튼 클릭 </a:t>
+            </a:r>
+            <a:r>
+              <a:rPr lang="en-US" altLang="ko-KR" dirty="0"/>
+              <a:t>&gt; </a:t>
+            </a:r>
+            <a:r>
+              <a:rPr lang="ko-KR" altLang="en-US" dirty="0" err="1"/>
+              <a:t>애뮬레이터</a:t>
+            </a:r>
+            <a:r>
+              <a:rPr lang="ko-KR" altLang="en-US" dirty="0"/>
+              <a:t> 실행</a:t>
+            </a:r>
+          </a:p>
+          <a:p>
+            <a:endParaRPr lang="ko-KR" altLang="en-US" dirty="0"/>
+          </a:p>
+        </p:txBody>
+      </p:sp>
+      <p:sp>
+        <p:nvSpPr>
+          <p:cNvPr id="9" name="내용 개체 틀 3"/>
+          <p:cNvSpPr txBox="1">
+            <a:spLocks/>
+          </p:cNvSpPr>
+          <p:nvPr/>
+        </p:nvSpPr>
+        <p:spPr>
+          <a:xfrm>
+            <a:off x="5483773" y="1825623"/>
+            <a:ext cx="4167753" cy="4351338"/>
+          </a:xfrm>
+          <a:prstGeom prst="rect">
+            <a:avLst/>
+          </a:prstGeom>
+        </p:spPr>
+        <p:txBody>
+          <a:bodyPr vert="horz" lIns="91440" tIns="45720" rIns="91440" bIns="45720" rtlCol="0">
+            <a:normAutofit/>
+          </a:bodyPr>
+          <a:lstStyle>
+            <a:lvl1pPr marL="0" indent="0" algn="l" defTabSz="914400" rtl="0" eaLnBrk="1" latinLnBrk="1" hangingPunct="1">
+              <a:lnSpc>
+                <a:spcPct val="150000"/>
+              </a:lnSpc>
+              <a:spcBef>
+                <a:spcPct val="30000"/>
+              </a:spcBef>
+              <a:spcAft>
+                <a:spcPts val="1200"/>
+              </a:spcAft>
+              <a:buFont typeface="Arial" panose="020B0604020202020204" pitchFamily="34" charset="0"/>
+              <a:buNone/>
+              <a:defRPr sz="1600" kern="1200">
+                <a:solidFill>
+                  <a:schemeClr val="bg1">
+                    <a:lumMod val="50000"/>
+                  </a:schemeClr>
+                </a:solidFill>
+                <a:latin typeface="맑은 고딕" panose="020B0503020000020004" pitchFamily="50" charset="-127"/>
+                <a:ea typeface="+mn-ea"/>
+                <a:cs typeface="+mn-cs"/>
+              </a:defRPr>
+            </a:lvl1pPr>
+            <a:lvl2pPr marL="685800" indent="-228600" algn="l" defTabSz="914400" rtl="0" eaLnBrk="1" latinLnBrk="1" hangingPunct="1">
+              <a:lnSpc>
+                <a:spcPct val="150000"/>
+              </a:lnSpc>
+              <a:spcBef>
+                <a:spcPct val="30000"/>
+              </a:spcBef>
+              <a:spcAft>
+                <a:spcPts val="1200"/>
+              </a:spcAft>
+              <a:buFont typeface="Arial" panose="020B0604020202020204" pitchFamily="34" charset="0"/>
+              <a:buChar char="•"/>
+              <a:defRPr sz="1400" kern="1200">
+                <a:solidFill>
+                  <a:schemeClr val="bg1">
+                    <a:lumMod val="50000"/>
+                  </a:schemeClr>
+                </a:solidFill>
+                <a:latin typeface="맑은 고딕" panose="020B0503020000020004" pitchFamily="50" charset="-127"/>
+                <a:ea typeface="+mn-ea"/>
+                <a:cs typeface="+mn-cs"/>
+              </a:defRPr>
+            </a:lvl2pPr>
+            <a:lvl3pPr marL="1143000" indent="-228600" algn="l" defTabSz="914400" rtl="0" eaLnBrk="1" latinLnBrk="1" hangingPunct="1">
+              <a:lnSpc>
+                <a:spcPct val="150000"/>
+              </a:lnSpc>
+              <a:spcBef>
+                <a:spcPct val="30000"/>
+              </a:spcBef>
+              <a:spcAft>
+                <a:spcPts val="1200"/>
+              </a:spcAft>
+              <a:buFont typeface="Arial" panose="020B0604020202020204" pitchFamily="34" charset="0"/>
+              <a:buChar char="•"/>
+              <a:defRPr sz="1200" kern="1200">
+                <a:solidFill>
+                  <a:schemeClr val="bg1">
+                    <a:lumMod val="50000"/>
+                  </a:schemeClr>
+                </a:solidFill>
+                <a:latin typeface="맑은 고딕" panose="020B0503020000020004" pitchFamily="50" charset="-127"/>
+                <a:ea typeface="+mn-ea"/>
+                <a:cs typeface="+mn-cs"/>
+              </a:defRPr>
+            </a:lvl3pPr>
+            <a:lvl4pPr marL="1600200" indent="-228600" algn="l" defTabSz="914400" rtl="0" eaLnBrk="1" latinLnBrk="1" hangingPunct="1">
+              <a:lnSpc>
+                <a:spcPct val="150000"/>
+              </a:lnSpc>
+              <a:spcBef>
+                <a:spcPct val="30000"/>
+              </a:spcBef>
+              <a:spcAft>
+                <a:spcPts val="1200"/>
+              </a:spcAft>
+              <a:buFont typeface="Arial" panose="020B0604020202020204" pitchFamily="34" charset="0"/>
+              <a:buChar char="•"/>
+              <a:defRPr sz="1100" kern="1200">
+                <a:solidFill>
+                  <a:schemeClr val="bg1">
+                    <a:lumMod val="50000"/>
+                  </a:schemeClr>
+                </a:solidFill>
+                <a:latin typeface="맑은 고딕" panose="020B0503020000020004" pitchFamily="50" charset="-127"/>
+                <a:ea typeface="+mn-ea"/>
+                <a:cs typeface="+mn-cs"/>
+              </a:defRPr>
+            </a:lvl4pPr>
+            <a:lvl5pPr marL="2057400" indent="-228600" algn="l" defTabSz="914400" rtl="0" eaLnBrk="1" latinLnBrk="1" hangingPunct="1">
+              <a:lnSpc>
+                <a:spcPct val="150000"/>
+              </a:lnSpc>
+              <a:spcBef>
+                <a:spcPct val="30000"/>
+              </a:spcBef>
+              <a:spcAft>
+                <a:spcPts val="1200"/>
+              </a:spcAft>
+              <a:buFont typeface="Arial" panose="020B0604020202020204" pitchFamily="34" charset="0"/>
+              <a:buChar char="•"/>
+              <a:defRPr sz="1100" kern="1200">
+                <a:solidFill>
+                  <a:schemeClr val="bg1">
+                    <a:lumMod val="50000"/>
+                  </a:schemeClr>
+                </a:solidFill>
+                <a:latin typeface="맑은 고딕" panose="020B0503020000020004" pitchFamily="50" charset="-127"/>
+                <a:ea typeface="+mn-ea"/>
+                <a:cs typeface="+mn-cs"/>
+              </a:defRPr>
+            </a:lvl5pPr>
+            <a:lvl6pPr marL="2514600" indent="-228600" algn="l" defTabSz="914400" rtl="0" eaLnBrk="1" latinLnBrk="1" hangingPunct="1">
+              <a:lnSpc>
+                <a:spcPct val="90000"/>
+              </a:lnSpc>
+              <a:spcBef>
+                <a:spcPct val="30000"/>
+              </a:spcBef>
+              <a:buFont typeface="Arial" panose="020B0604020202020204" pitchFamily="34" charset="0"/>
+              <a:buChar char="•"/>
+              <a:defRPr sz="1800" kern="1200">
+                <a:solidFill>
+                  <a:schemeClr val="tx1"/>
+                </a:solidFill>
+                <a:latin typeface="+mn-lt"/>
+                <a:ea typeface="+mn-ea"/>
+                <a:cs typeface="+mn-cs"/>
+              </a:defRPr>
+            </a:lvl6pPr>
+            <a:lvl7pPr marL="2971800" indent="-228600" algn="l" defTabSz="914400" rtl="0" eaLnBrk="1" latinLnBrk="1" hangingPunct="1">
+              <a:lnSpc>
+                <a:spcPct val="90000"/>
+              </a:lnSpc>
+              <a:spcBef>
+                <a:spcPct val="30000"/>
+              </a:spcBef>
+              <a:buFont typeface="Arial" panose="020B0604020202020204" pitchFamily="34" charset="0"/>
+              <a:buChar char="•"/>
+              <a:defRPr sz="1800" kern="1200">
+                <a:solidFill>
+                  <a:schemeClr val="tx1"/>
+                </a:solidFill>
+                <a:latin typeface="+mn-lt"/>
+                <a:ea typeface="+mn-ea"/>
+                <a:cs typeface="+mn-cs"/>
+              </a:defRPr>
+            </a:lvl7pPr>
+            <a:lvl8pPr marL="3429000" indent="-228600" algn="l" defTabSz="914400" rtl="0" eaLnBrk="1" latinLnBrk="1" hangingPunct="1">
+              <a:lnSpc>
+                <a:spcPct val="90000"/>
+              </a:lnSpc>
+              <a:spcBef>
+                <a:spcPct val="30000"/>
+              </a:spcBef>
+              <a:buFont typeface="Arial" panose="020B0604020202020204" pitchFamily="34" charset="0"/>
+              <a:buChar char="•"/>
+              <a:defRPr sz="1800" kern="1200">
+                <a:solidFill>
+                  <a:schemeClr val="tx1"/>
+                </a:solidFill>
+                <a:latin typeface="+mn-lt"/>
+                <a:ea typeface="+mn-ea"/>
+                <a:cs typeface="+mn-cs"/>
+              </a:defRPr>
+            </a:lvl8pPr>
+            <a:lvl9pPr marL="3886200" indent="-228600" algn="l" defTabSz="914400" rtl="0" eaLnBrk="1" latinLnBrk="1" hangingPunct="1">
+              <a:lnSpc>
+                <a:spcPct val="90000"/>
+              </a:lnSpc>
+              <a:spcBef>
+                <a:spcPct val="30000"/>
+              </a:spcBef>
+              <a:buFont typeface="Arial" panose="020B0604020202020204" pitchFamily="34" charset="0"/>
+              <a:buChar char="•"/>
+              <a:defRPr sz="1800" kern="1200">
+                <a:solidFill>
+                  <a:schemeClr val="tx1"/>
+                </a:solidFill>
+                <a:latin typeface="+mn-lt"/>
+                <a:ea typeface="+mn-ea"/>
+                <a:cs typeface="+mn-cs"/>
+              </a:defRPr>
+            </a:lvl9pPr>
+          </a:lstStyle>
+          <a:p>
+            <a:endParaRPr lang="ko-KR" altLang="en-US" dirty="0"/>
+          </a:p>
+        </p:txBody>
+      </p:sp>
+      <p:sp>
+        <p:nvSpPr>
+          <p:cNvPr id="11" name="내용 개체 틀 3"/>
+          <p:cNvSpPr txBox="1">
+            <a:spLocks/>
+          </p:cNvSpPr>
+          <p:nvPr/>
+        </p:nvSpPr>
+        <p:spPr>
+          <a:xfrm>
+            <a:off x="5202621" y="1416908"/>
+            <a:ext cx="6794938" cy="5376809"/>
+          </a:xfrm>
+          <a:prstGeom prst="rect">
+            <a:avLst/>
+          </a:prstGeom>
+        </p:spPr>
+        <p:txBody>
+          <a:bodyPr vert="horz" lIns="91440" tIns="45720" rIns="91440" bIns="45720" rtlCol="0">
+            <a:normAutofit fontScale="92500" lnSpcReduction="20000"/>
+          </a:bodyPr>
+          <a:lstStyle>
+            <a:lvl1pPr marL="0" indent="0" algn="l" defTabSz="914400" rtl="0" eaLnBrk="1" latinLnBrk="1" hangingPunct="1">
+              <a:lnSpc>
+                <a:spcPct val="150000"/>
+              </a:lnSpc>
+              <a:spcBef>
+                <a:spcPct val="30000"/>
+              </a:spcBef>
+              <a:spcAft>
+                <a:spcPts val="1200"/>
+              </a:spcAft>
+              <a:buFont typeface="Arial" panose="020B0604020202020204" pitchFamily="34" charset="0"/>
+              <a:buNone/>
+              <a:defRPr sz="1600" kern="1200">
+                <a:solidFill>
+                  <a:schemeClr val="bg1">
+                    <a:lumMod val="50000"/>
+                  </a:schemeClr>
+                </a:solidFill>
+                <a:latin typeface="맑은 고딕" panose="020B0503020000020004" pitchFamily="50" charset="-127"/>
+                <a:ea typeface="+mn-ea"/>
+                <a:cs typeface="+mn-cs"/>
+              </a:defRPr>
+            </a:lvl1pPr>
+            <a:lvl2pPr marL="685800" indent="-228600" algn="l" defTabSz="914400" rtl="0" eaLnBrk="1" latinLnBrk="1" hangingPunct="1">
+              <a:lnSpc>
+                <a:spcPct val="150000"/>
+              </a:lnSpc>
+              <a:spcBef>
+                <a:spcPct val="30000"/>
+              </a:spcBef>
+              <a:spcAft>
+                <a:spcPts val="1200"/>
+              </a:spcAft>
+              <a:buFont typeface="Arial" panose="020B0604020202020204" pitchFamily="34" charset="0"/>
+              <a:buChar char="•"/>
+              <a:defRPr sz="1400" kern="1200">
+                <a:solidFill>
+                  <a:schemeClr val="bg1">
+                    <a:lumMod val="50000"/>
+                  </a:schemeClr>
+                </a:solidFill>
+                <a:latin typeface="맑은 고딕" panose="020B0503020000020004" pitchFamily="50" charset="-127"/>
+                <a:ea typeface="+mn-ea"/>
+                <a:cs typeface="+mn-cs"/>
+              </a:defRPr>
+            </a:lvl2pPr>
+            <a:lvl3pPr marL="1143000" indent="-228600" algn="l" defTabSz="914400" rtl="0" eaLnBrk="1" latinLnBrk="1" hangingPunct="1">
+              <a:lnSpc>
+                <a:spcPct val="150000"/>
+              </a:lnSpc>
+              <a:spcBef>
+                <a:spcPct val="30000"/>
+              </a:spcBef>
+              <a:spcAft>
+                <a:spcPts val="1200"/>
+              </a:spcAft>
+              <a:buFont typeface="Arial" panose="020B0604020202020204" pitchFamily="34" charset="0"/>
+              <a:buChar char="•"/>
+              <a:defRPr sz="1200" kern="1200">
+                <a:solidFill>
+                  <a:schemeClr val="bg1">
+                    <a:lumMod val="50000"/>
+                  </a:schemeClr>
+                </a:solidFill>
+                <a:latin typeface="맑은 고딕" panose="020B0503020000020004" pitchFamily="50" charset="-127"/>
+                <a:ea typeface="+mn-ea"/>
+                <a:cs typeface="+mn-cs"/>
+              </a:defRPr>
+            </a:lvl3pPr>
+            <a:lvl4pPr marL="1600200" indent="-228600" algn="l" defTabSz="914400" rtl="0" eaLnBrk="1" latinLnBrk="1" hangingPunct="1">
+              <a:lnSpc>
+                <a:spcPct val="150000"/>
+              </a:lnSpc>
+              <a:spcBef>
+                <a:spcPct val="30000"/>
+              </a:spcBef>
+              <a:spcAft>
+                <a:spcPts val="1200"/>
+              </a:spcAft>
+              <a:buFont typeface="Arial" panose="020B0604020202020204" pitchFamily="34" charset="0"/>
+              <a:buChar char="•"/>
+              <a:defRPr sz="1100" kern="1200">
+                <a:solidFill>
+                  <a:schemeClr val="bg1">
+                    <a:lumMod val="50000"/>
+                  </a:schemeClr>
+                </a:solidFill>
+                <a:latin typeface="맑은 고딕" panose="020B0503020000020004" pitchFamily="50" charset="-127"/>
+                <a:ea typeface="+mn-ea"/>
+                <a:cs typeface="+mn-cs"/>
+              </a:defRPr>
+            </a:lvl4pPr>
+            <a:lvl5pPr marL="2057400" indent="-228600" algn="l" defTabSz="914400" rtl="0" eaLnBrk="1" latinLnBrk="1" hangingPunct="1">
+              <a:lnSpc>
+                <a:spcPct val="150000"/>
+              </a:lnSpc>
+              <a:spcBef>
+                <a:spcPct val="30000"/>
+              </a:spcBef>
+              <a:spcAft>
+                <a:spcPts val="1200"/>
+              </a:spcAft>
+              <a:buFont typeface="Arial" panose="020B0604020202020204" pitchFamily="34" charset="0"/>
+              <a:buChar char="•"/>
+              <a:defRPr sz="1100" kern="1200">
+                <a:solidFill>
+                  <a:schemeClr val="bg1">
+                    <a:lumMod val="50000"/>
+                  </a:schemeClr>
+                </a:solidFill>
+                <a:latin typeface="맑은 고딕" panose="020B0503020000020004" pitchFamily="50" charset="-127"/>
+                <a:ea typeface="+mn-ea"/>
+                <a:cs typeface="+mn-cs"/>
+              </a:defRPr>
+            </a:lvl5pPr>
+            <a:lvl6pPr marL="2514600" indent="-228600" algn="l" defTabSz="914400" rtl="0" eaLnBrk="1" latinLnBrk="1" hangingPunct="1">
+              <a:lnSpc>
+                <a:spcPct val="90000"/>
+              </a:lnSpc>
+              <a:spcBef>
+                <a:spcPct val="30000"/>
+              </a:spcBef>
+              <a:buFont typeface="Arial" panose="020B0604020202020204" pitchFamily="34" charset="0"/>
+              <a:buChar char="•"/>
+              <a:defRPr sz="1800" kern="1200">
+                <a:solidFill>
+                  <a:schemeClr val="tx1"/>
+                </a:solidFill>
+                <a:latin typeface="+mn-lt"/>
+                <a:ea typeface="+mn-ea"/>
+                <a:cs typeface="+mn-cs"/>
+              </a:defRPr>
+            </a:lvl6pPr>
+            <a:lvl7pPr marL="2971800" indent="-228600" algn="l" defTabSz="914400" rtl="0" eaLnBrk="1" latinLnBrk="1" hangingPunct="1">
+              <a:lnSpc>
+                <a:spcPct val="90000"/>
+              </a:lnSpc>
+              <a:spcBef>
+                <a:spcPct val="30000"/>
+              </a:spcBef>
+              <a:buFont typeface="Arial" panose="020B0604020202020204" pitchFamily="34" charset="0"/>
+              <a:buChar char="•"/>
+              <a:defRPr sz="1800" kern="1200">
+                <a:solidFill>
+                  <a:schemeClr val="tx1"/>
+                </a:solidFill>
+                <a:latin typeface="+mn-lt"/>
+                <a:ea typeface="+mn-ea"/>
+                <a:cs typeface="+mn-cs"/>
+              </a:defRPr>
+            </a:lvl7pPr>
+            <a:lvl8pPr marL="3429000" indent="-228600" algn="l" defTabSz="914400" rtl="0" eaLnBrk="1" latinLnBrk="1" hangingPunct="1">
+              <a:lnSpc>
+                <a:spcPct val="90000"/>
+              </a:lnSpc>
+              <a:spcBef>
+                <a:spcPct val="30000"/>
+              </a:spcBef>
+              <a:buFont typeface="Arial" panose="020B0604020202020204" pitchFamily="34" charset="0"/>
+              <a:buChar char="•"/>
+              <a:defRPr sz="1800" kern="1200">
+                <a:solidFill>
+                  <a:schemeClr val="tx1"/>
+                </a:solidFill>
+                <a:latin typeface="+mn-lt"/>
+                <a:ea typeface="+mn-ea"/>
+                <a:cs typeface="+mn-cs"/>
+              </a:defRPr>
+            </a:lvl8pPr>
+            <a:lvl9pPr marL="3886200" indent="-228600" algn="l" defTabSz="914400" rtl="0" eaLnBrk="1" latinLnBrk="1" hangingPunct="1">
+              <a:lnSpc>
+                <a:spcPct val="90000"/>
+              </a:lnSpc>
+              <a:spcBef>
+                <a:spcPct val="30000"/>
+              </a:spcBef>
+              <a:buFont typeface="Arial" panose="020B0604020202020204" pitchFamily="34" charset="0"/>
+              <a:buChar char="•"/>
+              <a:defRPr sz="1800" kern="1200">
+                <a:solidFill>
+                  <a:schemeClr val="tx1"/>
+                </a:solidFill>
+                <a:latin typeface="+mn-lt"/>
+                <a:ea typeface="+mn-ea"/>
+                <a:cs typeface="+mn-cs"/>
+              </a:defRPr>
+            </a:lvl9pPr>
+          </a:lstStyle>
+          <a:p>
+            <a:r>
+              <a:rPr lang="ko-KR" altLang="en-US" b="1" dirty="0" smtClean="0"/>
+              <a:t> </a:t>
+            </a:r>
+            <a:r>
+              <a:rPr lang="en-US" altLang="ko-KR" b="1" dirty="0" smtClean="0"/>
+              <a:t>+ </a:t>
+            </a:r>
+            <a:r>
+              <a:rPr lang="ko-KR" altLang="en-US" b="1" dirty="0" err="1" smtClean="0"/>
+              <a:t>애뮬레이터</a:t>
+            </a:r>
+            <a:r>
+              <a:rPr lang="ko-KR" altLang="en-US" b="1" dirty="0" smtClean="0"/>
+              <a:t> </a:t>
+            </a:r>
+            <a:r>
+              <a:rPr lang="ko-KR" altLang="en-US" b="1" dirty="0"/>
+              <a:t>실행 </a:t>
+            </a:r>
+            <a:r>
+              <a:rPr lang="ko-KR" altLang="en-US" b="1" dirty="0" smtClean="0"/>
+              <a:t>방법</a:t>
+            </a:r>
+            <a:r>
+              <a:rPr lang="en-US" altLang="ko-KR" b="1" dirty="0" smtClean="0"/>
+              <a:t>(3</a:t>
+            </a:r>
+            <a:r>
+              <a:rPr lang="ko-KR" altLang="en-US" b="1" dirty="0" smtClean="0"/>
+              <a:t>가지</a:t>
+            </a:r>
+            <a:r>
+              <a:rPr lang="en-US" altLang="ko-KR" b="1" dirty="0" smtClean="0"/>
+              <a:t>)</a:t>
+            </a:r>
+            <a:endParaRPr lang="ko-KR" altLang="en-US" b="1" dirty="0"/>
+          </a:p>
+          <a:p>
+            <a:r>
+              <a:rPr lang="en-US" altLang="ko-KR" dirty="0" smtClean="0"/>
+              <a:t>1 </a:t>
+            </a:r>
+            <a:r>
+              <a:rPr lang="ko-KR" altLang="en-US" dirty="0" smtClean="0"/>
+              <a:t>번째 방법</a:t>
+            </a:r>
+            <a:r>
+              <a:rPr lang="en-US" altLang="ko-KR" dirty="0" smtClean="0"/>
+              <a:t>. Device </a:t>
+            </a:r>
+            <a:r>
+              <a:rPr lang="en-US" altLang="ko-KR" dirty="0"/>
+              <a:t>Manager</a:t>
+            </a:r>
+            <a:r>
+              <a:rPr lang="ko-KR" altLang="en-US" dirty="0"/>
+              <a:t>에서 </a:t>
+            </a:r>
+            <a:r>
+              <a:rPr lang="en-US" altLang="ko-KR" dirty="0"/>
+              <a:t>"▶"</a:t>
+            </a:r>
+            <a:r>
+              <a:rPr lang="ko-KR" altLang="en-US" dirty="0"/>
+              <a:t>실행 버튼 클릭</a:t>
+            </a:r>
+          </a:p>
+          <a:p>
+            <a:r>
+              <a:rPr lang="en-US" altLang="ko-KR" dirty="0" smtClean="0"/>
+              <a:t>2</a:t>
+            </a:r>
+            <a:r>
+              <a:rPr lang="ko-KR" altLang="en-US" dirty="0"/>
+              <a:t> 번째 방법</a:t>
+            </a:r>
+            <a:r>
+              <a:rPr lang="en-US" altLang="ko-KR" dirty="0" smtClean="0"/>
+              <a:t>. </a:t>
+            </a:r>
+            <a:r>
+              <a:rPr lang="en-US" altLang="ko-KR" dirty="0" err="1"/>
+              <a:t>cmd</a:t>
+            </a:r>
+            <a:r>
+              <a:rPr lang="en-US" altLang="ko-KR" dirty="0"/>
+              <a:t> </a:t>
+            </a:r>
+            <a:r>
+              <a:rPr lang="ko-KR" altLang="en-US" dirty="0"/>
+              <a:t>창에서 아래의 명령어 입력 후 </a:t>
+            </a:r>
+            <a:r>
+              <a:rPr lang="ko-KR" altLang="en-US" dirty="0" smtClean="0"/>
+              <a:t>실행</a:t>
+            </a:r>
+            <a:endParaRPr lang="en-US" altLang="ko-KR" dirty="0" smtClean="0"/>
+          </a:p>
+          <a:p>
+            <a:r>
+              <a:rPr lang="en-US" altLang="ko-KR" b="1" dirty="0">
+                <a:solidFill>
+                  <a:srgbClr val="FF0000"/>
+                </a:solidFill>
+              </a:rPr>
+              <a:t>e</a:t>
+            </a:r>
+            <a:r>
+              <a:rPr lang="en-US" altLang="ko-KR" b="1" dirty="0" smtClean="0">
+                <a:solidFill>
+                  <a:srgbClr val="FF0000"/>
+                </a:solidFill>
+              </a:rPr>
+              <a:t>cho %ANDROID_HOME%	      </a:t>
+            </a:r>
+            <a:r>
+              <a:rPr lang="en-US" altLang="ko-KR" b="1" dirty="0" smtClean="0">
+                <a:solidFill>
+                  <a:schemeClr val="tx1">
+                    <a:lumMod val="50000"/>
+                    <a:lumOff val="50000"/>
+                  </a:schemeClr>
+                </a:solidFill>
+              </a:rPr>
+              <a:t>#SDK</a:t>
+            </a:r>
+            <a:r>
+              <a:rPr lang="ko-KR" altLang="en-US" b="1" dirty="0" smtClean="0">
+                <a:solidFill>
+                  <a:schemeClr val="tx1">
+                    <a:lumMod val="50000"/>
+                    <a:lumOff val="50000"/>
+                  </a:schemeClr>
+                </a:solidFill>
+              </a:rPr>
+              <a:t>경로 확인</a:t>
+            </a:r>
+            <a:endParaRPr lang="en-US" altLang="ko-KR" b="1" dirty="0" smtClean="0">
+              <a:solidFill>
+                <a:schemeClr val="tx1">
+                  <a:lumMod val="50000"/>
+                  <a:lumOff val="50000"/>
+                </a:schemeClr>
+              </a:solidFill>
+            </a:endParaRPr>
+          </a:p>
+          <a:p>
+            <a:r>
+              <a:rPr lang="en-US" altLang="ko-KR" b="1" dirty="0" smtClean="0">
+                <a:solidFill>
+                  <a:srgbClr val="FF0000"/>
+                </a:solidFill>
+              </a:rPr>
+              <a:t>cd [SDK</a:t>
+            </a:r>
+            <a:r>
+              <a:rPr lang="ko-KR" altLang="en-US" b="1" dirty="0" smtClean="0">
+                <a:solidFill>
+                  <a:srgbClr val="FF0000"/>
+                </a:solidFill>
+              </a:rPr>
+              <a:t>경로</a:t>
+            </a:r>
+            <a:r>
+              <a:rPr lang="en-US" altLang="ko-KR" b="1" dirty="0" smtClean="0">
+                <a:solidFill>
+                  <a:srgbClr val="FF0000"/>
+                </a:solidFill>
+              </a:rPr>
+              <a:t>]\emulator	      </a:t>
+            </a:r>
+            <a:r>
+              <a:rPr lang="en-US" altLang="ko-KR" b="1" dirty="0" smtClean="0">
+                <a:solidFill>
+                  <a:schemeClr val="tx1">
+                    <a:lumMod val="50000"/>
+                    <a:lumOff val="50000"/>
+                  </a:schemeClr>
+                </a:solidFill>
+              </a:rPr>
+              <a:t>#SDK</a:t>
+            </a:r>
+            <a:r>
+              <a:rPr lang="ko-KR" altLang="en-US" b="1" dirty="0" smtClean="0">
+                <a:solidFill>
+                  <a:schemeClr val="tx1">
+                    <a:lumMod val="50000"/>
+                    <a:lumOff val="50000"/>
+                  </a:schemeClr>
+                </a:solidFill>
+              </a:rPr>
+              <a:t>경로 하위 </a:t>
+            </a:r>
+            <a:r>
+              <a:rPr lang="en-US" altLang="ko-KR" b="1" dirty="0" smtClean="0">
+                <a:solidFill>
+                  <a:schemeClr val="tx1">
+                    <a:lumMod val="50000"/>
+                    <a:lumOff val="50000"/>
+                  </a:schemeClr>
+                </a:solidFill>
+              </a:rPr>
+              <a:t>emulator</a:t>
+            </a:r>
+            <a:r>
+              <a:rPr lang="ko-KR" altLang="en-US" b="1" dirty="0" smtClean="0">
+                <a:solidFill>
+                  <a:schemeClr val="tx1">
+                    <a:lumMod val="50000"/>
+                    <a:lumOff val="50000"/>
+                  </a:schemeClr>
+                </a:solidFill>
+              </a:rPr>
+              <a:t>폴더에 진입</a:t>
+            </a:r>
+            <a:endParaRPr lang="en-US" altLang="ko-KR" b="1" dirty="0">
+              <a:solidFill>
+                <a:schemeClr val="tx1">
+                  <a:lumMod val="50000"/>
+                  <a:lumOff val="50000"/>
+                </a:schemeClr>
+              </a:solidFill>
+            </a:endParaRPr>
+          </a:p>
+          <a:p>
+            <a:r>
+              <a:rPr lang="en-US" altLang="ko-KR" b="1" dirty="0" smtClean="0">
+                <a:solidFill>
+                  <a:srgbClr val="FF0000"/>
+                </a:solidFill>
+              </a:rPr>
+              <a:t>emulator </a:t>
+            </a:r>
+            <a:r>
+              <a:rPr lang="en-US" altLang="ko-KR" b="1" dirty="0">
+                <a:solidFill>
+                  <a:srgbClr val="FF0000"/>
+                </a:solidFill>
+              </a:rPr>
+              <a:t>-</a:t>
+            </a:r>
+            <a:r>
+              <a:rPr lang="en-US" altLang="ko-KR" b="1" dirty="0" err="1">
+                <a:solidFill>
+                  <a:srgbClr val="FF0000"/>
+                </a:solidFill>
+              </a:rPr>
+              <a:t>avd</a:t>
+            </a:r>
+            <a:r>
+              <a:rPr lang="en-US" altLang="ko-KR" b="1" dirty="0">
+                <a:solidFill>
+                  <a:srgbClr val="FF0000"/>
+                </a:solidFill>
+              </a:rPr>
+              <a:t> </a:t>
+            </a:r>
+            <a:r>
+              <a:rPr lang="en-US" altLang="ko-KR" b="1" dirty="0" err="1" smtClean="0">
+                <a:solidFill>
+                  <a:srgbClr val="FF0000"/>
+                </a:solidFill>
+              </a:rPr>
+              <a:t>Test_Emulator</a:t>
+            </a:r>
+            <a:r>
+              <a:rPr lang="en-US" altLang="ko-KR" b="1" dirty="0" smtClean="0">
+                <a:solidFill>
+                  <a:srgbClr val="FF0000"/>
+                </a:solidFill>
+              </a:rPr>
+              <a:t>        </a:t>
+            </a:r>
+            <a:r>
+              <a:rPr lang="en-US" altLang="ko-KR" b="1" dirty="0" smtClean="0">
+                <a:solidFill>
+                  <a:schemeClr val="tx1">
+                    <a:lumMod val="50000"/>
+                    <a:lumOff val="50000"/>
+                  </a:schemeClr>
+                </a:solidFill>
+              </a:rPr>
+              <a:t>#emulator</a:t>
+            </a:r>
+            <a:r>
+              <a:rPr lang="ko-KR" altLang="en-US" b="1" dirty="0" smtClean="0">
+                <a:solidFill>
+                  <a:schemeClr val="tx1">
+                    <a:lumMod val="50000"/>
+                    <a:lumOff val="50000"/>
+                  </a:schemeClr>
+                </a:solidFill>
+              </a:rPr>
+              <a:t>실행</a:t>
+            </a:r>
+            <a:endParaRPr lang="en-US" altLang="ko-KR" b="1" dirty="0" smtClean="0">
+              <a:solidFill>
+                <a:srgbClr val="FF0000"/>
+              </a:solidFill>
+            </a:endParaRPr>
+          </a:p>
+          <a:p>
+            <a:r>
+              <a:rPr lang="en-US" altLang="ko-KR" dirty="0" smtClean="0"/>
+              <a:t>3</a:t>
+            </a:r>
+            <a:r>
+              <a:rPr lang="ko-KR" altLang="en-US" dirty="0"/>
+              <a:t> 번째 방법</a:t>
+            </a:r>
+            <a:r>
+              <a:rPr lang="en-US" altLang="ko-KR" dirty="0" smtClean="0"/>
+              <a:t>. </a:t>
+            </a:r>
+            <a:r>
+              <a:rPr lang="ko-KR" altLang="en-US" dirty="0" smtClean="0"/>
+              <a:t>바탕화면에 </a:t>
+            </a:r>
+            <a:r>
+              <a:rPr lang="ko-KR" altLang="en-US" dirty="0" err="1"/>
+              <a:t>안드로이드</a:t>
+            </a:r>
+            <a:r>
+              <a:rPr lang="ko-KR" altLang="en-US" dirty="0"/>
+              <a:t> 가상 디바이스 </a:t>
+            </a:r>
+            <a:r>
+              <a:rPr lang="ko-KR" altLang="en-US" dirty="0" err="1"/>
+              <a:t>바로가기</a:t>
+            </a:r>
+            <a:r>
+              <a:rPr lang="ko-KR" altLang="en-US" dirty="0"/>
+              <a:t> 아이콘 생성</a:t>
+            </a:r>
+          </a:p>
+          <a:p>
+            <a:r>
+              <a:rPr lang="ko-KR" altLang="en-US" dirty="0"/>
+              <a:t>메모장 </a:t>
+            </a:r>
+            <a:r>
+              <a:rPr lang="ko-KR" altLang="en-US" dirty="0" smtClean="0"/>
+              <a:t>오픈 </a:t>
+            </a:r>
+            <a:r>
+              <a:rPr lang="en-US" altLang="ko-KR" dirty="0" smtClean="0"/>
+              <a:t>&gt; </a:t>
+            </a:r>
+            <a:r>
+              <a:rPr lang="ko-KR" altLang="en-US" dirty="0" smtClean="0"/>
+              <a:t>메모장에 </a:t>
+            </a:r>
+            <a:r>
+              <a:rPr lang="ko-KR" altLang="en-US" dirty="0" smtClean="0">
+                <a:solidFill>
+                  <a:srgbClr val="FF0000"/>
+                </a:solidFill>
+              </a:rPr>
+              <a:t>위 명령어</a:t>
+            </a:r>
+            <a:r>
+              <a:rPr lang="ko-KR" altLang="en-US" dirty="0" smtClean="0"/>
+              <a:t>를 동일하게 입력 </a:t>
+            </a:r>
+            <a:r>
+              <a:rPr lang="en-US" altLang="ko-KR" dirty="0" smtClean="0"/>
+              <a:t>&gt;</a:t>
+            </a:r>
+            <a:endParaRPr lang="en-US" altLang="ko-KR" dirty="0"/>
+          </a:p>
+          <a:p>
+            <a:r>
+              <a:rPr lang="en-US" altLang="ko-KR" dirty="0" smtClean="0"/>
+              <a:t>Start </a:t>
+            </a:r>
+            <a:r>
+              <a:rPr lang="en-US" altLang="ko-KR" dirty="0"/>
+              <a:t>Test_Emulator.bat </a:t>
+            </a:r>
+            <a:r>
+              <a:rPr lang="ko-KR" altLang="en-US" dirty="0"/>
+              <a:t>로 파일명 입력 후 저장</a:t>
+            </a:r>
+          </a:p>
+          <a:p>
+            <a:r>
+              <a:rPr lang="en-US" altLang="ko-KR" dirty="0" smtClean="0"/>
+              <a:t>-&gt; </a:t>
+            </a:r>
+            <a:r>
+              <a:rPr lang="ko-KR" altLang="en-US" dirty="0" smtClean="0"/>
+              <a:t>바탕화면에서 </a:t>
+            </a:r>
+            <a:r>
+              <a:rPr lang="ko-KR" altLang="en-US" dirty="0"/>
+              <a:t>생성된 </a:t>
+            </a:r>
+            <a:r>
+              <a:rPr lang="en-US" altLang="ko-KR" dirty="0"/>
+              <a:t>.bat</a:t>
+            </a:r>
+            <a:r>
+              <a:rPr lang="ko-KR" altLang="en-US" dirty="0"/>
+              <a:t>파일 클릭 시 </a:t>
+            </a:r>
+            <a:r>
+              <a:rPr lang="ko-KR" altLang="en-US" dirty="0" err="1"/>
+              <a:t>애뮬레이터</a:t>
+            </a:r>
+            <a:r>
+              <a:rPr lang="ko-KR" altLang="en-US" dirty="0"/>
+              <a:t> 실행</a:t>
+            </a:r>
+          </a:p>
+          <a:p>
+            <a:endParaRPr lang="ko-KR" altLang="en-US" b="1" dirty="0">
+              <a:solidFill>
+                <a:srgbClr val="FF0000"/>
+              </a:solidFill>
+            </a:endParaRPr>
+          </a:p>
+        </p:txBody>
+      </p:sp>
+    </p:spTree>
+    <p:extLst>
+      <p:ext uri="{BB962C8B-B14F-4D97-AF65-F5344CB8AC3E}">
+        <p14:creationId xmlns:p14="http://schemas.microsoft.com/office/powerpoint/2010/main" val="1654200286"/>
+      </p:ext>
+    </p:extLst>
+  </p:cSld>
+  <p:clrMapOvr>
+    <a:masterClrMapping/>
+  </p:clrMapOvr>
+  <p:timing>
+    <p:tnLst>
+      <p:par>
+        <p:cTn id="1" dur="indefinite" restart="never" nodeType="tmRoot"/>
+      </p:par>
+    </p:tnLst>
+  </p:timing>
+</p:sld>
+</file>
+
+<file path=ppt/slides/slide13.xml><?xml version="1.0" encoding="utf-8"?>
+<p:sld xmlns:a="http://schemas.openxmlformats.org/drawingml/2006/main" xmlns:r="http://schemas.openxmlformats.org/officeDocument/2006/relationships" xmlns:p="http://schemas.openxmlformats.org/presentationml/2006/main">
+  <p:cSld>
+    <p:spTree>
+      <p:nvGrpSpPr>
+        <p:cNvPr id="1" name=""/>
+        <p:cNvGrpSpPr/>
+        <p:nvPr/>
+      </p:nvGrpSpPr>
+      <p:grpSpPr>
+        <a:xfrm>
+          <a:off x="0" y="0"/>
+          <a:ext cx="0" cy="0"/>
+          <a:chOff x="0" y="0"/>
+          <a:chExt cx="0" cy="0"/>
+        </a:xfrm>
+      </p:grpSpPr>
+      <p:sp>
+        <p:nvSpPr>
+          <p:cNvPr id="2" name="제목 1"/>
+          <p:cNvSpPr>
+            <a:spLocks noGrp="1"/>
+          </p:cNvSpPr>
+          <p:nvPr>
+            <p:ph type="title"/>
+          </p:nvPr>
+        </p:nvSpPr>
+        <p:spPr/>
+        <p:txBody>
+          <a:bodyPr rtlCol="0"/>
+          <a:lstStyle/>
+          <a:p>
+            <a:r>
               <a:rPr lang="en-US" altLang="ko-KR" noProof="1"/>
               <a:t>Katalon </a:t>
             </a:r>
@@ -7354,7 +9827,7 @@
         </p:spPr>
         <p:txBody>
           <a:bodyPr rtlCol="0">
-            <a:normAutofit fontScale="62500" lnSpcReduction="20000"/>
+            <a:normAutofit fontScale="70000" lnSpcReduction="20000"/>
           </a:bodyPr>
           <a:lstStyle/>
           <a:p>
@@ -7450,9 +9923,6 @@
               <a:t>를 설치 필요</a:t>
             </a:r>
             <a:endParaRPr lang="en-US" altLang="ko-KR" sz="2000" dirty="0"/>
-          </a:p>
-          <a:p>
-            <a:endParaRPr lang="en-US" altLang="ko-KR" sz="2000" dirty="0" smtClean="0"/>
           </a:p>
           <a:p>
             <a:r>
@@ -7725,7 +10195,7 @@
         </p:spPr>
         <p:txBody>
           <a:bodyPr rtlCol="0">
-            <a:normAutofit fontScale="85000" lnSpcReduction="20000"/>
+            <a:normAutofit fontScale="92500" lnSpcReduction="20000"/>
           </a:bodyPr>
           <a:lstStyle/>
           <a:p>
@@ -7903,7 +10373,7 @@
               <a:rPr lang="ko-KR" altLang="en-US" noProof="1" smtClean="0">
                 <a:ea typeface="맑은 고딕" panose="020B0503020000020004" pitchFamily="50" charset="-127"/>
               </a:rPr>
-              <a:t>창에서 확인</a:t>
+              <a:t>창에서 버전 확인</a:t>
             </a:r>
             <a:endParaRPr lang="en-US" altLang="ko-KR" noProof="1" smtClean="0">
               <a:ea typeface="맑은 고딕" panose="020B0503020000020004" pitchFamily="50" charset="-127"/>
@@ -7927,7 +10397,7 @@
                 </a:solidFill>
                 <a:ea typeface="맑은 고딕" panose="020B0503020000020004" pitchFamily="50" charset="-127"/>
               </a:rPr>
-              <a:t>node –version</a:t>
+              <a:t>node --version </a:t>
             </a:r>
           </a:p>
           <a:p>
@@ -7947,15 +10417,6 @@
               </a:rPr>
               <a:t>npm --version</a:t>
             </a:r>
-            <a:endParaRPr lang="ko-KR" altLang="en-US" b="1" noProof="1">
-              <a:solidFill>
-                <a:srgbClr val="FF0000"/>
-              </a:solidFill>
-              <a:ea typeface="맑은 고딕" panose="020B0503020000020004" pitchFamily="50" charset="-127"/>
-            </a:endParaRPr>
-          </a:p>
-          <a:p>
-            <a:pPr rtl="0"/>
             <a:endParaRPr lang="ko-KR" altLang="en-US" noProof="1">
               <a:ea typeface="맑은 고딕" panose="020B0503020000020004" pitchFamily="50" charset="-127"/>
             </a:endParaRPr>
@@ -8045,13 +10506,13 @@
         </p:nvSpPr>
         <p:spPr>
           <a:xfrm>
-            <a:off x="535459" y="1754659"/>
-            <a:ext cx="4613688" cy="5103341"/>
+            <a:off x="535458" y="1754659"/>
+            <a:ext cx="5140411" cy="5103341"/>
           </a:xfrm>
         </p:spPr>
         <p:txBody>
           <a:bodyPr rtlCol="0">
-            <a:normAutofit fontScale="92500"/>
+            <a:normAutofit/>
           </a:bodyPr>
           <a:lstStyle/>
           <a:p>
@@ -8242,19 +10703,31 @@
               <a:rPr lang="en-US" altLang="ko-KR" noProof="1">
                 <a:ea typeface="맑은 고딕" panose="020B0503020000020004" pitchFamily="50" charset="-127"/>
               </a:rPr>
-              <a:t>Android </a:t>
+              <a:t>SDK</a:t>
+            </a:r>
+            <a:r>
+              <a:rPr lang="ko-KR" altLang="en-US" noProof="1">
+                <a:ea typeface="맑은 고딕" panose="020B0503020000020004" pitchFamily="50" charset="-127"/>
+              </a:rPr>
+              <a:t> </a:t>
+            </a:r>
+            <a:r>
+              <a:rPr lang="en-US" altLang="ko-KR" noProof="1">
+                <a:ea typeface="맑은 고딕" panose="020B0503020000020004" pitchFamily="50" charset="-127"/>
+              </a:rPr>
+              <a:t>(Android Studio</a:t>
             </a:r>
             <a:r>
               <a:rPr lang="en-US" altLang="ko-KR" noProof="1" smtClean="0">
                 <a:ea typeface="맑은 고딕" panose="020B0503020000020004" pitchFamily="50" charset="-127"/>
               </a:rPr>
-              <a:t>Studio</a:t>
+              <a:t>)</a:t>
             </a:r>
             <a:r>
               <a:rPr lang="ko-KR" altLang="en-US" noProof="1" smtClean="0">
                 <a:ea typeface="맑은 고딕" panose="020B0503020000020004" pitchFamily="50" charset="-127"/>
               </a:rPr>
-              <a:t>설치 경로 입력</a:t>
+              <a:t>경로 입력</a:t>
             </a:r>
             <a:endParaRPr lang="en-US" altLang="ko-KR" noProof="1" smtClean="0">
               <a:ea typeface="맑은 고딕" panose="020B0503020000020004" pitchFamily="50" charset="-127"/>
@@ -8300,7 +10773,7 @@
                 </a:solidFill>
                 <a:ea typeface="맑은 고딕" panose="020B0503020000020004" pitchFamily="50" charset="-127"/>
               </a:rPr>
-              <a:t>set JAVA_HOME</a:t>
+              <a:t>echo %JAVA_HOME%</a:t>
             </a:r>
           </a:p>
           <a:p>
@@ -8311,22 +10784,36 @@
               <a:t> </a:t>
             </a:r>
             <a:r>
+              <a:rPr lang="en-US" altLang="ko-KR" b="1" noProof="1">
+                <a:solidFill>
+                  <a:srgbClr val="FF0000"/>
+                </a:solidFill>
+                <a:ea typeface="맑은 고딕" panose="020B0503020000020004" pitchFamily="50" charset="-127"/>
+              </a:rPr>
+              <a:t>echo </a:t>
+            </a:r>
+            <a:r>
               <a:rPr lang="en-US" altLang="ko-KR" b="1" noProof="1" smtClean="0">
                 <a:solidFill>
                   <a:srgbClr val="FF0000"/>
                 </a:solidFill>
                 <a:ea typeface="맑은 고딕" panose="020B0503020000020004" pitchFamily="50" charset="-127"/>
               </a:rPr>
-              <a:t>set </a:t>
-            </a:r>
-            <a:r>
-              <a:rPr lang="en-US" altLang="ko-KR" b="1" dirty="0">
+              <a:t>%</a:t>
+            </a:r>
+            <a:r>
+              <a:rPr lang="en-US" altLang="ko-KR" b="1" dirty="0" smtClean="0">
                 <a:solidFill>
                   <a:srgbClr val="FF0000"/>
                 </a:solidFill>
               </a:rPr>
-              <a:t>ANDROID_HOME</a:t>
-            </a:r>
+              <a:t>ANDROID_HOME%</a:t>
+            </a:r>
+            <a:endParaRPr lang="en-US" altLang="ko-KR" b="1" dirty="0">
+              <a:solidFill>
+                <a:srgbClr val="FF0000"/>
+              </a:solidFill>
+            </a:endParaRPr>
           </a:p>
         </p:txBody>
       </p:sp>
@@ -8346,8 +10833,32 @@
         </p:blipFill>
         <p:spPr>
           <a:xfrm>
-            <a:off x="5808062" y="1812324"/>
-            <a:ext cx="5695531" cy="4804838"/>
+            <a:off x="6656561" y="1754659"/>
+            <a:ext cx="4275052" cy="2710005"/>
+          </a:xfrm>
+          <a:prstGeom prst="rect">
+            <a:avLst/>
+          </a:prstGeom>
+        </p:spPr>
+      </p:pic>
+      <p:pic>
+        <p:nvPicPr>
+          <p:cNvPr id="6" name="그림 5"/>
+          <p:cNvPicPr>
+            <a:picLocks noChangeAspect="1"/>
+          </p:cNvPicPr>
+          <p:nvPr/>
+        </p:nvPicPr>
+        <p:blipFill>
+          <a:blip r:embed="rId4"/>
+          <a:stretch>
+            <a:fillRect/>
+          </a:stretch>
+        </p:blipFill>
+        <p:spPr>
+          <a:xfrm>
+            <a:off x="6656561" y="4306329"/>
+            <a:ext cx="4275052" cy="2419350"/>
           </a:xfrm>
           <a:prstGeom prst="rect">
             <a:avLst/>
@@ -8406,331 +10917,12 @@
           <a:bodyPr rtlCol="0"/>
           <a:lstStyle/>
           <a:p>
+            <a:pPr rtl="0"/>
             <a:r>
               <a:rPr lang="en-US" altLang="ko-KR" noProof="1" smtClean="0">
                 <a:ea typeface="맑은 고딕" panose="020B0503020000020004" pitchFamily="50" charset="-127"/>
               </a:rPr>
               <a:t>4. Appium </a:t>
-            </a:r>
-            <a:r>
-              <a:rPr lang="ko-KR" altLang="en-US" noProof="1">
-                <a:ea typeface="맑은 고딕" panose="020B0503020000020004" pitchFamily="50" charset="-127"/>
-              </a:rPr>
-              <a:t>설치</a:t>
-            </a:r>
-          </a:p>
-        </p:txBody>
-      </p:sp>
-      <p:sp>
-        <p:nvSpPr>
-          <p:cNvPr id="3" name="내용 개체 틀 2"/>
-          <p:cNvSpPr>
-            <a:spLocks noGrp="1"/>
-          </p:cNvSpPr>
-          <p:nvPr>
-            <p:ph idx="1"/>
-          </p:nvPr>
-        </p:nvSpPr>
-        <p:spPr>
-          <a:xfrm>
-            <a:off x="362606" y="1862136"/>
-            <a:ext cx="6569129" cy="4995863"/>
-          </a:xfrm>
-        </p:spPr>
-        <p:txBody>
-          <a:bodyPr rtlCol="0">
-            <a:normAutofit/>
-          </a:bodyPr>
-          <a:lstStyle/>
-          <a:p>
-            <a:r>
-              <a:rPr lang="en-US" altLang="ko-KR" dirty="0" err="1"/>
-              <a:t>Appium</a:t>
-            </a:r>
-            <a:r>
-              <a:rPr lang="ko-KR" altLang="en-US" dirty="0"/>
-              <a:t>은 </a:t>
-            </a:r>
-            <a:r>
-              <a:rPr lang="en-US" altLang="ko-KR" dirty="0"/>
-              <a:t>Android </a:t>
-            </a:r>
-            <a:r>
-              <a:rPr lang="ko-KR" altLang="en-US" dirty="0"/>
-              <a:t>에뮬레이터로 명령을 보내기 위한 </a:t>
-            </a:r>
-            <a:r>
-              <a:rPr lang="ko-KR" altLang="en-US" dirty="0" smtClean="0"/>
-              <a:t>도구</a:t>
-            </a:r>
-            <a:endParaRPr lang="en-US" altLang="ko-KR" dirty="0" smtClean="0"/>
-          </a:p>
-          <a:p>
-            <a:r>
-              <a:rPr lang="ko-KR" altLang="en-US" dirty="0"/>
-              <a:t/>
-            </a:r>
-            <a:br>
-              <a:rPr lang="ko-KR" altLang="en-US" dirty="0"/>
-            </a:br>
-            <a:r>
-              <a:rPr lang="ko-KR" altLang="en-US" dirty="0"/>
-              <a:t>명령 </a:t>
-            </a:r>
-            <a:r>
-              <a:rPr lang="ko-KR" altLang="en-US" dirty="0" smtClean="0"/>
-              <a:t>→</a:t>
-            </a:r>
-            <a:r>
-              <a:rPr lang="en-US" altLang="ko-KR" dirty="0" smtClean="0"/>
-              <a:t> </a:t>
-            </a:r>
-            <a:r>
-              <a:rPr lang="en-US" altLang="ko-KR" dirty="0" err="1"/>
-              <a:t>Appium</a:t>
-            </a:r>
-            <a:r>
-              <a:rPr lang="en-US" altLang="ko-KR" dirty="0"/>
-              <a:t> </a:t>
-            </a:r>
-            <a:r>
-              <a:rPr lang="ko-KR" altLang="en-US" dirty="0"/>
-              <a:t>→</a:t>
-            </a:r>
-            <a:r>
-              <a:rPr lang="en-US" altLang="ko-KR" dirty="0" smtClean="0"/>
-              <a:t> </a:t>
-            </a:r>
-            <a:r>
-              <a:rPr lang="en-US" altLang="ko-KR" dirty="0"/>
-              <a:t>Android </a:t>
-            </a:r>
-            <a:r>
-              <a:rPr lang="ko-KR" altLang="en-US" dirty="0" smtClean="0"/>
-              <a:t>에뮬레이터</a:t>
-            </a:r>
-            <a:endParaRPr lang="en-US" altLang="ko-KR" dirty="0" smtClean="0"/>
-          </a:p>
-          <a:p>
-            <a:r>
-              <a:rPr lang="ko-KR" altLang="en-US" dirty="0" smtClean="0"/>
-              <a:t>그 </a:t>
-            </a:r>
-            <a:r>
-              <a:rPr lang="ko-KR" altLang="en-US" dirty="0"/>
-              <a:t>중 </a:t>
-            </a:r>
-            <a:r>
-              <a:rPr lang="en-US" altLang="ko-KR" dirty="0" err="1"/>
-              <a:t>Appium</a:t>
-            </a:r>
-            <a:r>
-              <a:rPr lang="en-US" altLang="ko-KR" dirty="0"/>
-              <a:t> </a:t>
-            </a:r>
-            <a:r>
-              <a:rPr lang="ko-KR" altLang="en-US" dirty="0"/>
-              <a:t>서버를 실행하기 위해서 </a:t>
-            </a:r>
-            <a:r>
-              <a:rPr lang="en-US" altLang="ko-KR" dirty="0" err="1"/>
-              <a:t>NodeJS</a:t>
-            </a:r>
-            <a:r>
-              <a:rPr lang="en-US" altLang="ko-KR" dirty="0"/>
-              <a:t>, Java Development Kit, Android SDK </a:t>
-            </a:r>
-            <a:r>
-              <a:rPr lang="ko-KR" altLang="en-US" dirty="0"/>
-              <a:t>도구들이 필요</a:t>
-            </a:r>
-            <a:r>
-              <a:rPr lang="en-US" altLang="ko-KR" dirty="0"/>
-              <a:t>.</a:t>
-            </a:r>
-          </a:p>
-          <a:p>
-            <a:r>
-              <a:rPr lang="ko-KR" altLang="en-US" dirty="0"/>
-              <a:t>설치 파일 </a:t>
-            </a:r>
-            <a:r>
-              <a:rPr lang="ko-KR" altLang="en-US" dirty="0" smtClean="0"/>
-              <a:t>실행</a:t>
-            </a:r>
-            <a:r>
-              <a:rPr lang="en-US" altLang="ko-KR" dirty="0" smtClean="0"/>
-              <a:t>(4-1 </a:t>
-            </a:r>
-            <a:r>
-              <a:rPr lang="ko-KR" altLang="en-US" dirty="0" smtClean="0"/>
-              <a:t>진행 후</a:t>
-            </a:r>
-            <a:r>
-              <a:rPr lang="en-US" altLang="ko-KR" dirty="0" smtClean="0"/>
-              <a:t>)</a:t>
-            </a:r>
-            <a:r>
-              <a:rPr lang="ko-KR" altLang="en-US" dirty="0" smtClean="0"/>
-              <a:t> </a:t>
-            </a:r>
-            <a:r>
-              <a:rPr lang="en-US" altLang="ko-KR" dirty="0"/>
-              <a:t>&gt; </a:t>
-            </a:r>
-            <a:r>
-              <a:rPr lang="en-US" altLang="ko-KR" dirty="0" smtClean="0"/>
-              <a:t>Edit </a:t>
-            </a:r>
-            <a:r>
-              <a:rPr lang="en-US" altLang="ko-KR" dirty="0"/>
-              <a:t>Configurations</a:t>
-            </a:r>
-            <a:r>
-              <a:rPr lang="ko-KR" altLang="en-US" dirty="0"/>
-              <a:t>에 처음 지정했던 환경변수들이 </a:t>
-            </a:r>
-            <a:r>
-              <a:rPr lang="ko-KR" altLang="en-US" dirty="0" err="1"/>
-              <a:t>세팅</a:t>
-            </a:r>
-            <a:r>
-              <a:rPr lang="ko-KR" altLang="en-US" dirty="0"/>
-              <a:t> 되어있는지 </a:t>
-            </a:r>
-            <a:r>
-              <a:rPr lang="ko-KR" altLang="en-US" dirty="0" smtClean="0"/>
-              <a:t>확인</a:t>
-            </a:r>
-            <a:endParaRPr lang="en-US" altLang="ko-KR" dirty="0" smtClean="0"/>
-          </a:p>
-          <a:p>
-            <a:endParaRPr lang="en-US" altLang="ko-KR" dirty="0" smtClean="0"/>
-          </a:p>
-          <a:p>
-            <a:endParaRPr lang="en-US" altLang="ko-KR" dirty="0"/>
-          </a:p>
-          <a:p>
-            <a:endParaRPr lang="ko-KR" altLang="en-US" dirty="0"/>
-          </a:p>
-          <a:p>
-            <a:pPr marL="285750" indent="-285750">
-              <a:buFontTx/>
-              <a:buChar char="-"/>
-            </a:pPr>
-            <a:endParaRPr lang="en-US" altLang="ko-KR" b="1" dirty="0">
-              <a:solidFill>
-                <a:srgbClr val="FF0000"/>
-              </a:solidFill>
-            </a:endParaRPr>
-          </a:p>
-        </p:txBody>
-      </p:sp>
-      <p:pic>
-        <p:nvPicPr>
-          <p:cNvPr id="6" name="그림 5"/>
-          <p:cNvPicPr>
-            <a:picLocks noChangeAspect="1"/>
-          </p:cNvPicPr>
-          <p:nvPr/>
-        </p:nvPicPr>
-        <p:blipFill>
-          <a:blip r:embed="rId3"/>
-          <a:stretch>
-            <a:fillRect/>
-          </a:stretch>
-        </p:blipFill>
-        <p:spPr>
-          <a:xfrm>
-            <a:off x="7119114" y="1358707"/>
-            <a:ext cx="4067175" cy="4048125"/>
-          </a:xfrm>
-          <a:prstGeom prst="rect">
-            <a:avLst/>
-          </a:prstGeom>
-        </p:spPr>
-      </p:pic>
-      <p:pic>
-        <p:nvPicPr>
-          <p:cNvPr id="7" name="그림 6"/>
-          <p:cNvPicPr>
-            <a:picLocks noChangeAspect="1"/>
-          </p:cNvPicPr>
-          <p:nvPr/>
-        </p:nvPicPr>
-        <p:blipFill rotWithShape="1">
-          <a:blip r:embed="rId4"/>
-          <a:srcRect t="6872" b="32940"/>
-          <a:stretch/>
-        </p:blipFill>
-        <p:spPr>
-          <a:xfrm>
-            <a:off x="4121529" y="5366417"/>
-            <a:ext cx="7064760" cy="1387365"/>
-          </a:xfrm>
-          <a:prstGeom prst="rect">
-            <a:avLst/>
-          </a:prstGeom>
-        </p:spPr>
-      </p:pic>
-    </p:spTree>
-    <p:extLst>
-      <p:ext uri="{BB962C8B-B14F-4D97-AF65-F5344CB8AC3E}">
-        <p14:creationId xmlns:p14="http://schemas.microsoft.com/office/powerpoint/2010/main" val="1263858068"/>
-      </p:ext>
-    </p:extLst>
-  </p:cSld>
-  <p:clrMapOvr>
-    <a:masterClrMapping/>
-  </p:clrMapOvr>
-  <p:timing>
-    <p:tnLst>
-      <p:par>
-        <p:cTn id="1" dur="indefinite" restart="never" nodeType="tmRoot"/>
-      </p:par>
-    </p:tnLst>
-  </p:timing>
-</p:sld>
-</file>
-
-<file path=ppt/slides/slide6.xml><?xml version="1.0" encoding="utf-8"?>
-<p:sld xmlns:a="http://schemas.openxmlformats.org/drawingml/2006/main" xmlns:r="http://schemas.openxmlformats.org/officeDocument/2006/relationships" xmlns:p="http://schemas.openxmlformats.org/presentationml/2006/main">
-  <p:cSld>
-    <p:spTree>
-      <p:nvGrpSpPr>
-        <p:cNvPr id="1" name=""/>
-        <p:cNvGrpSpPr/>
-        <p:nvPr/>
-      </p:nvGrpSpPr>
-      <p:grpSpPr>
-        <a:xfrm>
-          <a:off x="0" y="0"/>
-          <a:ext cx="0" cy="0"/>
-          <a:chOff x="0" y="0"/>
-          <a:chExt cx="0" cy="0"/>
-        </a:xfrm>
-      </p:grpSpPr>
-      <p:sp>
-        <p:nvSpPr>
-          <p:cNvPr id="2" name="제목 1"/>
-          <p:cNvSpPr>
-            <a:spLocks noGrp="1"/>
-          </p:cNvSpPr>
-          <p:nvPr>
-            <p:ph type="title"/>
-          </p:nvPr>
-        </p:nvSpPr>
-        <p:spPr/>
-        <p:txBody>
-          <a:bodyPr rtlCol="0"/>
-          <a:lstStyle/>
-          <a:p>
-            <a:pPr rtl="0"/>
-            <a:r>
-              <a:rPr lang="en-US" altLang="ko-KR" noProof="1" smtClean="0">
-                <a:ea typeface="맑은 고딕" panose="020B0503020000020004" pitchFamily="50" charset="-127"/>
-              </a:rPr>
-              <a:t>4-1. Appium </a:t>
             </a:r>
             <a:r>
               <a:rPr lang="ko-KR" altLang="en-US" noProof="1" smtClean="0">
@@ -8815,7 +11007,7 @@
               <a:t>① </a:t>
             </a:r>
             <a:r>
-              <a:rPr lang="en-US" altLang="ko-KR" b="1" dirty="0" err="1" smtClean="0">
+              <a:rPr lang="en-US" altLang="ko-KR" b="1" dirty="0" err="1">
                 <a:solidFill>
                   <a:srgbClr val="FF0000"/>
                 </a:solidFill>
@@ -8823,44 +11015,66 @@
               <a:t>npm</a:t>
             </a:r>
             <a:r>
+              <a:rPr lang="en-US" altLang="ko-KR" b="1" dirty="0">
+                <a:solidFill>
+                  <a:srgbClr val="FF0000"/>
+                </a:solidFill>
+              </a:rPr>
+              <a:t> install -g </a:t>
+            </a:r>
+            <a:r>
+              <a:rPr lang="en-US" altLang="ko-KR" b="1" dirty="0" err="1">
+                <a:solidFill>
+                  <a:srgbClr val="FF0000"/>
+                </a:solidFill>
+              </a:rPr>
+              <a:t>appium</a:t>
+            </a:r>
+            <a:r>
+              <a:rPr lang="en-US" altLang="ko-KR" b="1" dirty="0">
+                <a:solidFill>
+                  <a:srgbClr val="FF0000"/>
+                </a:solidFill>
+              </a:rPr>
+              <a:t>       </a:t>
+            </a:r>
+            <a:r>
               <a:rPr lang="en-US" altLang="ko-KR" b="1" dirty="0" smtClean="0">
                 <a:solidFill>
                   <a:srgbClr val="FF0000"/>
                 </a:solidFill>
               </a:rPr>
-              <a:t> </a:t>
-            </a:r>
-            <a:r>
-              <a:rPr lang="en-US" altLang="ko-KR" b="1" dirty="0" err="1">
-                <a:solidFill>
-                  <a:srgbClr val="FF0000"/>
-                </a:solidFill>
-              </a:rPr>
-              <a:t>i</a:t>
-            </a:r>
-            <a:r>
-              <a:rPr lang="en-US" altLang="ko-KR" b="1" dirty="0">
-                <a:solidFill>
-                  <a:srgbClr val="FF0000"/>
-                </a:solidFill>
-              </a:rPr>
-              <a:t> --location=global </a:t>
-            </a:r>
-            <a:r>
-              <a:rPr lang="en-US" altLang="ko-KR" b="1" dirty="0" err="1" smtClean="0">
-                <a:solidFill>
-                  <a:srgbClr val="FF0000"/>
-                </a:solidFill>
-              </a:rPr>
-              <a:t>appium</a:t>
-            </a:r>
-            <a:endParaRPr lang="en-US" altLang="ko-KR" b="1" dirty="0" smtClean="0">
-              <a:solidFill>
-                <a:srgbClr val="FF0000"/>
-              </a:solidFill>
-            </a:endParaRPr>
-          </a:p>
-          <a:p>
+              <a:t>     </a:t>
+            </a:r>
+            <a:r>
+              <a:rPr lang="en-US" altLang="ko-KR" dirty="0" smtClean="0">
+                <a:solidFill>
+                  <a:schemeClr val="bg1">
+                    <a:lumMod val="65000"/>
+                  </a:schemeClr>
+                </a:solidFill>
+              </a:rPr>
+              <a:t>#</a:t>
+            </a:r>
+            <a:r>
+              <a:rPr lang="ko-KR" altLang="en-US" dirty="0">
+                <a:solidFill>
+                  <a:schemeClr val="bg1">
+                    <a:lumMod val="65000"/>
+                  </a:schemeClr>
+                </a:solidFill>
+              </a:rPr>
+              <a:t>프로그램 설치</a:t>
+            </a:r>
+            <a:br>
+              <a:rPr lang="ko-KR" altLang="en-US" dirty="0">
+                <a:solidFill>
+                  <a:schemeClr val="bg1">
+                    <a:lumMod val="65000"/>
+                  </a:schemeClr>
+                </a:solidFill>
+              </a:rPr>
+            </a:br>
             <a:r>
               <a:rPr lang="en-US" altLang="ko-KR" dirty="0" smtClean="0"/>
               <a:t>② </a:t>
@@ -8879,11 +11093,11 @@
                   <a:srgbClr val="FF0000"/>
                 </a:solidFill>
               </a:rPr>
-              <a:t> –version</a:t>
+              <a:t> --version</a:t>
             </a:r>
             <a:r>
               <a:rPr lang="en-US" altLang="ko-KR" dirty="0" smtClean="0"/>
-              <a:t> 	 	 </a:t>
+              <a:t> 	 	  </a:t>
             </a:r>
             <a:r>
               <a:rPr lang="en-US" altLang="ko-KR" dirty="0" smtClean="0">
@@ -8940,31 +11154,23 @@
                   <a:srgbClr val="FF0000"/>
                 </a:solidFill>
               </a:rPr>
-              <a:t>install -g </a:t>
-            </a:r>
-            <a:r>
-              <a:rPr lang="en-US" altLang="ko-KR" b="1" dirty="0" err="1">
+              <a:t>install </a:t>
+            </a:r>
+            <a:r>
+              <a:rPr lang="en-US" altLang="ko-KR" b="1" dirty="0" err="1" smtClean="0">
                 <a:solidFill>
                   <a:srgbClr val="FF0000"/>
                 </a:solidFill>
               </a:rPr>
-              <a:t>appium</a:t>
-            </a:r>
-            <a:r>
-              <a:rPr lang="en-US" altLang="ko-KR" b="1" dirty="0">
+              <a:t>wd</a:t>
+            </a:r>
+            <a:r>
+              <a:rPr lang="en-US" altLang="ko-KR" b="1" dirty="0" smtClean="0">
                 <a:solidFill>
                   <a:srgbClr val="FF0000"/>
                 </a:solidFill>
               </a:rPr>
-              <a:t> </a:t>
-            </a:r>
-            <a:r>
-              <a:rPr lang="en-US" altLang="ko-KR" b="1" dirty="0" smtClean="0">
-                <a:solidFill>
-                  <a:srgbClr val="FF0000"/>
-                </a:solidFill>
-              </a:rPr>
-              <a:t>      </a:t>
+              <a:t>		     </a:t>
             </a:r>
             <a:r>
               <a:rPr lang="en-US" altLang="ko-KR" dirty="0" smtClean="0">
@@ -8977,59 +11183,24 @@
               <a:t>#</a:t>
             </a:r>
             <a:r>
-              <a:rPr lang="ko-KR" altLang="en-US" dirty="0">
+              <a:rPr lang="ko-KR" altLang="en-US" dirty="0" err="1" smtClean="0">
                 <a:solidFill>
                   <a:schemeClr val="bg1">
                     <a:lumMod val="65000"/>
                   </a:schemeClr>
                 </a:solidFill>
               </a:rPr>
-              <a:t>프로그램 설치</a:t>
-            </a:r>
-            <a:br>
-              <a:rPr lang="ko-KR" altLang="en-US" dirty="0">
+              <a:t>웹드라이버</a:t>
+            </a:r>
+            <a:r>
+              <a:rPr lang="ko-KR" altLang="en-US" dirty="0" smtClean="0">
                 <a:solidFill>
                   <a:schemeClr val="bg1">
                     <a:lumMod val="65000"/>
                   </a:schemeClr>
                 </a:solidFill>
               </a:rPr>
-            </a:br>
-            <a:r>
-              <a:rPr lang="en-US" altLang="ko-KR" dirty="0" smtClean="0"/>
-              <a:t>④ </a:t>
-            </a:r>
-            <a:r>
-              <a:rPr lang="en-US" altLang="ko-KR" b="1" dirty="0" err="1" smtClean="0">
-                <a:solidFill>
-                  <a:srgbClr val="FF0000"/>
-                </a:solidFill>
-              </a:rPr>
-              <a:t>npm</a:t>
-            </a:r>
-            <a:r>
-              <a:rPr lang="en-US" altLang="ko-KR" b="1" dirty="0" smtClean="0">
-                <a:solidFill>
-                  <a:srgbClr val="FF0000"/>
-                </a:solidFill>
-              </a:rPr>
-              <a:t> </a:t>
-            </a:r>
-            <a:r>
-              <a:rPr lang="en-US" altLang="ko-KR" b="1" dirty="0">
-                <a:solidFill>
-                  <a:srgbClr val="FF0000"/>
-                </a:solidFill>
-              </a:rPr>
-              <a:t>install </a:t>
-            </a:r>
-            <a:r>
-              <a:rPr lang="en-US" altLang="ko-KR" b="1" dirty="0" err="1" smtClean="0">
-                <a:solidFill>
-                  <a:srgbClr val="FF0000"/>
-                </a:solidFill>
-              </a:rPr>
-              <a:t>wd</a:t>
+              <a:t> 설치</a:t>
             </a:r>
             <a:endParaRPr lang="en-US" altLang="ko-KR" b="1" dirty="0" smtClean="0">
               <a:solidFill>
@@ -9126,8 +11297,8 @@
         </p:nvSpPr>
         <p:spPr>
           <a:xfrm>
-            <a:off x="6852743" y="2864009"/>
-            <a:ext cx="4926726" cy="4356598"/>
+            <a:off x="6720938" y="1383955"/>
+            <a:ext cx="4926726" cy="5474045"/>
           </a:xfrm>
           <a:prstGeom prst="rect">
             <a:avLst/>
@@ -9135,7 +11306,7 @@
         </p:spPr>
         <p:txBody>
           <a:bodyPr vert="horz" lIns="91440" tIns="45720" rIns="91440" bIns="45720" rtlCol="0">
-            <a:normAutofit/>
+            <a:normAutofit fontScale="92500"/>
           </a:bodyPr>
           <a:lstStyle>
             <a:lvl1pPr marL="0" indent="0" algn="l" defTabSz="914400" rtl="0" eaLnBrk="1" latinLnBrk="1" hangingPunct="1">
@@ -9329,7 +11500,7 @@
           <a:p>
             <a:r>
               <a:rPr lang="en-US" altLang="ko-KR" dirty="0" smtClean="0"/>
-              <a:t>⑤ </a:t>
+              <a:t>④ </a:t>
             </a:r>
             <a:r>
               <a:rPr lang="en-US" altLang="ko-KR" b="1" dirty="0" err="1" smtClean="0">
@@ -9420,8 +11591,15 @@
             </a:r>
             <a:r>
               <a:rPr lang="ko-KR" altLang="en-US" dirty="0"/>
-              <a:t>예전에 설치한 적이 있다는 뜻</a:t>
-            </a:r>
+              <a:t>예전에 설치한 적이 있다는 </a:t>
+            </a:r>
+            <a:r>
+              <a:rPr lang="ko-KR" altLang="en-US" dirty="0" smtClean="0"/>
+              <a:t>뜻</a:t>
+            </a:r>
+            <a:endParaRPr lang="en-US" altLang="ko-KR" dirty="0" smtClean="0"/>
+          </a:p>
+          <a:p>
             <a:endParaRPr lang="en-US" altLang="ko-KR" b="1" dirty="0" smtClean="0">
               <a:solidFill>
                 <a:srgbClr val="FF0000"/>
@@ -9429,6 +11607,20 @@
             </a:endParaRPr>
           </a:p>
           <a:p>
+            <a:endParaRPr lang="en-US" altLang="ko-KR" b="1" dirty="0">
+              <a:solidFill>
+                <a:srgbClr val="FF0000"/>
+              </a:solidFill>
+            </a:endParaRPr>
+          </a:p>
+          <a:p>
+            <a:endParaRPr lang="en-US" altLang="ko-KR" b="1" dirty="0">
+              <a:solidFill>
+                <a:srgbClr val="FF0000"/>
+              </a:solidFill>
+            </a:endParaRPr>
+          </a:p>
+          <a:p>
             <a:r>
               <a:rPr lang="en-US" altLang="ko-KR" dirty="0" smtClean="0"/>
               <a:t># </a:t>
@@ -9468,7 +11660,7 @@
           <a:p>
             <a:r>
               <a:rPr lang="en-US" altLang="ko-KR" dirty="0" smtClean="0"/>
-              <a:t>⑥ </a:t>
+              <a:t>⑤ </a:t>
             </a:r>
             <a:r>
               <a:rPr lang="en-US" altLang="ko-KR" b="1" dirty="0" err="1" smtClean="0">
@@ -9477,6 +11669,58 @@
                 </a:solidFill>
               </a:rPr>
               <a:t>appium</a:t>
+            </a:r>
+            <a:r>
+              <a:rPr lang="en-US" altLang="ko-KR" b="1" dirty="0" smtClean="0">
+                <a:solidFill>
+                  <a:srgbClr val="FF0000"/>
+                </a:solidFill>
+              </a:rPr>
+              <a:t> 		</a:t>
+            </a:r>
+            <a:r>
+              <a:rPr lang="en-US" altLang="ko-KR" b="1" dirty="0">
+                <a:solidFill>
+                  <a:srgbClr val="FF0000"/>
+                </a:solidFill>
+              </a:rPr>
+              <a:t> </a:t>
+            </a:r>
+            <a:r>
+              <a:rPr lang="en-US" altLang="ko-KR" b="1" dirty="0" smtClean="0">
+                <a:solidFill>
+                  <a:srgbClr val="FF0000"/>
+                </a:solidFill>
+              </a:rPr>
+              <a:t>          </a:t>
+            </a:r>
+            <a:r>
+              <a:rPr lang="en-US" altLang="ko-KR" dirty="0" smtClean="0">
+                <a:solidFill>
+                  <a:schemeClr val="bg1">
+                    <a:lumMod val="65000"/>
+                  </a:schemeClr>
+                </a:solidFill>
+              </a:rPr>
+              <a:t>#</a:t>
+            </a:r>
+            <a:r>
+              <a:rPr lang="en-US" altLang="ko-KR" dirty="0" smtClean="0"/>
+              <a:t> </a:t>
+            </a:r>
+            <a:r>
+              <a:rPr lang="en-US" altLang="ko-KR" dirty="0" err="1" smtClean="0"/>
+              <a:t>appium</a:t>
+            </a:r>
+            <a:r>
+              <a:rPr lang="ko-KR" altLang="en-US" dirty="0" smtClean="0">
+                <a:solidFill>
+                  <a:schemeClr val="bg1">
+                    <a:lumMod val="65000"/>
+                  </a:schemeClr>
+                </a:solidFill>
+              </a:rPr>
+              <a:t>실행</a:t>
             </a:r>
             <a:endParaRPr lang="en-US" altLang="ko-KR" b="1" dirty="0" smtClean="0">
               <a:solidFill>
@@ -9486,6 +11730,29 @@
           </a:p>
         </p:txBody>
       </p:sp>
+      <p:pic>
+        <p:nvPicPr>
+          <p:cNvPr id="4" name="그림 3"/>
+          <p:cNvPicPr>
+            <a:picLocks noChangeAspect="1"/>
+          </p:cNvPicPr>
+          <p:nvPr/>
+        </p:nvPicPr>
+        <p:blipFill rotWithShape="1">
+          <a:blip r:embed="rId4"/>
+          <a:srcRect r="1472" b="40367"/>
+          <a:stretch/>
+        </p:blipFill>
+        <p:spPr>
+          <a:xfrm>
+            <a:off x="6720938" y="3285768"/>
+            <a:ext cx="5207451" cy="1721065"/>
+          </a:xfrm>
+          <a:prstGeom prst="rect">
+            <a:avLst/>
+          </a:prstGeom>
+        </p:spPr>
+      </p:pic>
     </p:spTree>
     <p:extLst>
       <p:ext uri="{BB962C8B-B14F-4D97-AF65-F5344CB8AC3E}">
@@ -9506,7 +11773,7 @@
 </p:sld>
 </file>
 
-<file path=ppt/slides/slide7.xml><?xml version="1.0" encoding="utf-8"?>
+<file path=ppt/slides/slide6.xml><?xml version="1.0" encoding="utf-8"?>
 <p:sld xmlns:a="http://schemas.openxmlformats.org/drawingml/2006/main" xmlns:r="http://schemas.openxmlformats.org/officeDocument/2006/relationships" xmlns:p="http://schemas.openxmlformats.org/presentationml/2006/main">
   <p:cSld>
     <p:spTree>
@@ -9658,6 +11925,296 @@
 </p:sld>
 </file>
 
+<file path=ppt/slides/slide7.xml><?xml version="1.0" encoding="utf-8"?>
+<p:sld xmlns:a="http://schemas.openxmlformats.org/drawingml/2006/main" xmlns:r="http://schemas.openxmlformats.org/officeDocument/2006/relationships" xmlns:p="http://schemas.openxmlformats.org/presentationml/2006/main">
+  <p:cSld>
+    <p:spTree>
+      <p:nvGrpSpPr>
+        <p:cNvPr id="1" name=""/>
+        <p:cNvGrpSpPr/>
+        <p:nvPr/>
+      </p:nvGrpSpPr>
+      <p:grpSpPr>
+        <a:xfrm>
+          <a:off x="0" y="0"/>
+          <a:ext cx="0" cy="0"/>
+          <a:chOff x="0" y="0"/>
+          <a:chExt cx="0" cy="0"/>
+        </a:xfrm>
+      </p:grpSpPr>
+      <p:sp>
+        <p:nvSpPr>
+          <p:cNvPr id="2" name="제목 1"/>
+          <p:cNvSpPr>
+            <a:spLocks noGrp="1"/>
+          </p:cNvSpPr>
+          <p:nvPr>
+            <p:ph type="title"/>
+          </p:nvPr>
+        </p:nvSpPr>
+        <p:spPr/>
+        <p:txBody>
+          <a:bodyPr rtlCol="0"/>
+          <a:lstStyle/>
+          <a:p>
+            <a:r>
+              <a:rPr lang="en-US" altLang="ko-KR" noProof="1" smtClean="0">
+                <a:ea typeface="맑은 고딕" panose="020B0503020000020004" pitchFamily="50" charset="-127"/>
+              </a:rPr>
+              <a:t>4. Appium </a:t>
+            </a:r>
+            <a:r>
+              <a:rPr lang="ko-KR" altLang="en-US" noProof="1">
+                <a:ea typeface="맑은 고딕" panose="020B0503020000020004" pitchFamily="50" charset="-127"/>
+              </a:rPr>
+              <a:t>설치</a:t>
+            </a:r>
+          </a:p>
+        </p:txBody>
+      </p:sp>
+      <p:sp>
+        <p:nvSpPr>
+          <p:cNvPr id="3" name="내용 개체 틀 2"/>
+          <p:cNvSpPr>
+            <a:spLocks noGrp="1"/>
+          </p:cNvSpPr>
+          <p:nvPr>
+            <p:ph idx="1"/>
+          </p:nvPr>
+        </p:nvSpPr>
+        <p:spPr>
+          <a:xfrm>
+            <a:off x="362606" y="1862136"/>
+            <a:ext cx="6569129" cy="4995863"/>
+          </a:xfrm>
+        </p:spPr>
+        <p:txBody>
+          <a:bodyPr rtlCol="0">
+            <a:normAutofit/>
+          </a:bodyPr>
+          <a:lstStyle/>
+          <a:p>
+            <a:r>
+              <a:rPr lang="ko-KR" altLang="en-US" dirty="0" err="1"/>
+              <a:t>카탈론에서</a:t>
+            </a:r>
+            <a:r>
+              <a:rPr lang="ko-KR" altLang="en-US" dirty="0"/>
+              <a:t> </a:t>
+            </a:r>
+            <a:r>
+              <a:rPr lang="en-US" altLang="ko-KR" dirty="0" err="1"/>
+              <a:t>Appium</a:t>
+            </a:r>
+            <a:r>
+              <a:rPr lang="ko-KR" altLang="en-US" dirty="0"/>
+              <a:t>을 사용하는 이유는 </a:t>
+            </a:r>
+            <a:r>
+              <a:rPr lang="ko-KR" altLang="en-US" dirty="0" err="1"/>
+              <a:t>모바일</a:t>
+            </a:r>
+            <a:r>
+              <a:rPr lang="ko-KR" altLang="en-US" dirty="0"/>
+              <a:t> 애플리케이션 테스트를 자동화하기 </a:t>
+            </a:r>
+            <a:r>
+              <a:rPr lang="ko-KR" altLang="en-US" dirty="0" smtClean="0"/>
+              <a:t>위함</a:t>
+            </a:r>
+            <a:endParaRPr lang="en-US" altLang="ko-KR" dirty="0" smtClean="0"/>
+          </a:p>
+          <a:p>
+            <a:r>
+              <a:rPr lang="en-US" altLang="ko-KR" dirty="0" err="1" smtClean="0"/>
+              <a:t>Appium</a:t>
+            </a:r>
+            <a:r>
+              <a:rPr lang="ko-KR" altLang="en-US" dirty="0"/>
+              <a:t>은 크로스 플랫폼이며</a:t>
+            </a:r>
+            <a:r>
+              <a:rPr lang="en-US" altLang="ko-KR" dirty="0"/>
+              <a:t>, </a:t>
+            </a:r>
+            <a:r>
+              <a:rPr lang="en-US" altLang="ko-KR" dirty="0" err="1"/>
+              <a:t>iOS</a:t>
+            </a:r>
+            <a:r>
+              <a:rPr lang="en-US" altLang="ko-KR" dirty="0"/>
+              <a:t> </a:t>
+            </a:r>
+            <a:r>
+              <a:rPr lang="ko-KR" altLang="en-US" dirty="0"/>
+              <a:t>및 </a:t>
+            </a:r>
+            <a:r>
+              <a:rPr lang="en-US" altLang="ko-KR" dirty="0"/>
+              <a:t>Android</a:t>
+            </a:r>
+            <a:r>
+              <a:rPr lang="ko-KR" altLang="en-US" dirty="0"/>
+              <a:t>와 같은 여러 </a:t>
+            </a:r>
+            <a:r>
+              <a:rPr lang="ko-KR" altLang="en-US" dirty="0" err="1"/>
+              <a:t>모바일</a:t>
+            </a:r>
+            <a:r>
+              <a:rPr lang="ko-KR" altLang="en-US" dirty="0"/>
+              <a:t> 플랫폼에서 </a:t>
+            </a:r>
+            <a:r>
+              <a:rPr lang="ko-KR" altLang="en-US" dirty="0" smtClean="0"/>
+              <a:t>애플리케이션 자동화 가능</a:t>
+            </a:r>
+            <a:endParaRPr lang="en-US" altLang="ko-KR" dirty="0" smtClean="0"/>
+          </a:p>
+          <a:p>
+            <a:r>
+              <a:rPr lang="en-US" altLang="ko-KR" dirty="0" err="1" smtClean="0"/>
+              <a:t>Appium</a:t>
+            </a:r>
+            <a:r>
+              <a:rPr lang="en-US" altLang="ko-KR" dirty="0" smtClean="0"/>
+              <a:t> </a:t>
+            </a:r>
+            <a:r>
+              <a:rPr lang="ko-KR" altLang="en-US" dirty="0" smtClean="0"/>
+              <a:t>실행 </a:t>
+            </a:r>
+            <a:r>
+              <a:rPr lang="en-US" altLang="ko-KR" dirty="0"/>
+              <a:t>&gt; </a:t>
+            </a:r>
+            <a:r>
+              <a:rPr lang="en-US" altLang="ko-KR" dirty="0" smtClean="0"/>
+              <a:t>Edit </a:t>
+            </a:r>
+            <a:r>
+              <a:rPr lang="en-US" altLang="ko-KR" dirty="0"/>
+              <a:t>Configurations</a:t>
+            </a:r>
+            <a:r>
+              <a:rPr lang="ko-KR" altLang="en-US" dirty="0"/>
+              <a:t>에 처음 지정했던 </a:t>
+            </a:r>
+            <a:r>
+              <a:rPr lang="ko-KR" altLang="en-US" dirty="0">
+                <a:solidFill>
+                  <a:srgbClr val="FF0000"/>
+                </a:solidFill>
+              </a:rPr>
+              <a:t>환경변수</a:t>
+            </a:r>
+            <a:r>
+              <a:rPr lang="ko-KR" altLang="en-US" dirty="0"/>
+              <a:t>들이 </a:t>
+            </a:r>
+            <a:r>
+              <a:rPr lang="ko-KR" altLang="en-US" dirty="0" err="1"/>
+              <a:t>세팅</a:t>
+            </a:r>
+            <a:r>
+              <a:rPr lang="ko-KR" altLang="en-US" dirty="0"/>
+              <a:t> 되어있는지 </a:t>
+            </a:r>
+            <a:r>
+              <a:rPr lang="ko-KR" altLang="en-US" dirty="0" smtClean="0"/>
+              <a:t>확인</a:t>
+            </a:r>
+            <a:endParaRPr lang="en-US" altLang="ko-KR" dirty="0" smtClean="0"/>
+          </a:p>
+          <a:p>
+            <a:endParaRPr lang="en-US" altLang="ko-KR" dirty="0" smtClean="0"/>
+          </a:p>
+          <a:p>
+            <a:endParaRPr lang="en-US" altLang="ko-KR" dirty="0"/>
+          </a:p>
+          <a:p>
+            <a:endParaRPr lang="ko-KR" altLang="en-US" dirty="0"/>
+          </a:p>
+          <a:p>
+            <a:pPr marL="285750" indent="-285750">
+              <a:buFontTx/>
+              <a:buChar char="-"/>
+            </a:pPr>
+            <a:endParaRPr lang="en-US" altLang="ko-KR" b="1" dirty="0">
+              <a:solidFill>
+                <a:srgbClr val="FF0000"/>
+              </a:solidFill>
+            </a:endParaRPr>
+          </a:p>
+        </p:txBody>
+      </p:sp>
+      <p:pic>
+        <p:nvPicPr>
+          <p:cNvPr id="6" name="그림 5"/>
+          <p:cNvPicPr>
+            <a:picLocks noChangeAspect="1"/>
+          </p:cNvPicPr>
+          <p:nvPr/>
+        </p:nvPicPr>
+        <p:blipFill>
+          <a:blip r:embed="rId3"/>
+          <a:stretch>
+            <a:fillRect/>
+          </a:stretch>
+        </p:blipFill>
+        <p:spPr>
+          <a:xfrm>
+            <a:off x="8503071" y="1983777"/>
+            <a:ext cx="3017834" cy="3003699"/>
+          </a:xfrm>
+          <a:prstGeom prst="rect">
+            <a:avLst/>
+          </a:prstGeom>
+        </p:spPr>
+      </p:pic>
+      <p:pic>
+        <p:nvPicPr>
+          <p:cNvPr id="7" name="그림 6"/>
+          <p:cNvPicPr>
+            <a:picLocks noChangeAspect="1"/>
+          </p:cNvPicPr>
+          <p:nvPr/>
+        </p:nvPicPr>
+        <p:blipFill rotWithShape="1">
+          <a:blip r:embed="rId4"/>
+          <a:srcRect t="6872" b="32940"/>
+          <a:stretch/>
+        </p:blipFill>
+        <p:spPr>
+          <a:xfrm>
+            <a:off x="480405" y="4987476"/>
+            <a:ext cx="7064760" cy="1387365"/>
+          </a:xfrm>
+          <a:prstGeom prst="rect">
+            <a:avLst/>
+          </a:prstGeom>
+        </p:spPr>
+      </p:pic>
+    </p:spTree>
+    <p:extLst>
+      <p:ext uri="{BB962C8B-B14F-4D97-AF65-F5344CB8AC3E}">
+        <p14:creationId xmlns:p14="http://schemas.microsoft.com/office/powerpoint/2010/main" val="1263858068"/>
+      </p:ext>
+    </p:extLst>
+  </p:cSld>
+  <p:clrMapOvr>
+    <a:masterClrMapping/>
+  </p:clrMapOvr>
+  <p:timing>
+    <p:tnLst>
+      <p:par>
+        <p:cTn id="1" dur="indefinite" restart="never" nodeType="tmRoot"/>
+      </p:par>
+    </p:tnLst>
+  </p:timing>
+</p:sld>
+</file>
+
 <file path=ppt/slides/slide8.xml><?xml version="1.0" encoding="utf-8"?>
 <p:sld xmlns:a="http://schemas.openxmlformats.org/drawingml/2006/main" xmlns:r="http://schemas.openxmlformats.org/officeDocument/2006/relationships" xmlns:p="http://schemas.openxmlformats.org/presentationml/2006/main">
   <p:cSld>
@@ -9695,25 +12252,13 @@
               <a:rPr lang="en-US" altLang="ko-KR" noProof="1" smtClean="0">
                 <a:ea typeface="맑은 고딕" panose="020B0503020000020004" pitchFamily="50" charset="-127"/>
               </a:rPr>
-              <a:t>Katalon</a:t>
+              <a:t>5. Katalon</a:t>
             </a:r>
             <a:r>
               <a:rPr lang="ko-KR" altLang="en-US" noProof="1" smtClean="0">
                 <a:ea typeface="맑은 고딕" panose="020B0503020000020004" pitchFamily="50" charset="-127"/>
               </a:rPr>
-              <a:t> </a:t>
-            </a:r>
-            <a:r>
-              <a:rPr lang="en-US" altLang="ko-KR" noProof="1" smtClean="0">
-                <a:ea typeface="맑은 고딕" panose="020B0503020000020004" pitchFamily="50" charset="-127"/>
-              </a:rPr>
-              <a:t>Device</a:t>
-            </a:r>
-            <a:r>
-              <a:rPr lang="ko-KR" altLang="en-US" noProof="1" smtClean="0">
-                <a:ea typeface="맑은 고딕" panose="020B0503020000020004" pitchFamily="50" charset="-127"/>
-              </a:rPr>
-              <a:t> 등록</a:t>
+              <a:t> 설치</a:t>
             </a:r>
             <a:endParaRPr lang="ko-KR" altLang="en-US" noProof="1">
               <a:ea typeface="맑은 고딕" panose="020B0503020000020004" pitchFamily="50" charset="-127"/>
@@ -9773,102 +12318,8 @@
             </a:r>
             <a:endParaRPr lang="en-US" altLang="ko-KR" sz="1400" dirty="0"/>
           </a:p>
-          <a:p>
-            <a:r>
-              <a:rPr lang="ko-KR" altLang="en-US" sz="1400" dirty="0" smtClean="0"/>
-              <a:t>연결된 </a:t>
-            </a:r>
-            <a:r>
-              <a:rPr lang="ko-KR" altLang="en-US" sz="1400" dirty="0" err="1"/>
-              <a:t>모바일</a:t>
-            </a:r>
-            <a:r>
-              <a:rPr lang="ko-KR" altLang="en-US" sz="1400" dirty="0"/>
-              <a:t> 장치 확인은 아래 경로로 확인 가능</a:t>
-            </a:r>
-          </a:p>
         </p:txBody>
       </p:sp>
-      <p:pic>
-        <p:nvPicPr>
-          <p:cNvPr id="1028" name="Picture 4" descr="post-thumbnail"/>
-          <p:cNvPicPr>
-            <a:picLocks noChangeAspect="1" noChangeArrowheads="1"/>
-          </p:cNvPicPr>
-          <p:nvPr/>
-        </p:nvPicPr>
-        <p:blipFill>
-          <a:blip r:embed="rId4">
-            <a:extLst>
-              <a:ext uri="{28A0092B-C50C-407E-A947-70E740481C1C}">
-                <a14:useLocalDpi xmlns:a14="http://schemas.microsoft.com/office/drawing/2010/main" val="0"/>
-              </a:ext>
-            </a:extLst>
-          </a:blip>
-          <a:srcRect/>
-          <a:stretch>
-            <a:fillRect/>
-          </a:stretch>
-        </p:blipFill>
-        <p:spPr bwMode="auto">
-          <a:xfrm>
-            <a:off x="604434" y="2610643"/>
-            <a:ext cx="6753225" cy="1390651"/>
-          </a:xfrm>
-          <a:prstGeom prst="rect">
-            <a:avLst/>
-          </a:prstGeom>
-          <a:noFill/>
-          <a:extLst>
-            <a:ext uri="{909E8E84-426E-40DD-AFC4-6F175D3DCCD1}">
-              <a14:hiddenFill xmlns:a14="http://schemas.microsoft.com/office/drawing/2010/main">
-                <a:solidFill>
-                  <a:srgbClr val="FFFFFF"/>
-                </a:solidFill>
-              </a14:hiddenFill>
-            </a:ext>
-          </a:extLst>
-        </p:spPr>
-      </p:pic>
-      <p:pic>
-        <p:nvPicPr>
-          <p:cNvPr id="1030" name="Picture 6" descr="https://velog.velcdn.com/images/starmom/post/b56f176c-a0fb-4ff0-a322-ba76884c495e/image.png"/>
-          <p:cNvPicPr>
-            <a:picLocks noChangeAspect="1" noChangeArrowheads="1"/>
-          </p:cNvPicPr>
-          <p:nvPr/>
-        </p:nvPicPr>
-        <p:blipFill rotWithShape="1">
-          <a:blip r:embed="rId5">
-            <a:extLst>
-              <a:ext uri="{28A0092B-C50C-407E-A947-70E740481C1C}">
-                <a14:useLocalDpi xmlns:a14="http://schemas.microsoft.com/office/drawing/2010/main" val="0"/>
-              </a:ext>
-            </a:extLst>
-          </a:blip>
-          <a:srcRect r="261" b="68885"/>
-          <a:stretch/>
-        </p:blipFill>
-        <p:spPr bwMode="auto">
-          <a:xfrm>
-            <a:off x="604434" y="4233882"/>
-            <a:ext cx="6753225" cy="2338373"/>
-          </a:xfrm>
-          <a:prstGeom prst="rect">
-            <a:avLst/>
-          </a:prstGeom>
-          <a:noFill/>
-          <a:extLst>
-            <a:ext uri="{909E8E84-426E-40DD-AFC4-6F175D3DCCD1}">
-              <a14:hiddenFill xmlns:a14="http://schemas.microsoft.com/office/drawing/2010/main">
-                <a:solidFill>
-                  <a:srgbClr val="FFFFFF"/>
-                </a:solidFill>
-              </a14:hiddenFill>
-            </a:ext>
-          </a:extLst>
-        </p:spPr>
-      </p:pic>
       <p:sp>
         <p:nvSpPr>
           <p:cNvPr id="11" name="내용 개체 틀 2"/>
@@ -9879,8 +12330,8 @@
         </p:nvSpPr>
         <p:spPr>
           <a:xfrm>
-            <a:off x="7562371" y="1825625"/>
-            <a:ext cx="4346029" cy="4449051"/>
+            <a:off x="604434" y="2026508"/>
+            <a:ext cx="4346029" cy="4110681"/>
           </a:xfrm>
           <a:prstGeom prst="rect">
             <a:avLst/>
@@ -10080,34 +12531,166 @@
             </a:lvl9pPr>
           </a:lstStyle>
           <a:p>
+            <a:pPr marL="342900" indent="-342900">
+              <a:buAutoNum type="arabicPeriod"/>
+            </a:pPr>
+            <a:r>
+              <a:rPr lang="en-US" altLang="ko-KR" sz="1800" b="1" dirty="0" err="1" smtClean="0"/>
+              <a:t>Katalon</a:t>
+            </a:r>
             <a:r>
               <a:rPr lang="en-US" altLang="ko-KR" sz="1800" b="1" dirty="0" smtClean="0"/>
-              <a:t>1. USB</a:t>
+              <a:t> </a:t>
             </a:r>
             <a:r>
               <a:rPr lang="ko-KR" altLang="en-US" sz="1800" b="1" dirty="0" smtClean="0"/>
-              <a:t>로 연결</a:t>
-            </a:r>
+              <a:t>회원가입</a:t>
+            </a:r>
+            <a:r>
+              <a:rPr lang="en-US" altLang="ko-KR" sz="1800" b="1" dirty="0" smtClean="0"/>
+              <a:t>&amp;</a:t>
+            </a:r>
+            <a:r>
+              <a:rPr lang="ko-KR" altLang="en-US" sz="1800" b="1" dirty="0" smtClean="0"/>
+              <a:t>로그인</a:t>
+            </a:r>
+            <a:endParaRPr lang="en-US" altLang="ko-KR" sz="1800" b="1" dirty="0" smtClean="0"/>
+          </a:p>
+          <a:p>
+            <a:pPr marL="342900" indent="-342900">
+              <a:buAutoNum type="arabicPeriod"/>
+            </a:pPr>
+            <a:r>
+              <a:rPr lang="en-US" altLang="ko-KR" sz="1800" b="1" dirty="0" smtClean="0"/>
+              <a:t>Work through </a:t>
+            </a:r>
+            <a:r>
+              <a:rPr lang="ko-KR" altLang="en-US" sz="1800" b="1" dirty="0" smtClean="0"/>
+              <a:t>선택</a:t>
+            </a:r>
+            <a:endParaRPr lang="en-US" altLang="ko-KR" sz="1800" b="1" dirty="0"/>
           </a:p>
           <a:p>
             <a:r>
               <a:rPr lang="ko-KR" altLang="en-US" sz="1800" dirty="0" smtClean="0"/>
-              <a:t>해당 디바이스를 직업 연결해서 등록하는 방법</a:t>
-            </a:r>
-            <a:br>
-              <a:rPr lang="ko-KR" altLang="en-US" sz="1800" dirty="0" smtClean="0"/>
-            </a:br>
-            <a:r>
-              <a:rPr lang="ko-KR" altLang="en-US" sz="1800" dirty="0" smtClean="0"/>
-              <a:t>디바이스를 연결한 뒤 화면에 뜨는 개발자 도구 디버깅 허용을 클릭 해 연결</a:t>
-            </a:r>
-            <a:endParaRPr lang="en-US" altLang="ko-KR" sz="1800" dirty="0" smtClean="0"/>
-          </a:p>
-          <a:p>
-            <a:endParaRPr lang="ko-KR" altLang="en-US" sz="1800" dirty="0"/>
+              <a:t>프로젝트 생성마다 바꿀 수 있음 원하는 프로젝트의 성격으로 선택</a:t>
+            </a:r>
+            <a:endParaRPr lang="en-US" altLang="ko-KR" sz="1800" dirty="0"/>
+          </a:p>
+          <a:p>
+            <a:r>
+              <a:rPr lang="en-US" altLang="ko-KR" sz="1800" b="1" dirty="0" smtClean="0"/>
+              <a:t>3. </a:t>
+            </a:r>
+            <a:r>
+              <a:rPr lang="ko-KR" altLang="en-US" sz="1800" b="1" dirty="0" smtClean="0"/>
+              <a:t>샘플 프로젝트 오픈</a:t>
+            </a:r>
+            <a:endParaRPr lang="en-US" altLang="ko-KR" sz="1800" dirty="0"/>
+          </a:p>
+          <a:p>
+            <a:r>
+              <a:rPr lang="ko-KR" altLang="en-US" dirty="0" smtClean="0"/>
+              <a:t>파일</a:t>
+            </a:r>
+            <a:r>
+              <a:rPr lang="en-US" altLang="ko-KR" dirty="0" smtClean="0"/>
+              <a:t>&gt;New Sample Project&gt;Sample Android Mobile Tests Project</a:t>
+            </a:r>
+          </a:p>
+          <a:p>
+            <a:r>
+              <a:rPr lang="en-US" altLang="ko-KR" dirty="0" err="1" smtClean="0"/>
+              <a:t>Katalon</a:t>
+            </a:r>
+            <a:r>
+              <a:rPr lang="ko-KR" altLang="en-US" dirty="0" smtClean="0"/>
+              <a:t>에서 제공하는 샘플프로젝트 </a:t>
+            </a:r>
+            <a:r>
+              <a:rPr lang="ko-KR" altLang="en-US" dirty="0" err="1" smtClean="0"/>
+              <a:t>다운로드해서</a:t>
+            </a:r>
+            <a:r>
+              <a:rPr lang="ko-KR" altLang="en-US" dirty="0" smtClean="0"/>
+              <a:t> 테스트 진행</a:t>
+            </a:r>
+            <a:endParaRPr lang="en-US" altLang="ko-KR" dirty="0" smtClean="0"/>
           </a:p>
         </p:txBody>
       </p:sp>
+      <p:pic>
+        <p:nvPicPr>
+          <p:cNvPr id="5" name="그림 4"/>
+          <p:cNvPicPr>
+            <a:picLocks noChangeAspect="1"/>
+          </p:cNvPicPr>
+          <p:nvPr/>
+        </p:nvPicPr>
+        <p:blipFill>
+          <a:blip r:embed="rId4"/>
+          <a:stretch>
+            <a:fillRect/>
+          </a:stretch>
+        </p:blipFill>
+        <p:spPr>
+          <a:xfrm>
+            <a:off x="6193849" y="4486733"/>
+            <a:ext cx="5069335" cy="1955586"/>
+          </a:xfrm>
+          <a:prstGeom prst="rect">
+            <a:avLst/>
+          </a:prstGeom>
+        </p:spPr>
+      </p:pic>
+      <p:pic>
+        <p:nvPicPr>
+          <p:cNvPr id="6" name="그림 5"/>
+          <p:cNvPicPr>
+            <a:picLocks noChangeAspect="1"/>
+          </p:cNvPicPr>
+          <p:nvPr/>
+        </p:nvPicPr>
+        <p:blipFill>
+          <a:blip r:embed="rId5"/>
+          <a:stretch>
+            <a:fillRect/>
+          </a:stretch>
+        </p:blipFill>
+        <p:spPr>
+          <a:xfrm>
+            <a:off x="5615754" y="2265404"/>
+            <a:ext cx="2562997" cy="1854109"/>
+          </a:xfrm>
+          <a:prstGeom prst="rect">
+            <a:avLst/>
+          </a:prstGeom>
+        </p:spPr>
+      </p:pic>
+      <p:pic>
+        <p:nvPicPr>
+          <p:cNvPr id="7" name="그림 6"/>
+          <p:cNvPicPr>
+            <a:picLocks noChangeAspect="1"/>
+          </p:cNvPicPr>
+          <p:nvPr/>
+        </p:nvPicPr>
+        <p:blipFill>
+          <a:blip r:embed="rId6"/>
+          <a:stretch>
+            <a:fillRect/>
+          </a:stretch>
+        </p:blipFill>
+        <p:spPr>
+          <a:xfrm>
+            <a:off x="8285843" y="2323070"/>
+            <a:ext cx="3339806" cy="1796444"/>
+          </a:xfrm>
+          <a:prstGeom prst="rect">
+            <a:avLst/>
+          </a:prstGeom>
+        </p:spPr>
+      </p:pic>
     </p:spTree>
     <p:extLst>
       <p:ext uri="{BB962C8B-B14F-4D97-AF65-F5344CB8AC3E}">
@@ -10168,22 +12751,16 @@
               <a:t>Katalon</a:t>
             </a:r>
             <a:r>
+              <a:rPr lang="ko-KR" altLang="en-US" noProof="1">
+                <a:ea typeface="맑은 고딕" panose="020B0503020000020004" pitchFamily="50" charset="-127"/>
+              </a:rPr>
+              <a:t> </a:t>
+            </a:r>
+            <a:r>
               <a:rPr lang="ko-KR" altLang="en-US" noProof="1" smtClean="0">
                 <a:ea typeface="맑은 고딕" panose="020B0503020000020004" pitchFamily="50" charset="-127"/>
               </a:rPr>
-              <a:t> </a:t>
-            </a:r>
-            <a:r>
-              <a:rPr lang="en-US" altLang="ko-KR" noProof="1" smtClean="0">
-                <a:ea typeface="맑은 고딕" panose="020B0503020000020004" pitchFamily="50" charset="-127"/>
-              </a:rPr>
-              <a:t>Device</a:t>
-            </a:r>
-            <a:r>
-              <a:rPr lang="ko-KR" altLang="en-US" noProof="1" smtClean="0">
-                <a:ea typeface="맑은 고딕" panose="020B0503020000020004" pitchFamily="50" charset="-127"/>
-              </a:rPr>
-              <a:t> 등록</a:t>
+              <a:t>설치 시 오류</a:t>
             </a:r>
             <a:endParaRPr lang="ko-KR" altLang="en-US" noProof="1">
               <a:ea typeface="맑은 고딕" panose="020B0503020000020004" pitchFamily="50" charset="-127"/>
@@ -10193,7 +12770,7 @@
       </p:sp>
       <p:sp>
         <p:nvSpPr>
-          <p:cNvPr id="6" name="내용 개체 틀 2"/>
+          <p:cNvPr id="11" name="내용 개체 틀 2"/>
           <p:cNvSpPr txBox="1">
             <a:spLocks/>
           </p:cNvSpPr>
@@ -10201,8 +12778,8 @@
         </p:nvSpPr>
         <p:spPr>
           <a:xfrm>
-            <a:off x="4903165" y="1825624"/>
-            <a:ext cx="6873676" cy="4449051"/>
+            <a:off x="82378" y="1614617"/>
+            <a:ext cx="8229600" cy="5121378"/>
           </a:xfrm>
           <a:prstGeom prst="rect">
             <a:avLst/>
@@ -10402,870 +12979,281 @@
             </a:lvl9pPr>
           </a:lstStyle>
           <a:p>
-            <a:endParaRPr lang="ko-KR" altLang="en-US" sz="1800" dirty="0"/>
+            <a:r>
+              <a:rPr lang="en-US" altLang="ko-KR" sz="1800" dirty="0" smtClean="0">
+                <a:solidFill>
+                  <a:srgbClr val="FF0000"/>
+                </a:solidFill>
+              </a:rPr>
+              <a:t>※</a:t>
+            </a:r>
+            <a:r>
+              <a:rPr lang="ko-KR" altLang="en-US" sz="1800" dirty="0" smtClean="0">
+                <a:solidFill>
+                  <a:srgbClr val="FF0000"/>
+                </a:solidFill>
+              </a:rPr>
+              <a:t>설치 진행 시 오른쪽과 창이 뜨고 실행 안됨</a:t>
+            </a:r>
+            <a:endParaRPr lang="en-US" altLang="ko-KR" sz="1800" dirty="0" smtClean="0">
+              <a:solidFill>
+                <a:srgbClr val="FF0000"/>
+              </a:solidFill>
+            </a:endParaRPr>
+          </a:p>
+          <a:p>
+            <a:r>
+              <a:rPr lang="en-US" altLang="ko-KR" sz="1800" dirty="0" err="1" smtClean="0"/>
+              <a:t>Katalon</a:t>
+            </a:r>
+            <a:r>
+              <a:rPr lang="ko-KR" altLang="en-US" sz="1800" dirty="0" smtClean="0"/>
+              <a:t>에서 인식하는 </a:t>
+            </a:r>
+            <a:r>
+              <a:rPr lang="en-US" altLang="ko-KR" sz="1800" dirty="0" err="1" smtClean="0"/>
+              <a:t>Appium</a:t>
+            </a:r>
+            <a:r>
+              <a:rPr lang="ko-KR" altLang="en-US" sz="1800" dirty="0" err="1" smtClean="0"/>
+              <a:t>디렉토리와</a:t>
+            </a:r>
+            <a:r>
+              <a:rPr lang="ko-KR" altLang="en-US" sz="1800" dirty="0" smtClean="0"/>
+              <a:t> 실제 설치된</a:t>
+            </a:r>
+            <a:endParaRPr lang="en-US" altLang="ko-KR" sz="1800" dirty="0" smtClean="0"/>
+          </a:p>
+          <a:p>
+            <a:r>
+              <a:rPr lang="ko-KR" altLang="en-US" sz="1800" dirty="0" smtClean="0"/>
+              <a:t>경로</a:t>
+            </a:r>
+            <a:r>
+              <a:rPr lang="en-US" altLang="ko-KR" sz="1800" dirty="0" smtClean="0"/>
+              <a:t>(</a:t>
+            </a:r>
+            <a:r>
+              <a:rPr lang="ko-KR" altLang="en-US" sz="1800" dirty="0" smtClean="0"/>
+              <a:t>본인</a:t>
+            </a:r>
+            <a:r>
+              <a:rPr lang="en-US" altLang="ko-KR" sz="1800" dirty="0" smtClean="0"/>
+              <a:t>)</a:t>
+            </a:r>
+            <a:r>
+              <a:rPr lang="ko-KR" altLang="en-US" sz="1800" dirty="0" smtClean="0"/>
+              <a:t>가 다르기 때문에 </a:t>
+            </a:r>
+            <a:r>
+              <a:rPr lang="ko-KR" altLang="en-US" sz="1800" dirty="0" err="1" smtClean="0"/>
+              <a:t>나타는</a:t>
+            </a:r>
+            <a:r>
+              <a:rPr lang="ko-KR" altLang="en-US" sz="1800" dirty="0" smtClean="0"/>
+              <a:t> 오류 </a:t>
+            </a:r>
+            <a:endParaRPr lang="en-US" altLang="ko-KR" sz="1800" dirty="0" smtClean="0"/>
+          </a:p>
+          <a:p>
+            <a:endParaRPr lang="en-US" altLang="ko-KR" sz="1800" dirty="0" smtClean="0"/>
+          </a:p>
+          <a:p>
+            <a:r>
+              <a:rPr lang="en-US" altLang="ko-KR" sz="1800" dirty="0">
+                <a:solidFill>
+                  <a:srgbClr val="FF0000"/>
+                </a:solidFill>
+              </a:rPr>
+              <a:t>C:\</a:t>
+            </a:r>
+            <a:r>
+              <a:rPr lang="en-US" altLang="ko-KR" sz="1800" dirty="0" smtClean="0">
+                <a:solidFill>
+                  <a:srgbClr val="FF0000"/>
+                </a:solidFill>
+              </a:rPr>
+              <a:t>Users\ww[</a:t>
+            </a:r>
+            <a:r>
+              <a:rPr lang="ko-KR" altLang="en-US" sz="1800" dirty="0" smtClean="0">
+                <a:solidFill>
+                  <a:srgbClr val="FF0000"/>
+                </a:solidFill>
+              </a:rPr>
+              <a:t>사용자</a:t>
+            </a:r>
+            <a:r>
+              <a:rPr lang="en-US" altLang="ko-KR" sz="1800" dirty="0" smtClean="0">
+                <a:solidFill>
+                  <a:srgbClr val="FF0000"/>
+                </a:solidFill>
+              </a:rPr>
+              <a:t>]\</a:t>
+            </a:r>
+            <a:r>
+              <a:rPr lang="en-US" altLang="ko-KR" sz="1800" dirty="0" err="1" smtClean="0">
+                <a:solidFill>
+                  <a:srgbClr val="FF0000"/>
+                </a:solidFill>
+              </a:rPr>
+              <a:t>AppData</a:t>
+            </a:r>
+            <a:r>
+              <a:rPr lang="en-US" altLang="ko-KR" sz="1800" dirty="0" smtClean="0">
+                <a:solidFill>
+                  <a:srgbClr val="FF0000"/>
+                </a:solidFill>
+              </a:rPr>
+              <a:t>\Roaming\</a:t>
+            </a:r>
+            <a:r>
+              <a:rPr lang="en-US" altLang="ko-KR" sz="1800" dirty="0" err="1" smtClean="0">
+                <a:solidFill>
+                  <a:srgbClr val="FF0000"/>
+                </a:solidFill>
+              </a:rPr>
+              <a:t>npm</a:t>
+            </a:r>
+            <a:r>
+              <a:rPr lang="en-US" altLang="ko-KR" sz="1800" dirty="0" smtClean="0">
+                <a:solidFill>
+                  <a:srgbClr val="FF0000"/>
+                </a:solidFill>
+              </a:rPr>
+              <a:t>\</a:t>
+            </a:r>
+            <a:r>
+              <a:rPr lang="en-US" altLang="ko-KR" sz="1800" dirty="0" err="1" smtClean="0">
+                <a:solidFill>
+                  <a:srgbClr val="FF0000"/>
+                </a:solidFill>
+              </a:rPr>
+              <a:t>node_modules</a:t>
+            </a:r>
+            <a:endParaRPr lang="en-US" altLang="ko-KR" sz="1800" dirty="0" smtClean="0">
+              <a:solidFill>
+                <a:srgbClr val="FF0000"/>
+              </a:solidFill>
+            </a:endParaRPr>
+          </a:p>
+          <a:p>
+            <a:r>
+              <a:rPr lang="ko-KR" altLang="en-US" sz="1800" dirty="0" smtClean="0"/>
+              <a:t>위 경로에 </a:t>
+            </a:r>
+            <a:r>
+              <a:rPr lang="en-US" altLang="ko-KR" sz="1800" dirty="0" err="1" smtClean="0"/>
+              <a:t>appium</a:t>
+            </a:r>
+            <a:r>
+              <a:rPr lang="ko-KR" altLang="en-US" sz="1800" dirty="0" smtClean="0"/>
+              <a:t>파일이 있는지 확인 한 뒤 없다면 </a:t>
+            </a:r>
+            <a:r>
+              <a:rPr lang="ko-KR" altLang="en-US" sz="1800" dirty="0" err="1" smtClean="0"/>
+              <a:t>옮겨넣거나</a:t>
+            </a:r>
+            <a:endParaRPr lang="en-US" altLang="ko-KR" sz="1800" dirty="0"/>
+          </a:p>
+          <a:p>
+            <a:r>
+              <a:rPr lang="ko-KR" altLang="en-US" sz="1800" dirty="0" smtClean="0"/>
+              <a:t>복사해서 넣어둠 </a:t>
+            </a:r>
+            <a:endParaRPr lang="en-US" altLang="ko-KR" sz="1800" dirty="0" smtClean="0"/>
+          </a:p>
+          <a:p>
+            <a:endParaRPr lang="en-US" altLang="ko-KR" sz="1800" dirty="0" smtClean="0"/>
+          </a:p>
+          <a:p>
+            <a:endParaRPr lang="en-US" altLang="ko-KR" sz="1800" dirty="0" smtClean="0"/>
+          </a:p>
+          <a:p>
+            <a:r>
+              <a:rPr lang="ko-KR" altLang="en-US" sz="1800" dirty="0" smtClean="0"/>
+              <a:t> </a:t>
+            </a:r>
+            <a:endParaRPr lang="en-US" altLang="ko-KR" sz="1800" dirty="0"/>
           </a:p>
         </p:txBody>
       </p:sp>
-      <p:sp>
-        <p:nvSpPr>
-          <p:cNvPr id="4" name="내용 개체 틀 3"/>
-          <p:cNvSpPr>
-            <a:spLocks noGrp="1"/>
-          </p:cNvSpPr>
-          <p:nvPr>
-            <p:ph idx="1"/>
-          </p:nvPr>
-        </p:nvSpPr>
+      <p:pic>
+        <p:nvPicPr>
+          <p:cNvPr id="4" name="그림 3"/>
+          <p:cNvPicPr>
+            <a:picLocks noChangeAspect="1"/>
+          </p:cNvPicPr>
+          <p:nvPr/>
+        </p:nvPicPr>
+        <p:blipFill>
+          <a:blip r:embed="rId3"/>
+          <a:stretch>
+            <a:fillRect/>
+          </a:stretch>
+        </p:blipFill>
         <p:spPr>
           <a:xfrm>
-            <a:off x="223346" y="1825623"/>
-            <a:ext cx="4167753" cy="4351338"/>
-          </a:xfrm>
-        </p:spPr>
-        <p:txBody>
-          <a:bodyPr/>
-          <a:lstStyle/>
-          <a:p>
-            <a:r>
-              <a:rPr lang="en-US" altLang="ko-KR" b="1" dirty="0"/>
-              <a:t>2. USB</a:t>
-            </a:r>
-            <a:r>
-              <a:rPr lang="ko-KR" altLang="en-US" b="1" dirty="0"/>
-              <a:t>로 연결</a:t>
-            </a:r>
-          </a:p>
-          <a:p>
-            <a:r>
-              <a:rPr lang="ko-KR" altLang="en-US" dirty="0" err="1"/>
-              <a:t>공기계나</a:t>
-            </a:r>
-            <a:r>
-              <a:rPr lang="ko-KR" altLang="en-US" dirty="0"/>
-              <a:t> 실제 디바이스가 없다면 </a:t>
-            </a:r>
-            <a:r>
-              <a:rPr lang="ko-KR" altLang="en-US" dirty="0" err="1"/>
-              <a:t>애뮬레이터를</a:t>
-            </a:r>
-            <a:r>
-              <a:rPr lang="ko-KR" altLang="en-US" dirty="0"/>
-              <a:t> 띄워서 디바이스 등록</a:t>
-            </a:r>
-          </a:p>
-          <a:p>
-            <a:r>
-              <a:rPr lang="en-US" altLang="ko-KR" dirty="0" err="1"/>
-              <a:t>Andriod</a:t>
-            </a:r>
-            <a:r>
-              <a:rPr lang="en-US" altLang="ko-KR" dirty="0"/>
-              <a:t> studio</a:t>
-            </a:r>
-            <a:r>
-              <a:rPr lang="ko-KR" altLang="en-US" dirty="0"/>
-              <a:t>를 실행 </a:t>
-            </a:r>
-            <a:r>
-              <a:rPr lang="en-US" altLang="ko-KR" dirty="0"/>
-              <a:t>&gt;</a:t>
-            </a:r>
-            <a:r>
-              <a:rPr lang="ko-KR" altLang="en-US" dirty="0"/>
-              <a:t> </a:t>
-            </a:r>
-            <a:r>
-              <a:rPr lang="en-US" altLang="ko-KR" dirty="0"/>
-              <a:t>More Actions </a:t>
-            </a:r>
-            <a:r>
-              <a:rPr lang="ko-KR" altLang="en-US" dirty="0"/>
-              <a:t>클릭 </a:t>
-            </a:r>
-            <a:r>
-              <a:rPr lang="en-US" altLang="ko-KR" dirty="0"/>
-              <a:t>&gt;</a:t>
-            </a:r>
-            <a:r>
-              <a:rPr lang="ko-KR" altLang="en-US" dirty="0"/>
-              <a:t> </a:t>
-            </a:r>
-            <a:r>
-              <a:rPr lang="en-US" altLang="ko-KR" dirty="0"/>
-              <a:t>[Virtual Device Manager] </a:t>
-            </a:r>
-            <a:r>
-              <a:rPr lang="ko-KR" altLang="en-US" dirty="0"/>
-              <a:t>클릭 </a:t>
-            </a:r>
-            <a:r>
-              <a:rPr lang="en-US" altLang="ko-KR" dirty="0"/>
-              <a:t>&gt;</a:t>
-            </a:r>
-            <a:r>
-              <a:rPr lang="ko-KR" altLang="en-US" dirty="0"/>
-              <a:t> </a:t>
-            </a:r>
-            <a:r>
-              <a:rPr lang="en-US" altLang="ko-KR" dirty="0"/>
-              <a:t>[+]</a:t>
-            </a:r>
-            <a:r>
-              <a:rPr lang="ko-KR" altLang="en-US" dirty="0"/>
-              <a:t> 클릭 </a:t>
-            </a:r>
-            <a:r>
-              <a:rPr lang="en-US" altLang="ko-KR" dirty="0"/>
-              <a:t>&gt; </a:t>
-            </a:r>
-            <a:r>
-              <a:rPr lang="ko-KR" altLang="en-US" dirty="0" err="1"/>
-              <a:t>애뮬레이터</a:t>
-            </a:r>
-            <a:r>
-              <a:rPr lang="ko-KR" altLang="en-US" dirty="0"/>
-              <a:t> 등록</a:t>
-            </a:r>
-          </a:p>
-          <a:p>
-            <a:r>
-              <a:rPr lang="ko-KR" altLang="en-US" dirty="0"/>
-              <a:t>등록 후 </a:t>
-            </a:r>
-            <a:r>
-              <a:rPr lang="en-US" altLang="ko-KR" dirty="0"/>
-              <a:t>Device Manager</a:t>
-            </a:r>
-            <a:r>
-              <a:rPr lang="ko-KR" altLang="en-US" dirty="0"/>
-              <a:t>에서 </a:t>
-            </a:r>
-            <a:r>
-              <a:rPr lang="en-US" altLang="ko-KR" dirty="0"/>
-              <a:t>"▶"</a:t>
-            </a:r>
-            <a:r>
-              <a:rPr lang="ko-KR" altLang="en-US" dirty="0"/>
-              <a:t>실행 버튼 클릭 </a:t>
-            </a:r>
-            <a:r>
-              <a:rPr lang="en-US" altLang="ko-KR" dirty="0"/>
-              <a:t>&gt; </a:t>
-            </a:r>
-            <a:r>
-              <a:rPr lang="ko-KR" altLang="en-US" dirty="0" err="1"/>
-              <a:t>애뮬레이터</a:t>
-            </a:r>
-            <a:r>
-              <a:rPr lang="ko-KR" altLang="en-US" dirty="0"/>
-              <a:t> 실행</a:t>
-            </a:r>
-          </a:p>
-          <a:p>
-            <a:endParaRPr lang="ko-KR" altLang="en-US" dirty="0"/>
-          </a:p>
-        </p:txBody>
-      </p:sp>
-      <p:sp>
-        <p:nvSpPr>
-          <p:cNvPr id="9" name="내용 개체 틀 3"/>
-          <p:cNvSpPr txBox="1">
-            <a:spLocks/>
-          </p:cNvSpPr>
-          <p:nvPr/>
-        </p:nvSpPr>
-        <p:spPr>
-          <a:xfrm>
-            <a:off x="5483773" y="1825623"/>
-            <a:ext cx="4167753" cy="4351338"/>
+            <a:off x="7258823" y="3240665"/>
+            <a:ext cx="4933177" cy="1731548"/>
           </a:xfrm>
           <a:prstGeom prst="rect">
             <a:avLst/>
           </a:prstGeom>
         </p:spPr>
-        <p:txBody>
-          <a:bodyPr vert="horz" lIns="91440" tIns="45720" rIns="91440" bIns="45720" rtlCol="0">
-            <a:normAutofit/>
-          </a:bodyPr>
-          <a:lstStyle>
-            <a:lvl1pPr marL="0" indent="0" algn="l" defTabSz="914400" rtl="0" eaLnBrk="1" latinLnBrk="1" hangingPunct="1">
-              <a:lnSpc>
-                <a:spcPct val="150000"/>
-              </a:lnSpc>
-              <a:spcBef>
-                <a:spcPct val="30000"/>
-              </a:spcBef>
-              <a:spcAft>
-                <a:spcPts val="1200"/>
-              </a:spcAft>
-              <a:buFont typeface="Arial" panose="020B0604020202020204" pitchFamily="34" charset="0"/>
-              <a:buNone/>
-              <a:defRPr sz="1600" kern="1200">
-                <a:solidFill>
-                  <a:schemeClr val="bg1">
-                    <a:lumMod val="50000"/>
-                  </a:schemeClr>
-                </a:solidFill>
-                <a:latin typeface="맑은 고딕" panose="020B0503020000020004" pitchFamily="50" charset="-127"/>
-                <a:ea typeface="+mn-ea"/>
-                <a:cs typeface="+mn-cs"/>
-              </a:defRPr>
-            </a:lvl1pPr>
-            <a:lvl2pPr marL="685800" indent="-228600" algn="l" defTabSz="914400" rtl="0" eaLnBrk="1" latinLnBrk="1" hangingPunct="1">
-              <a:lnSpc>
-                <a:spcPct val="150000"/>
-              </a:lnSpc>
-              <a:spcBef>
-                <a:spcPct val="30000"/>
-              </a:spcBef>
-              <a:spcAft>
-                <a:spcPts val="1200"/>
-              </a:spcAft>
-              <a:buFont typeface="Arial" panose="020B0604020202020204" pitchFamily="34" charset="0"/>
-              <a:buChar char="•"/>
-              <a:defRPr sz="1400" kern="1200">
-                <a:solidFill>
-                  <a:schemeClr val="bg1">
-                    <a:lumMod val="50000"/>
-                  </a:schemeClr>
-                </a:solidFill>
-                <a:latin typeface="맑은 고딕" panose="020B0503020000020004" pitchFamily="50" charset="-127"/>
-                <a:ea typeface="+mn-ea"/>
-                <a:cs typeface="+mn-cs"/>
-              </a:defRPr>
-            </a:lvl2pPr>
-            <a:lvl3pPr marL="1143000" indent="-228600" algn="l" defTabSz="914400" rtl="0" eaLnBrk="1" latinLnBrk="1" hangingPunct="1">
-              <a:lnSpc>
-                <a:spcPct val="150000"/>
-              </a:lnSpc>
-              <a:spcBef>
-                <a:spcPct val="30000"/>
-              </a:spcBef>
-              <a:spcAft>
-                <a:spcPts val="1200"/>
-              </a:spcAft>
-              <a:buFont typeface="Arial" panose="020B0604020202020204" pitchFamily="34" charset="0"/>
-              <a:buChar char="•"/>
-              <a:defRPr sz="1200" kern="1200">
-                <a:solidFill>
-                  <a:schemeClr val="bg1">
-                    <a:lumMod val="50000"/>
-                  </a:schemeClr>
-                </a:solidFill>
-                <a:latin typeface="맑은 고딕" panose="020B0503020000020004" pitchFamily="50" charset="-127"/>
-                <a:ea typeface="+mn-ea"/>
-                <a:cs typeface="+mn-cs"/>
-              </a:defRPr>
-            </a:lvl3pPr>
-            <a:lvl4pPr marL="1600200" indent="-228600" algn="l" defTabSz="914400" rtl="0" eaLnBrk="1" latinLnBrk="1" hangingPunct="1">
-              <a:lnSpc>
-                <a:spcPct val="150000"/>
-              </a:lnSpc>
-              <a:spcBef>
-                <a:spcPct val="30000"/>
-              </a:spcBef>
-              <a:spcAft>
-                <a:spcPts val="1200"/>
-              </a:spcAft>
-              <a:buFont typeface="Arial" panose="020B0604020202020204" pitchFamily="34" charset="0"/>
-              <a:buChar char="•"/>
-              <a:defRPr sz="1100" kern="1200">
-                <a:solidFill>
-                  <a:schemeClr val="bg1">
-                    <a:lumMod val="50000"/>
-                  </a:schemeClr>
-                </a:solidFill>
-                <a:latin typeface="맑은 고딕" panose="020B0503020000020004" pitchFamily="50" charset="-127"/>
-                <a:ea typeface="+mn-ea"/>
-                <a:cs typeface="+mn-cs"/>
-              </a:defRPr>
-            </a:lvl4pPr>
-            <a:lvl5pPr marL="2057400" indent="-228600" algn="l" defTabSz="914400" rtl="0" eaLnBrk="1" latinLnBrk="1" hangingPunct="1">
-              <a:lnSpc>
-                <a:spcPct val="150000"/>
-              </a:lnSpc>
-              <a:spcBef>
-                <a:spcPct val="30000"/>
-              </a:spcBef>
-              <a:spcAft>
-                <a:spcPts val="1200"/>
-              </a:spcAft>
-              <a:buFont typeface="Arial" panose="020B0604020202020204" pitchFamily="34" charset="0"/>
-              <a:buChar char="•"/>
-              <a:defRPr sz="1100" kern="1200">
-                <a:solidFill>
-                  <a:schemeClr val="bg1">
-                    <a:lumMod val="50000"/>
-                  </a:schemeClr>
-                </a:solidFill>
-                <a:latin typeface="맑은 고딕" panose="020B0503020000020004" pitchFamily="50" charset="-127"/>
-                <a:ea typeface="+mn-ea"/>
-                <a:cs typeface="+mn-cs"/>
-              </a:defRPr>
-            </a:lvl5pPr>
-            <a:lvl6pPr marL="2514600" indent="-228600" algn="l" defTabSz="914400" rtl="0" eaLnBrk="1" latinLnBrk="1" hangingPunct="1">
-              <a:lnSpc>
-                <a:spcPct val="90000"/>
-              </a:lnSpc>
-              <a:spcBef>
-                <a:spcPct val="30000"/>
-              </a:spcBef>
-              <a:buFont typeface="Arial" panose="020B0604020202020204" pitchFamily="34" charset="0"/>
-              <a:buChar char="•"/>
-              <a:defRPr sz="1800" kern="1200">
-                <a:solidFill>
-                  <a:schemeClr val="tx1"/>
-                </a:solidFill>
-                <a:latin typeface="+mn-lt"/>
-                <a:ea typeface="+mn-ea"/>
-                <a:cs typeface="+mn-cs"/>
-              </a:defRPr>
-            </a:lvl6pPr>
-            <a:lvl7pPr marL="2971800" indent="-228600" algn="l" defTabSz="914400" rtl="0" eaLnBrk="1" latinLnBrk="1" hangingPunct="1">
-              <a:lnSpc>
-                <a:spcPct val="90000"/>
-              </a:lnSpc>
-              <a:spcBef>
-                <a:spcPct val="30000"/>
-              </a:spcBef>
-              <a:buFont typeface="Arial" panose="020B0604020202020204" pitchFamily="34" charset="0"/>
-              <a:buChar char="•"/>
-              <a:defRPr sz="1800" kern="1200">
-                <a:solidFill>
-                  <a:schemeClr val="tx1"/>
-                </a:solidFill>
-                <a:latin typeface="+mn-lt"/>
-                <a:ea typeface="+mn-ea"/>
-                <a:cs typeface="+mn-cs"/>
-              </a:defRPr>
-            </a:lvl7pPr>
-            <a:lvl8pPr marL="3429000" indent="-228600" algn="l" defTabSz="914400" rtl="0" eaLnBrk="1" latinLnBrk="1" hangingPunct="1">
-              <a:lnSpc>
-                <a:spcPct val="90000"/>
-              </a:lnSpc>
-              <a:spcBef>
-                <a:spcPct val="30000"/>
-              </a:spcBef>
-              <a:buFont typeface="Arial" panose="020B0604020202020204" pitchFamily="34" charset="0"/>
-              <a:buChar char="•"/>
-              <a:defRPr sz="1800" kern="1200">
-                <a:solidFill>
-                  <a:schemeClr val="tx1"/>
-                </a:solidFill>
-                <a:latin typeface="+mn-lt"/>
-                <a:ea typeface="+mn-ea"/>
-                <a:cs typeface="+mn-cs"/>
-              </a:defRPr>
-            </a:lvl8pPr>
-            <a:lvl9pPr marL="3886200" indent="-228600" algn="l" defTabSz="914400" rtl="0" eaLnBrk="1" latinLnBrk="1" hangingPunct="1">
-              <a:lnSpc>
-                <a:spcPct val="90000"/>
-              </a:lnSpc>
-              <a:spcBef>
-                <a:spcPct val="30000"/>
-              </a:spcBef>
-              <a:buFont typeface="Arial" panose="020B0604020202020204" pitchFamily="34" charset="0"/>
-              <a:buChar char="•"/>
-              <a:defRPr sz="1800" kern="1200">
-                <a:solidFill>
-                  <a:schemeClr val="tx1"/>
-                </a:solidFill>
-                <a:latin typeface="+mn-lt"/>
-                <a:ea typeface="+mn-ea"/>
-                <a:cs typeface="+mn-cs"/>
-              </a:defRPr>
-            </a:lvl9pPr>
-          </a:lstStyle>
-          <a:p>
-            <a:endParaRPr lang="ko-KR" altLang="en-US" dirty="0"/>
-          </a:p>
-        </p:txBody>
-      </p:sp>
-      <p:sp>
-        <p:nvSpPr>
-          <p:cNvPr id="11" name="내용 개체 틀 3"/>
-          <p:cNvSpPr txBox="1">
-            <a:spLocks/>
-          </p:cNvSpPr>
+      </p:pic>
+      <p:pic>
+        <p:nvPicPr>
+          <p:cNvPr id="6" name="그림 5"/>
+          <p:cNvPicPr>
+            <a:picLocks noChangeAspect="1"/>
+          </p:cNvPicPr>
           <p:nvPr/>
-        </p:nvSpPr>
+        </p:nvPicPr>
+        <p:blipFill>
+          <a:blip r:embed="rId4"/>
+          <a:stretch>
+            <a:fillRect/>
+          </a:stretch>
+        </p:blipFill>
         <p:spPr>
           <a:xfrm>
-            <a:off x="5202621" y="1841331"/>
-            <a:ext cx="6794938" cy="4351338"/>
+            <a:off x="7324725" y="1697615"/>
+            <a:ext cx="4867275" cy="1543050"/>
           </a:xfrm>
           <a:prstGeom prst="rect">
             <a:avLst/>
           </a:prstGeom>
         </p:spPr>
-        <p:txBody>
-          <a:bodyPr vert="horz" lIns="91440" tIns="45720" rIns="91440" bIns="45720" rtlCol="0">
-            <a:normAutofit fontScale="85000" lnSpcReduction="20000"/>
-          </a:bodyPr>
-          <a:lstStyle>
-            <a:lvl1pPr marL="0" indent="0" algn="l" defTabSz="914400" rtl="0" eaLnBrk="1" latinLnBrk="1" hangingPunct="1">
-              <a:lnSpc>
-                <a:spcPct val="150000"/>
-              </a:lnSpc>
-              <a:spcBef>
-                <a:spcPct val="30000"/>
-              </a:spcBef>
-              <a:spcAft>
-                <a:spcPts val="1200"/>
-              </a:spcAft>
-              <a:buFont typeface="Arial" panose="020B0604020202020204" pitchFamily="34" charset="0"/>
-              <a:buNone/>
-              <a:defRPr sz="1600" kern="1200">
-                <a:solidFill>
-                  <a:schemeClr val="bg1">
-                    <a:lumMod val="50000"/>
-                  </a:schemeClr>
-                </a:solidFill>
-                <a:latin typeface="맑은 고딕" panose="020B0503020000020004" pitchFamily="50" charset="-127"/>
-                <a:ea typeface="+mn-ea"/>
-                <a:cs typeface="+mn-cs"/>
-              </a:defRPr>
-            </a:lvl1pPr>
-            <a:lvl2pPr marL="685800" indent="-228600" algn="l" defTabSz="914400" rtl="0" eaLnBrk="1" latinLnBrk="1" hangingPunct="1">
-              <a:lnSpc>
-                <a:spcPct val="150000"/>
-              </a:lnSpc>
-              <a:spcBef>
-                <a:spcPct val="30000"/>
-              </a:spcBef>
-              <a:spcAft>
-                <a:spcPts val="1200"/>
-              </a:spcAft>
-              <a:buFont typeface="Arial" panose="020B0604020202020204" pitchFamily="34" charset="0"/>
-              <a:buChar char="•"/>
-              <a:defRPr sz="1400" kern="1200">
-                <a:solidFill>
-                  <a:schemeClr val="bg1">
-                    <a:lumMod val="50000"/>
-                  </a:schemeClr>
-                </a:solidFill>
-                <a:latin typeface="맑은 고딕" panose="020B0503020000020004" pitchFamily="50" charset="-127"/>
-                <a:ea typeface="+mn-ea"/>
-                <a:cs typeface="+mn-cs"/>
-              </a:defRPr>
-            </a:lvl2pPr>
-            <a:lvl3pPr marL="1143000" indent="-228600" algn="l" defTabSz="914400" rtl="0" eaLnBrk="1" latinLnBrk="1" hangingPunct="1">
-              <a:lnSpc>
-                <a:spcPct val="150000"/>
-              </a:lnSpc>
-              <a:spcBef>
-                <a:spcPct val="30000"/>
-              </a:spcBef>
-              <a:spcAft>
-                <a:spcPts val="1200"/>
-              </a:spcAft>
-              <a:buFont typeface="Arial" panose="020B0604020202020204" pitchFamily="34" charset="0"/>
-              <a:buChar char="•"/>
-              <a:defRPr sz="1200" kern="1200">
-                <a:solidFill>
-                  <a:schemeClr val="bg1">
-                    <a:lumMod val="50000"/>
-                  </a:schemeClr>
-                </a:solidFill>
-                <a:latin typeface="맑은 고딕" panose="020B0503020000020004" pitchFamily="50" charset="-127"/>
-                <a:ea typeface="+mn-ea"/>
-                <a:cs typeface="+mn-cs"/>
-              </a:defRPr>
-            </a:lvl3pPr>
-            <a:lvl4pPr marL="1600200" indent="-228600" algn="l" defTabSz="914400" rtl="0" eaLnBrk="1" latinLnBrk="1" hangingPunct="1">
-              <a:lnSpc>
-                <a:spcPct val="150000"/>
-              </a:lnSpc>
-              <a:spcBef>
-                <a:spcPct val="30000"/>
-              </a:spcBef>
-              <a:spcAft>
-                <a:spcPts val="1200"/>
-              </a:spcAft>
-              <a:buFont typeface="Arial" panose="020B0604020202020204" pitchFamily="34" charset="0"/>
-              <a:buChar char="•"/>
-              <a:defRPr sz="1100" kern="1200">
-                <a:solidFill>
-                  <a:schemeClr val="bg1">
-                    <a:lumMod val="50000"/>
-                  </a:schemeClr>
-                </a:solidFill>
-                <a:latin typeface="맑은 고딕" panose="020B0503020000020004" pitchFamily="50" charset="-127"/>
-                <a:ea typeface="+mn-ea"/>
-                <a:cs typeface="+mn-cs"/>
-              </a:defRPr>
-            </a:lvl4pPr>
-            <a:lvl5pPr marL="2057400" indent="-228600" algn="l" defTabSz="914400" rtl="0" eaLnBrk="1" latinLnBrk="1" hangingPunct="1">
-              <a:lnSpc>
-                <a:spcPct val="150000"/>
-              </a:lnSpc>
-              <a:spcBef>
-                <a:spcPct val="30000"/>
-              </a:spcBef>
-              <a:spcAft>
-                <a:spcPts val="1200"/>
-              </a:spcAft>
-              <a:buFont typeface="Arial" panose="020B0604020202020204" pitchFamily="34" charset="0"/>
-              <a:buChar char="•"/>
-              <a:defRPr sz="1100" kern="1200">
-                <a:solidFill>
-                  <a:schemeClr val="bg1">
-                    <a:lumMod val="50000"/>
-                  </a:schemeClr>
-                </a:solidFill>
-                <a:latin typeface="맑은 고딕" panose="020B0503020000020004" pitchFamily="50" charset="-127"/>
-                <a:ea typeface="+mn-ea"/>
-                <a:cs typeface="+mn-cs"/>
-              </a:defRPr>
-            </a:lvl5pPr>
-            <a:lvl6pPr marL="2514600" indent="-228600" algn="l" defTabSz="914400" rtl="0" eaLnBrk="1" latinLnBrk="1" hangingPunct="1">
-              <a:lnSpc>
-                <a:spcPct val="90000"/>
-              </a:lnSpc>
-              <a:spcBef>
-                <a:spcPct val="30000"/>
-              </a:spcBef>
-              <a:buFont typeface="Arial" panose="020B0604020202020204" pitchFamily="34" charset="0"/>
-              <a:buChar char="•"/>
-              <a:defRPr sz="1800" kern="1200">
-                <a:solidFill>
-                  <a:schemeClr val="tx1"/>
-                </a:solidFill>
-                <a:latin typeface="+mn-lt"/>
-                <a:ea typeface="+mn-ea"/>
-                <a:cs typeface="+mn-cs"/>
-              </a:defRPr>
-            </a:lvl6pPr>
-            <a:lvl7pPr marL="2971800" indent="-228600" algn="l" defTabSz="914400" rtl="0" eaLnBrk="1" latinLnBrk="1" hangingPunct="1">
-              <a:lnSpc>
-                <a:spcPct val="90000"/>
-              </a:lnSpc>
-              <a:spcBef>
-                <a:spcPct val="30000"/>
-              </a:spcBef>
-              <a:buFont typeface="Arial" panose="020B0604020202020204" pitchFamily="34" charset="0"/>
-              <a:buChar char="•"/>
-              <a:defRPr sz="1800" kern="1200">
-                <a:solidFill>
-                  <a:schemeClr val="tx1"/>
-                </a:solidFill>
-                <a:latin typeface="+mn-lt"/>
-                <a:ea typeface="+mn-ea"/>
-                <a:cs typeface="+mn-cs"/>
-              </a:defRPr>
-            </a:lvl7pPr>
-            <a:lvl8pPr marL="3429000" indent="-228600" algn="l" defTabSz="914400" rtl="0" eaLnBrk="1" latinLnBrk="1" hangingPunct="1">
-              <a:lnSpc>
-                <a:spcPct val="90000"/>
-              </a:lnSpc>
-              <a:spcBef>
-                <a:spcPct val="30000"/>
-              </a:spcBef>
-              <a:buFont typeface="Arial" panose="020B0604020202020204" pitchFamily="34" charset="0"/>
-              <a:buChar char="•"/>
-              <a:defRPr sz="1800" kern="1200">
-                <a:solidFill>
-                  <a:schemeClr val="tx1"/>
-                </a:solidFill>
-                <a:latin typeface="+mn-lt"/>
-                <a:ea typeface="+mn-ea"/>
-                <a:cs typeface="+mn-cs"/>
-              </a:defRPr>
-            </a:lvl8pPr>
-            <a:lvl9pPr marL="3886200" indent="-228600" algn="l" defTabSz="914400" rtl="0" eaLnBrk="1" latinLnBrk="1" hangingPunct="1">
-              <a:lnSpc>
-                <a:spcPct val="90000"/>
-              </a:lnSpc>
-              <a:spcBef>
-                <a:spcPct val="30000"/>
-              </a:spcBef>
-              <a:buFont typeface="Arial" panose="020B0604020202020204" pitchFamily="34" charset="0"/>
-              <a:buChar char="•"/>
-              <a:defRPr sz="1800" kern="1200">
-                <a:solidFill>
-                  <a:schemeClr val="tx1"/>
-                </a:solidFill>
-                <a:latin typeface="+mn-lt"/>
-                <a:ea typeface="+mn-ea"/>
-                <a:cs typeface="+mn-cs"/>
-              </a:defRPr>
-            </a:lvl9pPr>
-          </a:lstStyle>
-          <a:p>
-            <a:r>
-              <a:rPr lang="ko-KR" altLang="en-US" b="1" dirty="0" smtClean="0"/>
-              <a:t> </a:t>
-            </a:r>
-            <a:r>
-              <a:rPr lang="en-US" altLang="ko-KR" b="1" dirty="0" smtClean="0"/>
-              <a:t>+ </a:t>
-            </a:r>
-            <a:r>
-              <a:rPr lang="ko-KR" altLang="en-US" b="1" dirty="0" err="1" smtClean="0"/>
-              <a:t>애뮬레이터</a:t>
-            </a:r>
-            <a:r>
-              <a:rPr lang="ko-KR" altLang="en-US" b="1" dirty="0" smtClean="0"/>
-              <a:t> </a:t>
-            </a:r>
-            <a:r>
-              <a:rPr lang="ko-KR" altLang="en-US" b="1" dirty="0"/>
-              <a:t>실행 방법</a:t>
-            </a:r>
-          </a:p>
-          <a:p>
-            <a:r>
-              <a:rPr lang="en-US" altLang="ko-KR" dirty="0" smtClean="0"/>
-              <a:t>1. Device </a:t>
-            </a:r>
-            <a:r>
-              <a:rPr lang="en-US" altLang="ko-KR" dirty="0"/>
-              <a:t>Manager</a:t>
-            </a:r>
-            <a:r>
-              <a:rPr lang="ko-KR" altLang="en-US" dirty="0"/>
-              <a:t>에서 </a:t>
-            </a:r>
-            <a:r>
-              <a:rPr lang="en-US" altLang="ko-KR" dirty="0"/>
-              <a:t>"▶"</a:t>
-            </a:r>
-            <a:r>
-              <a:rPr lang="ko-KR" altLang="en-US" dirty="0"/>
-              <a:t>실행 버튼 클릭</a:t>
-            </a:r>
-          </a:p>
-          <a:p>
-            <a:r>
-              <a:rPr lang="en-US" altLang="ko-KR" dirty="0" smtClean="0"/>
-              <a:t>2. </a:t>
-            </a:r>
-            <a:r>
-              <a:rPr lang="en-US" altLang="ko-KR" dirty="0" err="1"/>
-              <a:t>cmd</a:t>
-            </a:r>
-            <a:r>
-              <a:rPr lang="en-US" altLang="ko-KR" dirty="0"/>
-              <a:t> </a:t>
-            </a:r>
-            <a:r>
-              <a:rPr lang="ko-KR" altLang="en-US" dirty="0"/>
-              <a:t>창에서 아래의 명령어 입력 후 </a:t>
-            </a:r>
-            <a:r>
-              <a:rPr lang="ko-KR" altLang="en-US" dirty="0" smtClean="0"/>
-              <a:t>실행</a:t>
-            </a:r>
-            <a:endParaRPr lang="en-US" altLang="ko-KR" dirty="0" smtClean="0"/>
-          </a:p>
-          <a:p>
-            <a:r>
-              <a:rPr lang="en-US" altLang="ko-KR" b="1" dirty="0">
-                <a:solidFill>
-                  <a:srgbClr val="FF0000"/>
-                </a:solidFill>
-              </a:rPr>
-              <a:t>cd C:\Users\ww[</a:t>
-            </a:r>
-            <a:r>
-              <a:rPr lang="ko-KR" altLang="en-US" b="1" dirty="0">
-                <a:solidFill>
-                  <a:srgbClr val="FF0000"/>
-                </a:solidFill>
-              </a:rPr>
-              <a:t>사용자</a:t>
-            </a:r>
-            <a:r>
-              <a:rPr lang="en-US" altLang="ko-KR" b="1" dirty="0">
-                <a:solidFill>
-                  <a:srgbClr val="FF0000"/>
-                </a:solidFill>
-              </a:rPr>
-              <a:t>]\</a:t>
-            </a:r>
-            <a:r>
-              <a:rPr lang="en-US" altLang="ko-KR" b="1" dirty="0" err="1">
-                <a:solidFill>
-                  <a:srgbClr val="FF0000"/>
-                </a:solidFill>
-              </a:rPr>
-              <a:t>AppData</a:t>
-            </a:r>
-            <a:r>
-              <a:rPr lang="en-US" altLang="ko-KR" b="1" dirty="0">
-                <a:solidFill>
-                  <a:srgbClr val="FF0000"/>
-                </a:solidFill>
-              </a:rPr>
-              <a:t>\Local\Android\</a:t>
-            </a:r>
-            <a:r>
-              <a:rPr lang="en-US" altLang="ko-KR" b="1" dirty="0" err="1">
-                <a:solidFill>
-                  <a:srgbClr val="FF0000"/>
-                </a:solidFill>
-              </a:rPr>
-              <a:t>Sdk</a:t>
-            </a:r>
-            <a:r>
-              <a:rPr lang="en-US" altLang="ko-KR" b="1" dirty="0">
-                <a:solidFill>
-                  <a:srgbClr val="FF0000"/>
-                </a:solidFill>
-              </a:rPr>
-              <a:t>\emulator</a:t>
-            </a:r>
-            <a:br>
-              <a:rPr lang="en-US" altLang="ko-KR" b="1" dirty="0">
-                <a:solidFill>
-                  <a:srgbClr val="FF0000"/>
-                </a:solidFill>
-              </a:rPr>
-            </a:br>
-            <a:r>
-              <a:rPr lang="en-US" altLang="ko-KR" b="1" dirty="0" err="1">
-                <a:solidFill>
-                  <a:srgbClr val="FF0000"/>
-                </a:solidFill>
-              </a:rPr>
-              <a:t>emulator</a:t>
-            </a:r>
-            <a:r>
-              <a:rPr lang="en-US" altLang="ko-KR" b="1" dirty="0">
-                <a:solidFill>
-                  <a:srgbClr val="FF0000"/>
-                </a:solidFill>
-              </a:rPr>
-              <a:t> -</a:t>
-            </a:r>
-            <a:r>
-              <a:rPr lang="en-US" altLang="ko-KR" b="1" dirty="0" err="1">
-                <a:solidFill>
-                  <a:srgbClr val="FF0000"/>
-                </a:solidFill>
-              </a:rPr>
-              <a:t>avd</a:t>
-            </a:r>
-            <a:r>
-              <a:rPr lang="en-US" altLang="ko-KR" b="1" dirty="0">
-                <a:solidFill>
-                  <a:srgbClr val="FF0000"/>
-                </a:solidFill>
-              </a:rPr>
-              <a:t> </a:t>
-            </a:r>
-            <a:r>
-              <a:rPr lang="en-US" altLang="ko-KR" b="1" dirty="0" err="1" smtClean="0">
-                <a:solidFill>
-                  <a:srgbClr val="FF0000"/>
-                </a:solidFill>
-              </a:rPr>
-              <a:t>Test_Emulator</a:t>
-            </a:r>
-            <a:endParaRPr lang="en-US" altLang="ko-KR" b="1" dirty="0" smtClean="0">
-              <a:solidFill>
-                <a:srgbClr val="FF0000"/>
-              </a:solidFill>
-            </a:endParaRPr>
-          </a:p>
-          <a:p>
-            <a:r>
-              <a:rPr lang="en-US" altLang="ko-KR" dirty="0" smtClean="0"/>
-              <a:t>3. </a:t>
-            </a:r>
-            <a:r>
-              <a:rPr lang="ko-KR" altLang="en-US" dirty="0" smtClean="0"/>
-              <a:t>바탕화면에 </a:t>
-            </a:r>
-            <a:r>
-              <a:rPr lang="ko-KR" altLang="en-US" dirty="0" err="1"/>
-              <a:t>안드로이드</a:t>
-            </a:r>
-            <a:r>
-              <a:rPr lang="ko-KR" altLang="en-US" dirty="0"/>
-              <a:t> 가상 디바이스 </a:t>
-            </a:r>
-            <a:r>
-              <a:rPr lang="ko-KR" altLang="en-US" dirty="0" err="1"/>
-              <a:t>바로가기</a:t>
-            </a:r>
-            <a:r>
-              <a:rPr lang="ko-KR" altLang="en-US" dirty="0"/>
-              <a:t> 아이콘 생성</a:t>
-            </a:r>
-          </a:p>
-          <a:p>
-            <a:r>
-              <a:rPr lang="ko-KR" altLang="en-US" dirty="0"/>
-              <a:t>메모장 </a:t>
-            </a:r>
-            <a:r>
-              <a:rPr lang="ko-KR" altLang="en-US" dirty="0" smtClean="0"/>
-              <a:t>오픈 </a:t>
-            </a:r>
-            <a:r>
-              <a:rPr lang="en-US" altLang="ko-KR" dirty="0" smtClean="0"/>
-              <a:t>&gt; </a:t>
-            </a:r>
-            <a:r>
-              <a:rPr lang="ko-KR" altLang="en-US" dirty="0" smtClean="0"/>
-              <a:t>메모장에 위 명령어를 동일하게 입력 </a:t>
-            </a:r>
-            <a:r>
-              <a:rPr lang="en-US" altLang="ko-KR" dirty="0" smtClean="0"/>
-              <a:t>&gt;</a:t>
-            </a:r>
-            <a:endParaRPr lang="en-US" altLang="ko-KR" dirty="0"/>
-          </a:p>
-          <a:p>
-            <a:r>
-              <a:rPr lang="en-US" altLang="ko-KR" dirty="0" smtClean="0"/>
-              <a:t>Start </a:t>
-            </a:r>
-            <a:r>
-              <a:rPr lang="en-US" altLang="ko-KR" dirty="0"/>
-              <a:t>Test_Emulator.bat </a:t>
-            </a:r>
-            <a:r>
-              <a:rPr lang="ko-KR" altLang="en-US" dirty="0"/>
-              <a:t>로 파일명 입력 후 저장</a:t>
-            </a:r>
-          </a:p>
-          <a:p>
-            <a:r>
-              <a:rPr lang="ko-KR" altLang="en-US" dirty="0"/>
-              <a:t>바탕화면에서 생성된 </a:t>
-            </a:r>
-            <a:r>
-              <a:rPr lang="en-US" altLang="ko-KR" dirty="0"/>
-              <a:t>.bat</a:t>
-            </a:r>
-            <a:r>
-              <a:rPr lang="ko-KR" altLang="en-US" dirty="0"/>
-              <a:t>파일 클릭 시 </a:t>
-            </a:r>
-            <a:r>
-              <a:rPr lang="ko-KR" altLang="en-US" dirty="0" err="1"/>
-              <a:t>애뮬레이터</a:t>
-            </a:r>
-            <a:r>
-              <a:rPr lang="ko-KR" altLang="en-US" dirty="0"/>
-              <a:t> 실행</a:t>
-            </a:r>
-          </a:p>
-          <a:p>
-            <a:endParaRPr lang="ko-KR" altLang="en-US" b="1" dirty="0">
-              <a:solidFill>
-                <a:srgbClr val="FF0000"/>
-              </a:solidFill>
-            </a:endParaRPr>
-          </a:p>
-        </p:txBody>
-      </p:sp>
+      </p:pic>
+      <p:pic>
+        <p:nvPicPr>
+          <p:cNvPr id="10" name="그림 9"/>
+          <p:cNvPicPr>
+            <a:picLocks noChangeAspect="1"/>
+          </p:cNvPicPr>
+          <p:nvPr/>
+        </p:nvPicPr>
+        <p:blipFill>
+          <a:blip r:embed="rId5"/>
+          <a:stretch>
+            <a:fillRect/>
+          </a:stretch>
+        </p:blipFill>
+        <p:spPr>
+          <a:xfrm>
+            <a:off x="7324725" y="5127749"/>
+            <a:ext cx="4867275" cy="1266825"/>
+          </a:xfrm>
+          <a:prstGeom prst="rect">
+            <a:avLst/>
+          </a:prstGeom>
+        </p:spPr>
+      </p:pic>
     </p:spTree>
     <p:extLst>
       <p:ext uri="{BB962C8B-B14F-4D97-AF65-F5344CB8AC3E}">
-        <p14:creationId xmlns:p14="http://schemas.microsoft.com/office/powerpoint/2010/main" val="1654200286"/>
+        <p14:creationId xmlns:p14="http://schemas.microsoft.com/office/powerpoint/2010/main" val="2254885375"/>
       </p:ext>
     </p:extLst>
   </p:cSld>
@@ -12049,132 +14037,6 @@
 </file>
 
 <file path=customXml/item2.xml><?xml version="1.0" encoding="utf-8"?>
-<p:properties xmlns:p="http://schemas.microsoft.com/office/2006/metadata/properties" xmlns:xsi="http://www.w3.org/2001/XMLSchema-instance" xmlns:pc="http://schemas.microsoft.com/office/infopath/2007/PartnerControls">
-  <documentManagement>
-    <DirectSourceMarket xmlns="4873beb7-5857-4685-be1f-d57550cc96cc" xsi:nil="true"/>
-    <ApprovalStatus xmlns="4873beb7-5857-4685-be1f-d57550cc96cc">InProgress</ApprovalStatus>
-    <MarketSpecific xmlns="4873beb7-5857-4685-be1f-d57550cc96cc">false</MarketSpecific>
-    <LocComments xmlns="4873beb7-5857-4685-be1f-d57550cc96cc" xsi:nil="true"/>
-    <ThumbnailAssetId xmlns="4873beb7-5857-4685-be1f-d57550cc96cc" xsi:nil="true"/>
-    <PrimaryImageGen xmlns="4873beb7-5857-4685-be1f-d57550cc96cc">true</PrimaryImageGen>
-    <LegacyData xmlns="4873beb7-5857-4685-be1f-d57550cc96cc" xsi:nil="true"/>
-    <LocRecommendedHandoff xmlns="4873beb7-5857-4685-be1f-d57550cc96cc" xsi:nil="true"/>
-    <BusinessGroup xmlns="4873beb7-5857-4685-be1f-d57550cc96cc" xsi:nil="true"/>
-    <BlockPublish xmlns="4873beb7-5857-4685-be1f-d57550cc96cc">false</BlockPublish>
-    <TPFriendlyName xmlns="4873beb7-5857-4685-be1f-d57550cc96cc" xsi:nil="true"/>
-    <NumericId xmlns="4873beb7-5857-4685-be1f-d57550cc96cc" xsi:nil="true"/>
-    <APEditor xmlns="4873beb7-5857-4685-be1f-d57550cc96cc">
-      <UserInfo>
-        <DisplayName/>
-        <AccountId xsi:nil="true"/>
-        <AccountType/>
-      </UserInfo>
-    </APEditor>
-    <SourceTitle xmlns="4873beb7-5857-4685-be1f-d57550cc96cc" xsi:nil="true"/>
-    <OpenTemplate xmlns="4873beb7-5857-4685-be1f-d57550cc96cc">true</OpenTemplate>
-    <UALocComments xmlns="4873beb7-5857-4685-be1f-d57550cc96cc" xsi:nil="true"/>
-    <ParentAssetId xmlns="4873beb7-5857-4685-be1f-d57550cc96cc" xsi:nil="true"/>
-    <IntlLangReviewDate xmlns="4873beb7-5857-4685-be1f-d57550cc96cc" xsi:nil="true"/>
-    <FeatureTagsTaxHTField0 xmlns="4873beb7-5857-4685-be1f-d57550cc96cc">
-      <Terms xmlns="http://schemas.microsoft.com/office/infopath/2007/PartnerControls"/>
-    </FeatureTagsTaxHTField0>
-    <PublishStatusLookup xmlns="4873beb7-5857-4685-be1f-d57550cc96cc">
-      <Value>1584528</Value>
-    </PublishStatusLookup>
-    <Providers xmlns="4873beb7-5857-4685-be1f-d57550cc96cc" xsi:nil="true"/>
-    <MachineTranslated xmlns="4873beb7-5857-4685-be1f-d57550cc96cc">false</MachineTranslated>
-    <OriginalSourceMarket xmlns="4873beb7-5857-4685-be1f-d57550cc96cc" xsi:nil="true"/>
-    <APDescription xmlns="4873beb7-5857-4685-be1f-d57550cc96cc" xsi:nil="true"/>
-    <ClipArtFilename xmlns="4873beb7-5857-4685-be1f-d57550cc96cc" xsi:nil="true"/>
-    <ContentItem xmlns="4873beb7-5857-4685-be1f-d57550cc96cc" xsi:nil="true"/>
-    <TPInstallLocation xmlns="4873beb7-5857-4685-be1f-d57550cc96cc" xsi:nil="true"/>
-    <PublishTargets xmlns="4873beb7-5857-4685-be1f-d57550cc96cc">OfficeOnlineVNext</PublishTargets>
-    <TimesCloned xmlns="4873beb7-5857-4685-be1f-d57550cc96cc" xsi:nil="true"/>
-    <AssetStart xmlns="4873beb7-5857-4685-be1f-d57550cc96cc">2012-06-20T23:39:00+00:00</AssetStart>
-    <Provider xmlns="4873beb7-5857-4685-be1f-d57550cc96cc" xsi:nil="true"/>
-    <AcquiredFrom xmlns="4873beb7-5857-4685-be1f-d57550cc96cc">Internal MS</AcquiredFrom>
-    <FriendlyTitle xmlns="4873beb7-5857-4685-be1f-d57550cc96cc" xsi:nil="true"/>
-    <LastHandOff xmlns="4873beb7-5857-4685-be1f-d57550cc96cc" xsi:nil="true"/>
-    <TPClientViewer xmlns="4873beb7-5857-4685-be1f-d57550cc96cc" xsi:nil="true"/>
-    <UACurrentWords xmlns="4873beb7-5857-4685-be1f-d57550cc96cc" xsi:nil="true"/>
-    <ArtSampleDocs xmlns="4873beb7-5857-4685-be1f-d57550cc96cc" xsi:nil="true"/>
-    <UALocRecommendation xmlns="4873beb7-5857-4685-be1f-d57550cc96cc">Localize</UALocRecommendation>
-    <Manager xmlns="4873beb7-5857-4685-be1f-d57550cc96cc" xsi:nil="true"/>
-    <ShowIn xmlns="4873beb7-5857-4685-be1f-d57550cc96cc">Show everywhere</ShowIn>
-    <UANotes xmlns="4873beb7-5857-4685-be1f-d57550cc96cc" xsi:nil="true"/>
-    <TemplateStatus xmlns="4873beb7-5857-4685-be1f-d57550cc96cc">Complete</TemplateStatus>
-    <InternalTagsTaxHTField0 xmlns="4873beb7-5857-4685-be1f-d57550cc96cc">
-      <Terms xmlns="http://schemas.microsoft.com/office/infopath/2007/PartnerControls"/>
-    </InternalTagsTaxHTField0>
-    <CSXHash xmlns="4873beb7-5857-4685-be1f-d57550cc96cc" xsi:nil="true"/>
-    <Downloads xmlns="4873beb7-5857-4685-be1f-d57550cc96cc">0</Downloads>
-    <VoteCount xmlns="4873beb7-5857-4685-be1f-d57550cc96cc" xsi:nil="true"/>
-    <OOCacheId xmlns="4873beb7-5857-4685-be1f-d57550cc96cc" xsi:nil="true"/>
-    <IsDeleted xmlns="4873beb7-5857-4685-be1f-d57550cc96cc">false</IsDeleted>
-    <AssetExpire xmlns="4873beb7-5857-4685-be1f-d57550cc96cc">2029-01-01T08:00:00+00:00</AssetExpire>
-    <DSATActionTaken xmlns="4873beb7-5857-4685-be1f-d57550cc96cc" xsi:nil="true"/>
-    <CSXSubmissionMarket xmlns="4873beb7-5857-4685-be1f-d57550cc96cc" xsi:nil="true"/>
-    <TPExecutable xmlns="4873beb7-5857-4685-be1f-d57550cc96cc" xsi:nil="true"/>
-    <SubmitterId xmlns="4873beb7-5857-4685-be1f-d57550cc96cc" xsi:nil="true"/>
-    <EditorialTags xmlns="4873beb7-5857-4685-be1f-d57550cc96cc" xsi:nil="true"/>
-    <ApprovalLog xmlns="4873beb7-5857-4685-be1f-d57550cc96cc" xsi:nil="true"/>
-    <AssetType xmlns="4873beb7-5857-4685-be1f-d57550cc96cc">TP</AssetType>
-    <BugNumber xmlns="4873beb7-5857-4685-be1f-d57550cc96cc" xsi:nil="true"/>
-    <CSXSubmissionDate xmlns="4873beb7-5857-4685-be1f-d57550cc96cc" xsi:nil="true"/>
-    <CSXUpdate xmlns="4873beb7-5857-4685-be1f-d57550cc96cc">false</CSXUpdate>
-    <Milestone xmlns="4873beb7-5857-4685-be1f-d57550cc96cc" xsi:nil="true"/>
-    <RecommendationsModifier xmlns="4873beb7-5857-4685-be1f-d57550cc96cc" xsi:nil="true"/>
-    <OriginAsset xmlns="4873beb7-5857-4685-be1f-d57550cc96cc" xsi:nil="true"/>
-    <TPComponent xmlns="4873beb7-5857-4685-be1f-d57550cc96cc" xsi:nil="true"/>
-    <AssetId xmlns="4873beb7-5857-4685-be1f-d57550cc96cc">TP102923943</AssetId>
-    <IntlLocPriority xmlns="4873beb7-5857-4685-be1f-d57550cc96cc" xsi:nil="true"/>
-    <PolicheckWords xmlns="4873beb7-5857-4685-be1f-d57550cc96cc" xsi:nil="true"/>
-    <TPLaunchHelpLink xmlns="4873beb7-5857-4685-be1f-d57550cc96cc" xsi:nil="true"/>
-    <TPApplication xmlns="4873beb7-5857-4685-be1f-d57550cc96cc" xsi:nil="true"/>
-    <CrawlForDependencies xmlns="4873beb7-5857-4685-be1f-d57550cc96cc">false</CrawlForDependencies>
-    <HandoffToMSDN xmlns="4873beb7-5857-4685-be1f-d57550cc96cc" xsi:nil="true"/>
-    <PlannedPubDate xmlns="4873beb7-5857-4685-be1f-d57550cc96cc" xsi:nil="true"/>
-    <IntlLangReviewer xmlns="4873beb7-5857-4685-be1f-d57550cc96cc" xsi:nil="true"/>
-    <TrustLevel xmlns="4873beb7-5857-4685-be1f-d57550cc96cc">1 Microsoft Managed Content</TrustLevel>
-    <LocLastLocAttemptVersionLookup xmlns="4873beb7-5857-4685-be1f-d57550cc96cc">843282</LocLastLocAttemptVersionLookup>
-    <IsSearchable xmlns="4873beb7-5857-4685-be1f-d57550cc96cc">true</IsSearchable>
-    <TemplateTemplateType xmlns="4873beb7-5857-4685-be1f-d57550cc96cc">PowerPoint Template - Slideshow Launch</TemplateTemplateType>
-    <CampaignTagsTaxHTField0 xmlns="4873beb7-5857-4685-be1f-d57550cc96cc">
-      <Terms xmlns="http://schemas.microsoft.com/office/infopath/2007/PartnerControls"/>
-    </CampaignTagsTaxHTField0>
-    <TPNamespace xmlns="4873beb7-5857-4685-be1f-d57550cc96cc" xsi:nil="true"/>
-    <TaxCatchAll xmlns="4873beb7-5857-4685-be1f-d57550cc96cc"/>
-    <Markets xmlns="4873beb7-5857-4685-be1f-d57550cc96cc"/>
-    <UAProjectedTotalWords xmlns="4873beb7-5857-4685-be1f-d57550cc96cc" xsi:nil="true"/>
-    <IntlLangReview xmlns="4873beb7-5857-4685-be1f-d57550cc96cc">false</IntlLangReview>
-    <OutputCachingOn xmlns="4873beb7-5857-4685-be1f-d57550cc96cc">false</OutputCachingOn>
-    <AverageRating xmlns="4873beb7-5857-4685-be1f-d57550cc96cc" xsi:nil="true"/>
-    <LocMarketGroupTiers2 xmlns="4873beb7-5857-4685-be1f-d57550cc96cc" xsi:nil="true"/>
-    <APAuthor xmlns="4873beb7-5857-4685-be1f-d57550cc96cc">
-      <UserInfo>
-        <DisplayName>REDMOND\v-sa</DisplayName>
-        <AccountId>2467</AccountId>
-        <AccountType/>
-      </UserInfo>
-    </APAuthor>
-    <LocManualTestRequired xmlns="4873beb7-5857-4685-be1f-d57550cc96cc">false</LocManualTestRequired>
-    <TPCommandLine xmlns="4873beb7-5857-4685-be1f-d57550cc96cc" xsi:nil="true"/>
-    <TPAppVersion xmlns="4873beb7-5857-4685-be1f-d57550cc96cc" xsi:nil="true"/>
-    <EditorialStatus xmlns="4873beb7-5857-4685-be1f-d57550cc96cc">Complete</EditorialStatus>
-    <LastModifiedDateTime xmlns="4873beb7-5857-4685-be1f-d57550cc96cc" xsi:nil="true"/>
-    <ScenarioTagsTaxHTField0 xmlns="4873beb7-5857-4685-be1f-d57550cc96cc">
-      <Terms xmlns="http://schemas.microsoft.com/office/infopath/2007/PartnerControls"/>
-    </ScenarioTagsTaxHTField0>
-    <OriginalRelease xmlns="4873beb7-5857-4685-be1f-d57550cc96cc">15</OriginalRelease>
-    <TPLaunchHelpLinkType xmlns="4873beb7-5857-4685-be1f-d57550cc96cc">Template</TPLaunchHelpLinkType>
-    <LocalizationTagsTaxHTField0 xmlns="4873beb7-5857-4685-be1f-d57550cc96cc">
-      <Terms xmlns="http://schemas.microsoft.com/office/infopath/2007/PartnerControls"/>
-    </LocalizationTagsTaxHTField0>
-  </documentManagement>
-</p:properties>
-</file>
-
-<file path=customXml/item3.xml><?xml version="1.0" encoding="utf-8"?>
 <ct:contentTypeSchema xmlns:ct="http://schemas.microsoft.com/office/2006/metadata/contentType" xmlns:ma="http://schemas.microsoft.com/office/2006/metadata/properties/metaAttributes" ct:_="" ma:_="" ma:contentTypeName="TemplateFile" ma:contentTypeID="0x0101006EDDDB5EE6D98C44930B742096920B300400F5B6D36B3EF94B4E9A635CDF2A18F5B8" ma:contentTypeVersion="72" ma:contentTypeDescription="Create a new document." ma:contentTypeScope="" ma:versionID="a23e56308344d904b51738559c3d67c9">
   <xsd:schema xmlns:xsd="http://www.w3.org/2001/XMLSchema" xmlns:xs="http://www.w3.org/2001/XMLSchema" xmlns:p="http://schemas.microsoft.com/office/2006/metadata/properties" xmlns:ns2="4873beb7-5857-4685-be1f-d57550cc96cc" targetNamespace="http://schemas.microsoft.com/office/2006/metadata/properties" ma:root="true" ma:fieldsID="cd0908cc4600e77bf5da051303e00c8d" ns2:_="">
     <xsd:import namespace="4873beb7-5857-4685-be1f-d57550cc96cc"/>
@@ -13214,6 +15076,132 @@
 </ct:contentTypeSchema>
 </file>
 
+<file path=customXml/item3.xml><?xml version="1.0" encoding="utf-8"?>
+<p:properties xmlns:p="http://schemas.microsoft.com/office/2006/metadata/properties" xmlns:xsi="http://www.w3.org/2001/XMLSchema-instance" xmlns:pc="http://schemas.microsoft.com/office/infopath/2007/PartnerControls">
+  <documentManagement>
+    <DirectSourceMarket xmlns="4873beb7-5857-4685-be1f-d57550cc96cc" xsi:nil="true"/>
+    <ApprovalStatus xmlns="4873beb7-5857-4685-be1f-d57550cc96cc">InProgress</ApprovalStatus>
+    <MarketSpecific xmlns="4873beb7-5857-4685-be1f-d57550cc96cc">false</MarketSpecific>
+    <LocComments xmlns="4873beb7-5857-4685-be1f-d57550cc96cc" xsi:nil="true"/>
+    <ThumbnailAssetId xmlns="4873beb7-5857-4685-be1f-d57550cc96cc" xsi:nil="true"/>
+    <PrimaryImageGen xmlns="4873beb7-5857-4685-be1f-d57550cc96cc">true</PrimaryImageGen>
+    <LegacyData xmlns="4873beb7-5857-4685-be1f-d57550cc96cc" xsi:nil="true"/>
+    <LocRecommendedHandoff xmlns="4873beb7-5857-4685-be1f-d57550cc96cc" xsi:nil="true"/>
+    <BusinessGroup xmlns="4873beb7-5857-4685-be1f-d57550cc96cc" xsi:nil="true"/>
+    <BlockPublish xmlns="4873beb7-5857-4685-be1f-d57550cc96cc">false</BlockPublish>
+    <TPFriendlyName xmlns="4873beb7-5857-4685-be1f-d57550cc96cc" xsi:nil="true"/>
+    <NumericId xmlns="4873beb7-5857-4685-be1f-d57550cc96cc" xsi:nil="true"/>
+    <APEditor xmlns="4873beb7-5857-4685-be1f-d57550cc96cc">
+      <UserInfo>
+        <DisplayName/>
+        <AccountId xsi:nil="true"/>
+        <AccountType/>
+      </UserInfo>
+    </APEditor>
+    <SourceTitle xmlns="4873beb7-5857-4685-be1f-d57550cc96cc" xsi:nil="true"/>
+    <OpenTemplate xmlns="4873beb7-5857-4685-be1f-d57550cc96cc">true</OpenTemplate>
+    <UALocComments xmlns="4873beb7-5857-4685-be1f-d57550cc96cc" xsi:nil="true"/>
+    <ParentAssetId xmlns="4873beb7-5857-4685-be1f-d57550cc96cc" xsi:nil="true"/>
+    <IntlLangReviewDate xmlns="4873beb7-5857-4685-be1f-d57550cc96cc" xsi:nil="true"/>
+    <FeatureTagsTaxHTField0 xmlns="4873beb7-5857-4685-be1f-d57550cc96cc">
+      <Terms xmlns="http://schemas.microsoft.com/office/infopath/2007/PartnerControls"/>
+    </FeatureTagsTaxHTField0>
+    <PublishStatusLookup xmlns="4873beb7-5857-4685-be1f-d57550cc96cc">
+      <Value>1584528</Value>
+    </PublishStatusLookup>
+    <Providers xmlns="4873beb7-5857-4685-be1f-d57550cc96cc" xsi:nil="true"/>
+    <MachineTranslated xmlns="4873beb7-5857-4685-be1f-d57550cc96cc">false</MachineTranslated>
+    <OriginalSourceMarket xmlns="4873beb7-5857-4685-be1f-d57550cc96cc" xsi:nil="true"/>
+    <APDescription xmlns="4873beb7-5857-4685-be1f-d57550cc96cc" xsi:nil="true"/>
+    <ClipArtFilename xmlns="4873beb7-5857-4685-be1f-d57550cc96cc" xsi:nil="true"/>
+    <ContentItem xmlns="4873beb7-5857-4685-be1f-d57550cc96cc" xsi:nil="true"/>
+    <TPInstallLocation xmlns="4873beb7-5857-4685-be1f-d57550cc96cc" xsi:nil="true"/>
+    <PublishTargets xmlns="4873beb7-5857-4685-be1f-d57550cc96cc">OfficeOnlineVNext</PublishTargets>
+    <TimesCloned xmlns="4873beb7-5857-4685-be1f-d57550cc96cc" xsi:nil="true"/>
+    <AssetStart xmlns="4873beb7-5857-4685-be1f-d57550cc96cc">2012-06-20T23:39:00+00:00</AssetStart>
+    <Provider xmlns="4873beb7-5857-4685-be1f-d57550cc96cc" xsi:nil="true"/>
+    <AcquiredFrom xmlns="4873beb7-5857-4685-be1f-d57550cc96cc">Internal MS</AcquiredFrom>
+    <FriendlyTitle xmlns="4873beb7-5857-4685-be1f-d57550cc96cc" xsi:nil="true"/>
+    <LastHandOff xmlns="4873beb7-5857-4685-be1f-d57550cc96cc" xsi:nil="true"/>
+    <TPClientViewer xmlns="4873beb7-5857-4685-be1f-d57550cc96cc" xsi:nil="true"/>
+    <UACurrentWords xmlns="4873beb7-5857-4685-be1f-d57550cc96cc" xsi:nil="true"/>
+    <ArtSampleDocs xmlns="4873beb7-5857-4685-be1f-d57550cc96cc" xsi:nil="true"/>
+    <UALocRecommendation xmlns="4873beb7-5857-4685-be1f-d57550cc96cc">Localize</UALocRecommendation>
+    <Manager xmlns="4873beb7-5857-4685-be1f-d57550cc96cc" xsi:nil="true"/>
+    <ShowIn xmlns="4873beb7-5857-4685-be1f-d57550cc96cc">Show everywhere</ShowIn>
+    <UANotes xmlns="4873beb7-5857-4685-be1f-d57550cc96cc" xsi:nil="true"/>
+    <TemplateStatus xmlns="4873beb7-5857-4685-be1f-d57550cc96cc">Complete</TemplateStatus>
+    <InternalTagsTaxHTField0 xmlns="4873beb7-5857-4685-be1f-d57550cc96cc">
+      <Terms xmlns="http://schemas.microsoft.com/office/infopath/2007/PartnerControls"/>
+    </InternalTagsTaxHTField0>
+    <CSXHash xmlns="4873beb7-5857-4685-be1f-d57550cc96cc" xsi:nil="true"/>
+    <Downloads xmlns="4873beb7-5857-4685-be1f-d57550cc96cc">0</Downloads>
+    <VoteCount xmlns="4873beb7-5857-4685-be1f-d57550cc96cc" xsi:nil="true"/>
+    <OOCacheId xmlns="4873beb7-5857-4685-be1f-d57550cc96cc" xsi:nil="true"/>
+    <IsDeleted xmlns="4873beb7-5857-4685-be1f-d57550cc96cc">false</IsDeleted>
+    <AssetExpire xmlns="4873beb7-5857-4685-be1f-d57550cc96cc">2029-01-01T08:00:00+00:00</AssetExpire>
+    <DSATActionTaken xmlns="4873beb7-5857-4685-be1f-d57550cc96cc" xsi:nil="true"/>
+    <CSXSubmissionMarket xmlns="4873beb7-5857-4685-be1f-d57550cc96cc" xsi:nil="true"/>
+    <TPExecutable xmlns="4873beb7-5857-4685-be1f-d57550cc96cc" xsi:nil="true"/>
+    <SubmitterId xmlns="4873beb7-5857-4685-be1f-d57550cc96cc" xsi:nil="true"/>
+    <EditorialTags xmlns="4873beb7-5857-4685-be1f-d57550cc96cc" xsi:nil="true"/>
+    <ApprovalLog xmlns="4873beb7-5857-4685-be1f-d57550cc96cc" xsi:nil="true"/>
+    <AssetType xmlns="4873beb7-5857-4685-be1f-d57550cc96cc">TP</AssetType>
+    <BugNumber xmlns="4873beb7-5857-4685-be1f-d57550cc96cc" xsi:nil="true"/>
+    <CSXSubmissionDate xmlns="4873beb7-5857-4685-be1f-d57550cc96cc" xsi:nil="true"/>
+    <CSXUpdate xmlns="4873beb7-5857-4685-be1f-d57550cc96cc">false</CSXUpdate>
+    <Milestone xmlns="4873beb7-5857-4685-be1f-d57550cc96cc" xsi:nil="true"/>
+    <RecommendationsModifier xmlns="4873beb7-5857-4685-be1f-d57550cc96cc" xsi:nil="true"/>
+    <OriginAsset xmlns="4873beb7-5857-4685-be1f-d57550cc96cc" xsi:nil="true"/>
+    <TPComponent xmlns="4873beb7-5857-4685-be1f-d57550cc96cc" xsi:nil="true"/>
+    <AssetId xmlns="4873beb7-5857-4685-be1f-d57550cc96cc">TP102923943</AssetId>
+    <IntlLocPriority xmlns="4873beb7-5857-4685-be1f-d57550cc96cc" xsi:nil="true"/>
+    <PolicheckWords xmlns="4873beb7-5857-4685-be1f-d57550cc96cc" xsi:nil="true"/>
+    <TPLaunchHelpLink xmlns="4873beb7-5857-4685-be1f-d57550cc96cc" xsi:nil="true"/>
+    <TPApplication xmlns="4873beb7-5857-4685-be1f-d57550cc96cc" xsi:nil="true"/>
+    <CrawlForDependencies xmlns="4873beb7-5857-4685-be1f-d57550cc96cc">false</CrawlForDependencies>
+    <HandoffToMSDN xmlns="4873beb7-5857-4685-be1f-d57550cc96cc" xsi:nil="true"/>
+    <PlannedPubDate xmlns="4873beb7-5857-4685-be1f-d57550cc96cc" xsi:nil="true"/>
+    <IntlLangReviewer xmlns="4873beb7-5857-4685-be1f-d57550cc96cc" xsi:nil="true"/>
+    <TrustLevel xmlns="4873beb7-5857-4685-be1f-d57550cc96cc">1 Microsoft Managed Content</TrustLevel>
+    <LocLastLocAttemptVersionLookup xmlns="4873beb7-5857-4685-be1f-d57550cc96cc">843282</LocLastLocAttemptVersionLookup>
+    <IsSearchable xmlns="4873beb7-5857-4685-be1f-d57550cc96cc">true</IsSearchable>
+    <TemplateTemplateType xmlns="4873beb7-5857-4685-be1f-d57550cc96cc">PowerPoint Template - Slideshow Launch</TemplateTemplateType>
+    <CampaignTagsTaxHTField0 xmlns="4873beb7-5857-4685-be1f-d57550cc96cc">
+      <Terms xmlns="http://schemas.microsoft.com/office/infopath/2007/PartnerControls"/>
+    </CampaignTagsTaxHTField0>
+    <TPNamespace xmlns="4873beb7-5857-4685-be1f-d57550cc96cc" xsi:nil="true"/>
+    <TaxCatchAll xmlns="4873beb7-5857-4685-be1f-d57550cc96cc"/>
+    <Markets xmlns="4873beb7-5857-4685-be1f-d57550cc96cc"/>
+    <UAProjectedTotalWords xmlns="4873beb7-5857-4685-be1f-d57550cc96cc" xsi:nil="true"/>
+    <IntlLangReview xmlns="4873beb7-5857-4685-be1f-d57550cc96cc">false</IntlLangReview>
+    <OutputCachingOn xmlns="4873beb7-5857-4685-be1f-d57550cc96cc">false</OutputCachingOn>
+    <AverageRating xmlns="4873beb7-5857-4685-be1f-d57550cc96cc" xsi:nil="true"/>
+    <LocMarketGroupTiers2 xmlns="4873beb7-5857-4685-be1f-d57550cc96cc" xsi:nil="true"/>
+    <APAuthor xmlns="4873beb7-5857-4685-be1f-d57550cc96cc">
+      <UserInfo>
+        <DisplayName>REDMOND\v-sa</DisplayName>
+        <AccountId>2467</AccountId>
+        <AccountType/>
+      </UserInfo>
+    </APAuthor>
+    <LocManualTestRequired xmlns="4873beb7-5857-4685-be1f-d57550cc96cc">false</LocManualTestRequired>
+    <TPCommandLine xmlns="4873beb7-5857-4685-be1f-d57550cc96cc" xsi:nil="true"/>
+    <TPAppVersion xmlns="4873beb7-5857-4685-be1f-d57550cc96cc" xsi:nil="true"/>
+    <EditorialStatus xmlns="4873beb7-5857-4685-be1f-d57550cc96cc">Complete</EditorialStatus>
+    <LastModifiedDateTime xmlns="4873beb7-5857-4685-be1f-d57550cc96cc" xsi:nil="true"/>
+    <ScenarioTagsTaxHTField0 xmlns="4873beb7-5857-4685-be1f-d57550cc96cc">
+      <Terms xmlns="http://schemas.microsoft.com/office/infopath/2007/PartnerControls"/>
+    </ScenarioTagsTaxHTField0>
+    <OriginalRelease xmlns="4873beb7-5857-4685-be1f-d57550cc96cc">15</OriginalRelease>
+    <TPLaunchHelpLinkType xmlns="4873beb7-5857-4685-be1f-d57550cc96cc">Template</TPLaunchHelpLinkType>
+    <LocalizationTagsTaxHTField0 xmlns="4873beb7-5857-4685-be1f-d57550cc96cc">
+      <Terms xmlns="http://schemas.microsoft.com/office/infopath/2007/PartnerControls"/>
+    </LocalizationTagsTaxHTField0>
+  </documentManagement>
+</p:properties>
+</file>
+
 <file path=customXml/itemProps1.xml><?xml version="1.0" encoding="utf-8"?>
 <ds:datastoreItem xmlns:ds="http://schemas.openxmlformats.org/officeDocument/2006/customXml" ds:itemID="{C3DEC53A-9DF1-4780-BE92-17E971B7A9ED}">
   <ds:schemaRefs>
@@ -13223,22 +15211,6 @@
 </file>
 
 <file path=customXml/itemProps2.xml><?xml version="1.0" encoding="utf-8"?>
-<ds:datastoreItem xmlns:ds="http://schemas.openxmlformats.org/officeDocument/2006/customXml" ds:itemID="{B970C04F-E7AC-41AB-9C6D-1B1BB88BFF7F}">
-  <ds:schemaRefs>
-    <ds:schemaRef ds:uri="http://schemas.microsoft.com/office/2006/documentManagement/types"/>
-    <ds:schemaRef ds:uri="http://schemas.microsoft.com/office/infopath/2007/PartnerControls"/>
-    <ds:schemaRef ds:uri="http://purl.org/dc/dcmitype/"/>
-    <ds:schemaRef ds:uri="http://schemas.openxmlformats.org/package/2006/metadata/core-properties"/>
-    <ds:schemaRef ds:uri="http://purl.org/dc/elements/1.1/"/>
-    <ds:schemaRef ds:uri="4873beb7-5857-4685-be1f-d57550cc96cc"/>
-    <ds:schemaRef ds:uri="http://purl.org/dc/terms/"/>
-    <ds:schemaRef ds:uri="http://schemas.microsoft.com/office/2006/metadata/properties"/>
-    <ds:schemaRef ds:uri="http://www.w3.org/XML/1998/namespace"/>
-  </ds:schemaRefs>
-</ds:datastoreItem>
-</file>
-
-<file path=customXml/itemProps3.xml><?xml version="1.0" encoding="utf-8"?>
 <ds:datastoreItem xmlns:ds="http://schemas.openxmlformats.org/officeDocument/2006/customXml" ds:itemID="{63EE7759-C66F-4EA4-9863-7EBA32518D3D}">
   <ds:schemaRefs>
     <ds:schemaRef ds:uri="http://schemas.microsoft.com/office/2006/metadata/contentType"/>
@@ -13254,4 +15226,20 @@
     <ds:schemaRef ds:uri="http://schemas.microsoft.com/internal/obd"/>
   </ds:schemaRefs>
 </ds:datastoreItem>
+</file>
+
+<file path=customXml/itemProps3.xml><?xml version="1.0" encoding="utf-8"?>
+<ds:datastoreItem xmlns:ds="http://schemas.openxmlformats.org/officeDocument/2006/customXml" ds:itemID="{B970C04F-E7AC-41AB-9C6D-1B1BB88BFF7F}">
+  <ds:schemaRefs>
+    <ds:schemaRef ds:uri="http://schemas.microsoft.com/office/2006/documentManagement/types"/>
+    <ds:schemaRef ds:uri="http://schemas.microsoft.com/office/infopath/2007/PartnerControls"/>
+    <ds:schemaRef ds:uri="http://purl.org/dc/dcmitype/"/>
+    <ds:schemaRef ds:uri="http://schemas.openxmlformats.org/package/2006/metadata/core-properties"/>
+    <ds:schemaRef ds:uri="http://purl.org/dc/elements/1.1/"/>
+    <ds:schemaRef ds:uri="4873beb7-5857-4685-be1f-d57550cc96cc"/>
+    <ds:schemaRef ds:uri="http://purl.org/dc/terms/"/>
+    <ds:schemaRef ds:uri="http://schemas.microsoft.com/office/2006/metadata/properties"/>
+    <ds:schemaRef ds:uri="http://www.w3.org/XML/1998/namespace"/>
+  </ds:schemaRefs>
+</ds:datastoreItem>
 </file>